--- a/4_Presentation/Präsentation_anna.pptx
+++ b/4_Presentation/Präsentation_anna.pptx
@@ -4,15 +4,14 @@
   <p:sldMasterIdLst>
     <p:sldMasterId id="2147483648" r:id="rId2"/>
     <p:sldMasterId id="2147483661" r:id="rId3"/>
-    <p:sldMasterId id="2147483674" r:id="rId4"/>
   </p:sldMasterIdLst>
   <p:notesMasterIdLst>
-    <p:notesMasterId r:id="rId5"/>
+    <p:notesMasterId r:id="rId4"/>
   </p:notesMasterIdLst>
   <p:sldIdLst>
-    <p:sldId id="256" r:id="rId6"/>
-    <p:sldId id="257" r:id="rId7"/>
-    <p:sldId id="258" r:id="rId8"/>
+    <p:sldId id="256" r:id="rId5"/>
+    <p:sldId id="257" r:id="rId6"/>
+    <p:sldId id="258" r:id="rId7"/>
   </p:sldIdLst>
   <p:sldSz cx="12192000" cy="6858000"/>
   <p:notesSz cx="6858000" cy="9144000"/>
@@ -38,7 +37,7 @@
       </p:grpSpPr>
       <p:sp>
         <p:nvSpPr>
-          <p:cNvPr id="128" name="PlaceHolder 1"/>
+          <p:cNvPr id="83" name="PlaceHolder 1"/>
           <p:cNvSpPr>
             <a:spLocks noGrp="1"/>
           </p:cNvSpPr>
@@ -64,27 +63,22 @@
             <a:noAutofit/>
           </a:bodyPr>
           <a:p>
+            <a:pPr algn="ctr"/>
             <a:r>
-              <a:rPr b="0" lang="de-DE" sz="1800" spc="-1" strike="noStrike">
-                <a:solidFill>
-                  <a:srgbClr val="000000"/>
-                </a:solidFill>
-                <a:latin typeface="Segoe UI"/>
+              <a:rPr b="0" lang="de-DE" sz="4400" spc="-1" strike="noStrike">
+                <a:latin typeface="Arial"/>
               </a:rPr>
               <a:t>Folie mittels Klicken verschieben</a:t>
             </a:r>
-            <a:endParaRPr b="0" lang="de-DE" sz="1800" spc="-1" strike="noStrike">
-              <a:solidFill>
-                <a:srgbClr val="000000"/>
-              </a:solidFill>
-              <a:latin typeface="Segoe UI"/>
-            </a:endParaRPr>
-          </a:p>
-        </p:txBody>
-      </p:sp>
-      <p:sp>
-        <p:nvSpPr>
-          <p:cNvPr id="129" name="PlaceHolder 2"/>
+            <a:endParaRPr b="0" lang="de-DE" sz="4400" spc="-1" strike="noStrike">
+              <a:latin typeface="Arial"/>
+            </a:endParaRPr>
+          </a:p>
+        </p:txBody>
+      </p:sp>
+      <p:sp>
+        <p:nvSpPr>
+          <p:cNvPr id="84" name="PlaceHolder 2"/>
           <p:cNvSpPr>
             <a:spLocks noGrp="1"/>
           </p:cNvSpPr>
@@ -124,7 +118,7 @@
       </p:sp>
       <p:sp>
         <p:nvSpPr>
-          <p:cNvPr id="130" name="PlaceHolder 3"/>
+          <p:cNvPr id="85" name="PlaceHolder 3"/>
           <p:cNvSpPr>
             <a:spLocks noGrp="1"/>
           </p:cNvSpPr>
@@ -164,7 +158,7 @@
       </p:sp>
       <p:sp>
         <p:nvSpPr>
-          <p:cNvPr id="131" name="PlaceHolder 4"/>
+          <p:cNvPr id="86" name="PlaceHolder 4"/>
           <p:cNvSpPr>
             <a:spLocks noGrp="1"/>
           </p:cNvSpPr>
@@ -205,7 +199,7 @@
       </p:sp>
       <p:sp>
         <p:nvSpPr>
-          <p:cNvPr id="132" name="PlaceHolder 5"/>
+          <p:cNvPr id="87" name="PlaceHolder 5"/>
           <p:cNvSpPr>
             <a:spLocks noGrp="1"/>
           </p:cNvSpPr>
@@ -245,7 +239,7 @@
       </p:sp>
       <p:sp>
         <p:nvSpPr>
-          <p:cNvPr id="133" name="PlaceHolder 6"/>
+          <p:cNvPr id="88" name="PlaceHolder 6"/>
           <p:cNvSpPr>
             <a:spLocks noGrp="1"/>
           </p:cNvSpPr>
@@ -272,7 +266,7 @@
           </a:bodyPr>
           <a:p>
             <a:pPr algn="r"/>
-            <a:fld id="{0395C610-C88C-47E6-91EE-469C6FE2D2B1}" type="slidenum">
+            <a:fld id="{32A30972-2F71-433A-97A6-9FE7C801E2E3}" type="slidenum">
               <a:rPr b="0" lang="de-DE" sz="1400" spc="-1" strike="noStrike">
                 <a:latin typeface="Times New Roman"/>
               </a:rPr>
@@ -309,7 +303,7 @@
       </p:grpSpPr>
       <p:sp>
         <p:nvSpPr>
-          <p:cNvPr id="148" name="PlaceHolder 1"/>
+          <p:cNvPr id="103" name="PlaceHolder 1"/>
           <p:cNvSpPr>
             <a:spLocks noGrp="1"/>
           </p:cNvSpPr>
@@ -320,19 +314,19 @@
         <p:spPr>
           <a:xfrm>
             <a:off x="685800" y="1143000"/>
-            <a:ext cx="5486040" cy="3085920"/>
-          </a:xfrm>
-          <a:prstGeom prst="rect">
-            <a:avLst/>
-          </a:prstGeom>
-          <a:ln w="0">
-            <a:noFill/>
-          </a:ln>
-        </p:spPr>
-      </p:sp>
-      <p:sp>
-        <p:nvSpPr>
-          <p:cNvPr id="149" name="PlaceHolder 2"/>
+            <a:ext cx="5485680" cy="3085560"/>
+          </a:xfrm>
+          <a:prstGeom prst="rect">
+            <a:avLst/>
+          </a:prstGeom>
+          <a:ln w="0">
+            <a:noFill/>
+          </a:ln>
+        </p:spPr>
+      </p:sp>
+      <p:sp>
+        <p:nvSpPr>
+          <p:cNvPr id="104" name="PlaceHolder 2"/>
           <p:cNvSpPr>
             <a:spLocks noGrp="1"/>
           </p:cNvSpPr>
@@ -343,18 +337,18 @@
         <p:spPr>
           <a:xfrm>
             <a:off x="685800" y="4400640"/>
-            <a:ext cx="5486040" cy="3600000"/>
-          </a:xfrm>
-          <a:prstGeom prst="rect">
-            <a:avLst/>
-          </a:prstGeom>
-          <a:noFill/>
-          <a:ln w="0">
-            <a:noFill/>
-          </a:ln>
-        </p:spPr>
-        <p:txBody>
-          <a:bodyPr anchor="t">
+            <a:ext cx="5485680" cy="3599640"/>
+          </a:xfrm>
+          <a:prstGeom prst="rect">
+            <a:avLst/>
+          </a:prstGeom>
+          <a:noFill/>
+          <a:ln w="0">
+            <a:noFill/>
+          </a:ln>
+        </p:spPr>
+        <p:txBody>
+          <a:bodyPr lIns="0" rIns="0" tIns="0" bIns="0" anchor="t">
             <a:noAutofit/>
           </a:bodyPr>
           <a:p>
@@ -366,7 +360,7 @@
       </p:sp>
       <p:sp>
         <p:nvSpPr>
-          <p:cNvPr id="150" name="PlaceHolder 3"/>
+          <p:cNvPr id="105" name="PlaceHolder 3"/>
           <p:cNvSpPr>
             <a:spLocks noGrp="1"/>
           </p:cNvSpPr>
@@ -377,18 +371,18 @@
         <p:spPr>
           <a:xfrm>
             <a:off x="3884760" y="8685360"/>
-            <a:ext cx="2971440" cy="458280"/>
-          </a:xfrm>
-          <a:prstGeom prst="rect">
-            <a:avLst/>
-          </a:prstGeom>
-          <a:noFill/>
-          <a:ln w="0">
-            <a:noFill/>
-          </a:ln>
-        </p:spPr>
-        <p:txBody>
-          <a:bodyPr anchor="b">
+            <a:ext cx="2971080" cy="457920"/>
+          </a:xfrm>
+          <a:prstGeom prst="rect">
+            <a:avLst/>
+          </a:prstGeom>
+          <a:noFill/>
+          <a:ln w="0">
+            <a:noFill/>
+          </a:ln>
+        </p:spPr>
+        <p:txBody>
+          <a:bodyPr lIns="0" rIns="0" tIns="0" bIns="0" anchor="b">
             <a:noAutofit/>
           </a:bodyPr>
           <a:p>
@@ -397,7 +391,7 @@
                 <a:spcPct val="100000"/>
               </a:lnSpc>
             </a:pPr>
-            <a:fld id="{A73115CF-A696-48F6-A13D-3E5140D37F11}" type="slidenum">
+            <a:fld id="{116C2BD5-AFF8-4024-8FF0-9801509246CF}" type="slidenum">
               <a:rPr b="0" lang="de-DE" sz="1200" spc="-1" strike="noStrike">
                 <a:solidFill>
                   <a:srgbClr val="000000"/>
@@ -405,7 +399,7 @@
                 <a:latin typeface="+mn-lt"/>
                 <a:ea typeface="+mn-ea"/>
               </a:rPr>
-              <a:t>2</a:t>
+              <a:t>&lt;Foliennummer&gt;</a:t>
             </a:fld>
             <a:endParaRPr b="0" lang="de-DE" sz="1200" spc="-1" strike="noStrike">
               <a:latin typeface="Times New Roman"/>
@@ -437,7 +431,7 @@
       </p:grpSpPr>
       <p:sp>
         <p:nvSpPr>
-          <p:cNvPr id="151" name="PlaceHolder 1"/>
+          <p:cNvPr id="106" name="PlaceHolder 1"/>
           <p:cNvSpPr>
             <a:spLocks noGrp="1"/>
           </p:cNvSpPr>
@@ -448,19 +442,19 @@
         <p:spPr>
           <a:xfrm>
             <a:off x="685800" y="1143000"/>
-            <a:ext cx="5486040" cy="3085920"/>
-          </a:xfrm>
-          <a:prstGeom prst="rect">
-            <a:avLst/>
-          </a:prstGeom>
-          <a:ln w="0">
-            <a:noFill/>
-          </a:ln>
-        </p:spPr>
-      </p:sp>
-      <p:sp>
-        <p:nvSpPr>
-          <p:cNvPr id="152" name="PlaceHolder 2"/>
+            <a:ext cx="5485680" cy="3085560"/>
+          </a:xfrm>
+          <a:prstGeom prst="rect">
+            <a:avLst/>
+          </a:prstGeom>
+          <a:ln w="0">
+            <a:noFill/>
+          </a:ln>
+        </p:spPr>
+      </p:sp>
+      <p:sp>
+        <p:nvSpPr>
+          <p:cNvPr id="107" name="PlaceHolder 2"/>
           <p:cNvSpPr>
             <a:spLocks noGrp="1"/>
           </p:cNvSpPr>
@@ -471,18 +465,18 @@
         <p:spPr>
           <a:xfrm>
             <a:off x="685800" y="4400640"/>
-            <a:ext cx="5486040" cy="3600000"/>
-          </a:xfrm>
-          <a:prstGeom prst="rect">
-            <a:avLst/>
-          </a:prstGeom>
-          <a:noFill/>
-          <a:ln w="0">
-            <a:noFill/>
-          </a:ln>
-        </p:spPr>
-        <p:txBody>
-          <a:bodyPr anchor="t">
+            <a:ext cx="5485680" cy="3599640"/>
+          </a:xfrm>
+          <a:prstGeom prst="rect">
+            <a:avLst/>
+          </a:prstGeom>
+          <a:noFill/>
+          <a:ln w="0">
+            <a:noFill/>
+          </a:ln>
+        </p:spPr>
+        <p:txBody>
+          <a:bodyPr lIns="0" rIns="0" tIns="0" bIns="0" anchor="t">
             <a:noAutofit/>
           </a:bodyPr>
           <a:p>
@@ -494,7 +488,7 @@
       </p:sp>
       <p:sp>
         <p:nvSpPr>
-          <p:cNvPr id="153" name="PlaceHolder 3"/>
+          <p:cNvPr id="108" name="PlaceHolder 3"/>
           <p:cNvSpPr>
             <a:spLocks noGrp="1"/>
           </p:cNvSpPr>
@@ -505,18 +499,18 @@
         <p:spPr>
           <a:xfrm>
             <a:off x="3884760" y="8685360"/>
-            <a:ext cx="2971440" cy="458280"/>
-          </a:xfrm>
-          <a:prstGeom prst="rect">
-            <a:avLst/>
-          </a:prstGeom>
-          <a:noFill/>
-          <a:ln w="0">
-            <a:noFill/>
-          </a:ln>
-        </p:spPr>
-        <p:txBody>
-          <a:bodyPr anchor="b">
+            <a:ext cx="2971080" cy="457920"/>
+          </a:xfrm>
+          <a:prstGeom prst="rect">
+            <a:avLst/>
+          </a:prstGeom>
+          <a:noFill/>
+          <a:ln w="0">
+            <a:noFill/>
+          </a:ln>
+        </p:spPr>
+        <p:txBody>
+          <a:bodyPr lIns="0" rIns="0" tIns="0" bIns="0" anchor="b">
             <a:noAutofit/>
           </a:bodyPr>
           <a:p>
@@ -525,11 +519,11 @@
                 <a:spcPct val="100000"/>
               </a:lnSpc>
             </a:pPr>
-            <a:fld id="{C12DD8C4-8F11-471C-BBA1-D71C8F9F3769}" type="slidenum">
+            <a:fld id="{2D33047F-427D-4A4A-A788-2357E56630BD}" type="slidenum">
               <a:rPr b="0" lang="de-DE" sz="1200" spc="-1" strike="noStrike">
                 <a:latin typeface="Times New Roman"/>
               </a:rPr>
-              <a:t>2</a:t>
+              <a:t>&lt;Foliennummer&gt;</a:t>
             </a:fld>
             <a:endParaRPr b="0" lang="de-DE" sz="1200" spc="-1" strike="noStrike">
               <a:latin typeface="Times New Roman"/>
@@ -561,7 +555,7 @@
       </p:grpSpPr>
       <p:sp>
         <p:nvSpPr>
-          <p:cNvPr id="154" name="PlaceHolder 1"/>
+          <p:cNvPr id="109" name="PlaceHolder 1"/>
           <p:cNvSpPr>
             <a:spLocks noGrp="1"/>
           </p:cNvSpPr>
@@ -572,19 +566,19 @@
         <p:spPr>
           <a:xfrm>
             <a:off x="685800" y="1143000"/>
-            <a:ext cx="5486040" cy="3085920"/>
-          </a:xfrm>
-          <a:prstGeom prst="rect">
-            <a:avLst/>
-          </a:prstGeom>
-          <a:ln w="0">
-            <a:noFill/>
-          </a:ln>
-        </p:spPr>
-      </p:sp>
-      <p:sp>
-        <p:nvSpPr>
-          <p:cNvPr id="155" name="PlaceHolder 2"/>
+            <a:ext cx="5485680" cy="3085560"/>
+          </a:xfrm>
+          <a:prstGeom prst="rect">
+            <a:avLst/>
+          </a:prstGeom>
+          <a:ln w="0">
+            <a:noFill/>
+          </a:ln>
+        </p:spPr>
+      </p:sp>
+      <p:sp>
+        <p:nvSpPr>
+          <p:cNvPr id="110" name="PlaceHolder 2"/>
           <p:cNvSpPr>
             <a:spLocks noGrp="1"/>
           </p:cNvSpPr>
@@ -595,18 +589,18 @@
         <p:spPr>
           <a:xfrm>
             <a:off x="685800" y="4400640"/>
-            <a:ext cx="5486040" cy="3600000"/>
-          </a:xfrm>
-          <a:prstGeom prst="rect">
-            <a:avLst/>
-          </a:prstGeom>
-          <a:noFill/>
-          <a:ln w="0">
-            <a:noFill/>
-          </a:ln>
-        </p:spPr>
-        <p:txBody>
-          <a:bodyPr anchor="t">
+            <a:ext cx="5485680" cy="3599640"/>
+          </a:xfrm>
+          <a:prstGeom prst="rect">
+            <a:avLst/>
+          </a:prstGeom>
+          <a:noFill/>
+          <a:ln w="0">
+            <a:noFill/>
+          </a:ln>
+        </p:spPr>
+        <p:txBody>
+          <a:bodyPr lIns="0" rIns="0" tIns="0" bIns="0" anchor="t">
             <a:noAutofit/>
           </a:bodyPr>
           <a:p>
@@ -618,7 +612,7 @@
       </p:sp>
       <p:sp>
         <p:nvSpPr>
-          <p:cNvPr id="156" name="PlaceHolder 3"/>
+          <p:cNvPr id="111" name="PlaceHolder 3"/>
           <p:cNvSpPr>
             <a:spLocks noGrp="1"/>
           </p:cNvSpPr>
@@ -629,18 +623,18 @@
         <p:spPr>
           <a:xfrm>
             <a:off x="3884760" y="8685360"/>
-            <a:ext cx="2971440" cy="458280"/>
-          </a:xfrm>
-          <a:prstGeom prst="rect">
-            <a:avLst/>
-          </a:prstGeom>
-          <a:noFill/>
-          <a:ln w="0">
-            <a:noFill/>
-          </a:ln>
-        </p:spPr>
-        <p:txBody>
-          <a:bodyPr anchor="b">
+            <a:ext cx="2971080" cy="457920"/>
+          </a:xfrm>
+          <a:prstGeom prst="rect">
+            <a:avLst/>
+          </a:prstGeom>
+          <a:noFill/>
+          <a:ln w="0">
+            <a:noFill/>
+          </a:ln>
+        </p:spPr>
+        <p:txBody>
+          <a:bodyPr lIns="0" rIns="0" tIns="0" bIns="0" anchor="b">
             <a:noAutofit/>
           </a:bodyPr>
           <a:p>
@@ -649,11 +643,11 @@
                 <a:spcPct val="100000"/>
               </a:lnSpc>
             </a:pPr>
-            <a:fld id="{F23B4160-2A67-4C0B-9B5A-E37A6B8092BF}" type="slidenum">
+            <a:fld id="{68C1210F-D96E-4640-9DA8-C942569E8D9A}" type="slidenum">
               <a:rPr b="0" lang="de-DE" sz="1200" spc="-1" strike="noStrike">
                 <a:latin typeface="Times New Roman"/>
               </a:rPr>
-              <a:t>2</a:t>
+              <a:t>&lt;Foliennummer&gt;</a:t>
             </a:fld>
             <a:endParaRPr b="0" lang="de-DE" sz="1200" spc="-1" strike="noStrike">
               <a:latin typeface="Times New Roman"/>
@@ -717,8 +711,8 @@
         </p:nvSpPr>
         <p:spPr>
           <a:xfrm>
-            <a:off x="521280" y="448200"/>
-            <a:ext cx="6876720" cy="639720"/>
+            <a:off x="609480" y="273600"/>
+            <a:ext cx="10972440" cy="1144800"/>
           </a:xfrm>
           <a:prstGeom prst="rect">
             <a:avLst/>
@@ -733,11 +727,9 @@
             <a:noAutofit/>
           </a:bodyPr>
           <a:p>
-            <a:endParaRPr b="0" lang="de-DE" sz="1800" spc="-1" strike="noStrike">
-              <a:solidFill>
-                <a:srgbClr val="000000"/>
-              </a:solidFill>
-              <a:latin typeface="Segoe UI"/>
+            <a:pPr algn="ctr"/>
+            <a:endParaRPr b="0" lang="de-DE" sz="4400" spc="-1" strike="noStrike">
+              <a:latin typeface="Arial"/>
             </a:endParaRPr>
           </a:p>
         </p:txBody>
@@ -754,8 +746,8 @@
         </p:nvSpPr>
         <p:spPr>
           <a:xfrm>
-            <a:off x="539640" y="1435680"/>
-            <a:ext cx="4416120" cy="1896840"/>
+            <a:off x="609480" y="1604520"/>
+            <a:ext cx="10972440" cy="1896840"/>
           </a:xfrm>
           <a:prstGeom prst="rect">
             <a:avLst/>
@@ -770,11 +762,8 @@
             <a:normAutofit/>
           </a:bodyPr>
           <a:p>
-            <a:endParaRPr b="0" lang="en-US" sz="1200" spc="-1" strike="noStrike">
-              <a:solidFill>
-                <a:srgbClr val="000000"/>
-              </a:solidFill>
-              <a:latin typeface="Segoe UI"/>
+            <a:endParaRPr b="0" lang="de-DE" sz="3200" spc="-1" strike="noStrike">
+              <a:latin typeface="Arial"/>
             </a:endParaRPr>
           </a:p>
         </p:txBody>
@@ -791,8 +780,8 @@
         </p:nvSpPr>
         <p:spPr>
           <a:xfrm>
-            <a:off x="539640" y="3513240"/>
-            <a:ext cx="4416120" cy="1896840"/>
+            <a:off x="609480" y="3682080"/>
+            <a:ext cx="10972440" cy="1896840"/>
           </a:xfrm>
           <a:prstGeom prst="rect">
             <a:avLst/>
@@ -807,11 +796,8 @@
             <a:normAutofit/>
           </a:bodyPr>
           <a:p>
-            <a:endParaRPr b="0" lang="en-US" sz="1200" spc="-1" strike="noStrike">
-              <a:solidFill>
-                <a:srgbClr val="000000"/>
-              </a:solidFill>
-              <a:latin typeface="Segoe UI"/>
+            <a:endParaRPr b="0" lang="de-DE" sz="3200" spc="-1" strike="noStrike">
+              <a:latin typeface="Arial"/>
             </a:endParaRPr>
           </a:p>
         </p:txBody>
@@ -850,8 +836,8 @@
         </p:nvSpPr>
         <p:spPr>
           <a:xfrm>
-            <a:off x="521280" y="448200"/>
-            <a:ext cx="6876720" cy="639720"/>
+            <a:off x="609480" y="273600"/>
+            <a:ext cx="10972440" cy="1144800"/>
           </a:xfrm>
           <a:prstGeom prst="rect">
             <a:avLst/>
@@ -866,11 +852,9 @@
             <a:noAutofit/>
           </a:bodyPr>
           <a:p>
-            <a:endParaRPr b="0" lang="de-DE" sz="1800" spc="-1" strike="noStrike">
-              <a:solidFill>
-                <a:srgbClr val="000000"/>
-              </a:solidFill>
-              <a:latin typeface="Segoe UI"/>
+            <a:pPr algn="ctr"/>
+            <a:endParaRPr b="0" lang="de-DE" sz="4400" spc="-1" strike="noStrike">
+              <a:latin typeface="Arial"/>
             </a:endParaRPr>
           </a:p>
         </p:txBody>
@@ -887,8 +871,8 @@
         </p:nvSpPr>
         <p:spPr>
           <a:xfrm>
-            <a:off x="539640" y="1435680"/>
-            <a:ext cx="2154960" cy="1896840"/>
+            <a:off x="609480" y="1604520"/>
+            <a:ext cx="5354280" cy="1896840"/>
           </a:xfrm>
           <a:prstGeom prst="rect">
             <a:avLst/>
@@ -903,11 +887,8 @@
             <a:normAutofit/>
           </a:bodyPr>
           <a:p>
-            <a:endParaRPr b="0" lang="en-US" sz="1200" spc="-1" strike="noStrike">
-              <a:solidFill>
-                <a:srgbClr val="000000"/>
-              </a:solidFill>
-              <a:latin typeface="Segoe UI"/>
+            <a:endParaRPr b="0" lang="de-DE" sz="3200" spc="-1" strike="noStrike">
+              <a:latin typeface="Arial"/>
             </a:endParaRPr>
           </a:p>
         </p:txBody>
@@ -924,8 +905,8 @@
         </p:nvSpPr>
         <p:spPr>
           <a:xfrm>
-            <a:off x="2802600" y="1435680"/>
-            <a:ext cx="2154960" cy="1896840"/>
+            <a:off x="6231960" y="1604520"/>
+            <a:ext cx="5354280" cy="1896840"/>
           </a:xfrm>
           <a:prstGeom prst="rect">
             <a:avLst/>
@@ -940,11 +921,8 @@
             <a:normAutofit/>
           </a:bodyPr>
           <a:p>
-            <a:endParaRPr b="0" lang="en-US" sz="1200" spc="-1" strike="noStrike">
-              <a:solidFill>
-                <a:srgbClr val="000000"/>
-              </a:solidFill>
-              <a:latin typeface="Segoe UI"/>
+            <a:endParaRPr b="0" lang="de-DE" sz="3200" spc="-1" strike="noStrike">
+              <a:latin typeface="Arial"/>
             </a:endParaRPr>
           </a:p>
         </p:txBody>
@@ -961,8 +939,8 @@
         </p:nvSpPr>
         <p:spPr>
           <a:xfrm>
-            <a:off x="539640" y="3513240"/>
-            <a:ext cx="2154960" cy="1896840"/>
+            <a:off x="609480" y="3682080"/>
+            <a:ext cx="5354280" cy="1896840"/>
           </a:xfrm>
           <a:prstGeom prst="rect">
             <a:avLst/>
@@ -977,11 +955,8 @@
             <a:normAutofit/>
           </a:bodyPr>
           <a:p>
-            <a:endParaRPr b="0" lang="en-US" sz="1200" spc="-1" strike="noStrike">
-              <a:solidFill>
-                <a:srgbClr val="000000"/>
-              </a:solidFill>
-              <a:latin typeface="Segoe UI"/>
+            <a:endParaRPr b="0" lang="de-DE" sz="3200" spc="-1" strike="noStrike">
+              <a:latin typeface="Arial"/>
             </a:endParaRPr>
           </a:p>
         </p:txBody>
@@ -998,8 +973,8 @@
         </p:nvSpPr>
         <p:spPr>
           <a:xfrm>
-            <a:off x="2802600" y="3513240"/>
-            <a:ext cx="2154960" cy="1896840"/>
+            <a:off x="6231960" y="3682080"/>
+            <a:ext cx="5354280" cy="1896840"/>
           </a:xfrm>
           <a:prstGeom prst="rect">
             <a:avLst/>
@@ -1014,11 +989,8 @@
             <a:normAutofit/>
           </a:bodyPr>
           <a:p>
-            <a:endParaRPr b="0" lang="en-US" sz="1200" spc="-1" strike="noStrike">
-              <a:solidFill>
-                <a:srgbClr val="000000"/>
-              </a:solidFill>
-              <a:latin typeface="Segoe UI"/>
+            <a:endParaRPr b="0" lang="de-DE" sz="3200" spc="-1" strike="noStrike">
+              <a:latin typeface="Arial"/>
             </a:endParaRPr>
           </a:p>
         </p:txBody>
@@ -1057,8 +1029,8 @@
         </p:nvSpPr>
         <p:spPr>
           <a:xfrm>
-            <a:off x="521280" y="448200"/>
-            <a:ext cx="6876720" cy="639720"/>
+            <a:off x="609480" y="273600"/>
+            <a:ext cx="10972440" cy="1144800"/>
           </a:xfrm>
           <a:prstGeom prst="rect">
             <a:avLst/>
@@ -1073,11 +1045,9 @@
             <a:noAutofit/>
           </a:bodyPr>
           <a:p>
-            <a:endParaRPr b="0" lang="de-DE" sz="1800" spc="-1" strike="noStrike">
-              <a:solidFill>
-                <a:srgbClr val="000000"/>
-              </a:solidFill>
-              <a:latin typeface="Segoe UI"/>
+            <a:pPr algn="ctr"/>
+            <a:endParaRPr b="0" lang="de-DE" sz="4400" spc="-1" strike="noStrike">
+              <a:latin typeface="Arial"/>
             </a:endParaRPr>
           </a:p>
         </p:txBody>
@@ -1094,8 +1064,8 @@
         </p:nvSpPr>
         <p:spPr>
           <a:xfrm>
-            <a:off x="539640" y="1435680"/>
-            <a:ext cx="1421640" cy="1896840"/>
+            <a:off x="609480" y="1604520"/>
+            <a:ext cx="3533040" cy="1896840"/>
           </a:xfrm>
           <a:prstGeom prst="rect">
             <a:avLst/>
@@ -1110,11 +1080,8 @@
             <a:normAutofit/>
           </a:bodyPr>
           <a:p>
-            <a:endParaRPr b="0" lang="en-US" sz="1200" spc="-1" strike="noStrike">
-              <a:solidFill>
-                <a:srgbClr val="000000"/>
-              </a:solidFill>
-              <a:latin typeface="Segoe UI"/>
+            <a:endParaRPr b="0" lang="de-DE" sz="3200" spc="-1" strike="noStrike">
+              <a:latin typeface="Arial"/>
             </a:endParaRPr>
           </a:p>
         </p:txBody>
@@ -1131,8 +1098,8 @@
         </p:nvSpPr>
         <p:spPr>
           <a:xfrm>
-            <a:off x="2032920" y="1435680"/>
-            <a:ext cx="1421640" cy="1896840"/>
+            <a:off x="4319640" y="1604520"/>
+            <a:ext cx="3533040" cy="1896840"/>
           </a:xfrm>
           <a:prstGeom prst="rect">
             <a:avLst/>
@@ -1147,11 +1114,8 @@
             <a:normAutofit/>
           </a:bodyPr>
           <a:p>
-            <a:endParaRPr b="0" lang="en-US" sz="1200" spc="-1" strike="noStrike">
-              <a:solidFill>
-                <a:srgbClr val="000000"/>
-              </a:solidFill>
-              <a:latin typeface="Segoe UI"/>
+            <a:endParaRPr b="0" lang="de-DE" sz="3200" spc="-1" strike="noStrike">
+              <a:latin typeface="Arial"/>
             </a:endParaRPr>
           </a:p>
         </p:txBody>
@@ -1168,8 +1132,8 @@
         </p:nvSpPr>
         <p:spPr>
           <a:xfrm>
-            <a:off x="3525840" y="1435680"/>
-            <a:ext cx="1421640" cy="1896840"/>
+            <a:off x="8029800" y="1604520"/>
+            <a:ext cx="3533040" cy="1896840"/>
           </a:xfrm>
           <a:prstGeom prst="rect">
             <a:avLst/>
@@ -1184,11 +1148,8 @@
             <a:normAutofit/>
           </a:bodyPr>
           <a:p>
-            <a:endParaRPr b="0" lang="en-US" sz="1200" spc="-1" strike="noStrike">
-              <a:solidFill>
-                <a:srgbClr val="000000"/>
-              </a:solidFill>
-              <a:latin typeface="Segoe UI"/>
+            <a:endParaRPr b="0" lang="de-DE" sz="3200" spc="-1" strike="noStrike">
+              <a:latin typeface="Arial"/>
             </a:endParaRPr>
           </a:p>
         </p:txBody>
@@ -1205,8 +1166,8 @@
         </p:nvSpPr>
         <p:spPr>
           <a:xfrm>
-            <a:off x="539640" y="3513240"/>
-            <a:ext cx="1421640" cy="1896840"/>
+            <a:off x="609480" y="3682080"/>
+            <a:ext cx="3533040" cy="1896840"/>
           </a:xfrm>
           <a:prstGeom prst="rect">
             <a:avLst/>
@@ -1221,11 +1182,8 @@
             <a:normAutofit/>
           </a:bodyPr>
           <a:p>
-            <a:endParaRPr b="0" lang="en-US" sz="1200" spc="-1" strike="noStrike">
-              <a:solidFill>
-                <a:srgbClr val="000000"/>
-              </a:solidFill>
-              <a:latin typeface="Segoe UI"/>
+            <a:endParaRPr b="0" lang="de-DE" sz="3200" spc="-1" strike="noStrike">
+              <a:latin typeface="Arial"/>
             </a:endParaRPr>
           </a:p>
         </p:txBody>
@@ -1242,8 +1200,8 @@
         </p:nvSpPr>
         <p:spPr>
           <a:xfrm>
-            <a:off x="2032920" y="3513240"/>
-            <a:ext cx="1421640" cy="1896840"/>
+            <a:off x="4319640" y="3682080"/>
+            <a:ext cx="3533040" cy="1896840"/>
           </a:xfrm>
           <a:prstGeom prst="rect">
             <a:avLst/>
@@ -1258,11 +1216,8 @@
             <a:normAutofit/>
           </a:bodyPr>
           <a:p>
-            <a:endParaRPr b="0" lang="en-US" sz="1200" spc="-1" strike="noStrike">
-              <a:solidFill>
-                <a:srgbClr val="000000"/>
-              </a:solidFill>
-              <a:latin typeface="Segoe UI"/>
+            <a:endParaRPr b="0" lang="de-DE" sz="3200" spc="-1" strike="noStrike">
+              <a:latin typeface="Arial"/>
             </a:endParaRPr>
           </a:p>
         </p:txBody>
@@ -1279,8 +1234,8 @@
         </p:nvSpPr>
         <p:spPr>
           <a:xfrm>
-            <a:off x="3525840" y="3513240"/>
-            <a:ext cx="1421640" cy="1896840"/>
+            <a:off x="8029800" y="3682080"/>
+            <a:ext cx="3533040" cy="1896840"/>
           </a:xfrm>
           <a:prstGeom prst="rect">
             <a:avLst/>
@@ -1295,11 +1250,8 @@
             <a:normAutofit/>
           </a:bodyPr>
           <a:p>
-            <a:endParaRPr b="0" lang="en-US" sz="1200" spc="-1" strike="noStrike">
-              <a:solidFill>
-                <a:srgbClr val="000000"/>
-              </a:solidFill>
-              <a:latin typeface="Segoe UI"/>
+            <a:endParaRPr b="0" lang="de-DE" sz="3200" spc="-1" strike="noStrike">
+              <a:latin typeface="Arial"/>
             </a:endParaRPr>
           </a:p>
         </p:txBody>
@@ -1350,7 +1302,7 @@
       </p:grpSpPr>
       <p:sp>
         <p:nvSpPr>
-          <p:cNvPr id="50" name="PlaceHolder 1"/>
+          <p:cNvPr id="47" name="PlaceHolder 1"/>
           <p:cNvSpPr>
             <a:spLocks noGrp="1"/>
           </p:cNvSpPr>
@@ -1360,8 +1312,8 @@
         </p:nvSpPr>
         <p:spPr>
           <a:xfrm>
-            <a:off x="521280" y="448200"/>
-            <a:ext cx="6876720" cy="639720"/>
+            <a:off x="609480" y="273600"/>
+            <a:ext cx="10972440" cy="1144800"/>
           </a:xfrm>
           <a:prstGeom prst="rect">
             <a:avLst/>
@@ -1376,18 +1328,16 @@
             <a:noAutofit/>
           </a:bodyPr>
           <a:p>
-            <a:endParaRPr b="0" lang="de-DE" sz="1800" spc="-1" strike="noStrike">
-              <a:solidFill>
-                <a:srgbClr val="000000"/>
-              </a:solidFill>
-              <a:latin typeface="Segoe UI"/>
-            </a:endParaRPr>
-          </a:p>
-        </p:txBody>
-      </p:sp>
-      <p:sp>
-        <p:nvSpPr>
-          <p:cNvPr id="51" name="PlaceHolder 2"/>
+            <a:pPr algn="ctr"/>
+            <a:endParaRPr b="0" lang="de-DE" sz="4400" spc="-1" strike="noStrike">
+              <a:latin typeface="Arial"/>
+            </a:endParaRPr>
+          </a:p>
+        </p:txBody>
+      </p:sp>
+      <p:sp>
+        <p:nvSpPr>
+          <p:cNvPr id="48" name="PlaceHolder 2"/>
           <p:cNvSpPr>
             <a:spLocks noGrp="1"/>
           </p:cNvSpPr>
@@ -1397,8 +1347,8 @@
         </p:nvSpPr>
         <p:spPr>
           <a:xfrm>
-            <a:off x="539640" y="1435680"/>
-            <a:ext cx="4416120" cy="3977280"/>
+            <a:off x="609480" y="1604520"/>
+            <a:ext cx="10972440" cy="3977280"/>
           </a:xfrm>
           <a:prstGeom prst="rect">
             <a:avLst/>
@@ -1444,7 +1394,7 @@
       </p:grpSpPr>
       <p:sp>
         <p:nvSpPr>
-          <p:cNvPr id="52" name="PlaceHolder 1"/>
+          <p:cNvPr id="49" name="PlaceHolder 1"/>
           <p:cNvSpPr>
             <a:spLocks noGrp="1"/>
           </p:cNvSpPr>
@@ -1454,8 +1404,8 @@
         </p:nvSpPr>
         <p:spPr>
           <a:xfrm>
-            <a:off x="521280" y="448200"/>
-            <a:ext cx="6876720" cy="639720"/>
+            <a:off x="609480" y="273600"/>
+            <a:ext cx="10972440" cy="1144800"/>
           </a:xfrm>
           <a:prstGeom prst="rect">
             <a:avLst/>
@@ -1470,18 +1420,16 @@
             <a:noAutofit/>
           </a:bodyPr>
           <a:p>
-            <a:endParaRPr b="0" lang="de-DE" sz="1800" spc="-1" strike="noStrike">
-              <a:solidFill>
-                <a:srgbClr val="000000"/>
-              </a:solidFill>
-              <a:latin typeface="Segoe UI"/>
-            </a:endParaRPr>
-          </a:p>
-        </p:txBody>
-      </p:sp>
-      <p:sp>
-        <p:nvSpPr>
-          <p:cNvPr id="53" name="PlaceHolder 2"/>
+            <a:pPr algn="ctr"/>
+            <a:endParaRPr b="0" lang="de-DE" sz="4400" spc="-1" strike="noStrike">
+              <a:latin typeface="Arial"/>
+            </a:endParaRPr>
+          </a:p>
+        </p:txBody>
+      </p:sp>
+      <p:sp>
+        <p:nvSpPr>
+          <p:cNvPr id="50" name="PlaceHolder 2"/>
           <p:cNvSpPr>
             <a:spLocks noGrp="1"/>
           </p:cNvSpPr>
@@ -1491,8 +1439,8 @@
         </p:nvSpPr>
         <p:spPr>
           <a:xfrm>
-            <a:off x="539640" y="1435680"/>
-            <a:ext cx="4416120" cy="3977280"/>
+            <a:off x="609480" y="1604520"/>
+            <a:ext cx="10972440" cy="3977280"/>
           </a:xfrm>
           <a:prstGeom prst="rect">
             <a:avLst/>
@@ -1507,11 +1455,8 @@
             <a:normAutofit/>
           </a:bodyPr>
           <a:p>
-            <a:endParaRPr b="0" lang="en-US" sz="1200" spc="-1" strike="noStrike">
-              <a:solidFill>
-                <a:srgbClr val="000000"/>
-              </a:solidFill>
-              <a:latin typeface="Segoe UI"/>
+            <a:endParaRPr b="0" lang="de-DE" sz="3200" spc="-1" strike="noStrike">
+              <a:latin typeface="Arial"/>
             </a:endParaRPr>
           </a:p>
         </p:txBody>
@@ -1540,7 +1485,7 @@
       </p:grpSpPr>
       <p:sp>
         <p:nvSpPr>
-          <p:cNvPr id="54" name="PlaceHolder 1"/>
+          <p:cNvPr id="51" name="PlaceHolder 1"/>
           <p:cNvSpPr>
             <a:spLocks noGrp="1"/>
           </p:cNvSpPr>
@@ -1550,8 +1495,8 @@
         </p:nvSpPr>
         <p:spPr>
           <a:xfrm>
-            <a:off x="521280" y="448200"/>
-            <a:ext cx="6876720" cy="639720"/>
+            <a:off x="609480" y="273600"/>
+            <a:ext cx="10972440" cy="1144800"/>
           </a:xfrm>
           <a:prstGeom prst="rect">
             <a:avLst/>
@@ -1566,18 +1511,16 @@
             <a:noAutofit/>
           </a:bodyPr>
           <a:p>
-            <a:endParaRPr b="0" lang="de-DE" sz="1800" spc="-1" strike="noStrike">
-              <a:solidFill>
-                <a:srgbClr val="000000"/>
-              </a:solidFill>
-              <a:latin typeface="Segoe UI"/>
-            </a:endParaRPr>
-          </a:p>
-        </p:txBody>
-      </p:sp>
-      <p:sp>
-        <p:nvSpPr>
-          <p:cNvPr id="55" name="PlaceHolder 2"/>
+            <a:pPr algn="ctr"/>
+            <a:endParaRPr b="0" lang="de-DE" sz="4400" spc="-1" strike="noStrike">
+              <a:latin typeface="Arial"/>
+            </a:endParaRPr>
+          </a:p>
+        </p:txBody>
+      </p:sp>
+      <p:sp>
+        <p:nvSpPr>
+          <p:cNvPr id="52" name="PlaceHolder 2"/>
           <p:cNvSpPr>
             <a:spLocks noGrp="1"/>
           </p:cNvSpPr>
@@ -1587,8 +1530,8 @@
         </p:nvSpPr>
         <p:spPr>
           <a:xfrm>
-            <a:off x="539640" y="1435680"/>
-            <a:ext cx="2154960" cy="3977280"/>
+            <a:off x="609480" y="1604520"/>
+            <a:ext cx="5354280" cy="3977280"/>
           </a:xfrm>
           <a:prstGeom prst="rect">
             <a:avLst/>
@@ -1603,18 +1546,15 @@
             <a:normAutofit/>
           </a:bodyPr>
           <a:p>
-            <a:endParaRPr b="0" lang="en-US" sz="1200" spc="-1" strike="noStrike">
-              <a:solidFill>
-                <a:srgbClr val="000000"/>
-              </a:solidFill>
-              <a:latin typeface="Segoe UI"/>
-            </a:endParaRPr>
-          </a:p>
-        </p:txBody>
-      </p:sp>
-      <p:sp>
-        <p:nvSpPr>
-          <p:cNvPr id="56" name="PlaceHolder 3"/>
+            <a:endParaRPr b="0" lang="de-DE" sz="3200" spc="-1" strike="noStrike">
+              <a:latin typeface="Arial"/>
+            </a:endParaRPr>
+          </a:p>
+        </p:txBody>
+      </p:sp>
+      <p:sp>
+        <p:nvSpPr>
+          <p:cNvPr id="53" name="PlaceHolder 3"/>
           <p:cNvSpPr>
             <a:spLocks noGrp="1"/>
           </p:cNvSpPr>
@@ -1624,8 +1564,8 @@
         </p:nvSpPr>
         <p:spPr>
           <a:xfrm>
-            <a:off x="2802600" y="1435680"/>
-            <a:ext cx="2154960" cy="3977280"/>
+            <a:off x="6231960" y="1604520"/>
+            <a:ext cx="5354280" cy="3977280"/>
           </a:xfrm>
           <a:prstGeom prst="rect">
             <a:avLst/>
@@ -1640,11 +1580,8 @@
             <a:normAutofit/>
           </a:bodyPr>
           <a:p>
-            <a:endParaRPr b="0" lang="en-US" sz="1200" spc="-1" strike="noStrike">
-              <a:solidFill>
-                <a:srgbClr val="000000"/>
-              </a:solidFill>
-              <a:latin typeface="Segoe UI"/>
+            <a:endParaRPr b="0" lang="de-DE" sz="3200" spc="-1" strike="noStrike">
+              <a:latin typeface="Arial"/>
             </a:endParaRPr>
           </a:p>
         </p:txBody>
@@ -1673,7 +1610,7 @@
       </p:grpSpPr>
       <p:sp>
         <p:nvSpPr>
-          <p:cNvPr id="57" name="PlaceHolder 1"/>
+          <p:cNvPr id="54" name="PlaceHolder 1"/>
           <p:cNvSpPr>
             <a:spLocks noGrp="1"/>
           </p:cNvSpPr>
@@ -1683,8 +1620,8 @@
         </p:nvSpPr>
         <p:spPr>
           <a:xfrm>
-            <a:off x="521280" y="448200"/>
-            <a:ext cx="6876720" cy="639720"/>
+            <a:off x="609480" y="273600"/>
+            <a:ext cx="10972440" cy="1144800"/>
           </a:xfrm>
           <a:prstGeom prst="rect">
             <a:avLst/>
@@ -1699,11 +1636,9 @@
             <a:noAutofit/>
           </a:bodyPr>
           <a:p>
-            <a:endParaRPr b="0" lang="de-DE" sz="1800" spc="-1" strike="noStrike">
-              <a:solidFill>
-                <a:srgbClr val="000000"/>
-              </a:solidFill>
-              <a:latin typeface="Segoe UI"/>
+            <a:pPr algn="ctr"/>
+            <a:endParaRPr b="0" lang="de-DE" sz="4400" spc="-1" strike="noStrike">
+              <a:latin typeface="Arial"/>
             </a:endParaRPr>
           </a:p>
         </p:txBody>
@@ -1732,7 +1667,7 @@
       </p:grpSpPr>
       <p:sp>
         <p:nvSpPr>
-          <p:cNvPr id="58" name="PlaceHolder 1"/>
+          <p:cNvPr id="55" name="PlaceHolder 1"/>
           <p:cNvSpPr>
             <a:spLocks noGrp="1"/>
           </p:cNvSpPr>
@@ -1742,8 +1677,8 @@
         </p:nvSpPr>
         <p:spPr>
           <a:xfrm>
-            <a:off x="521280" y="448200"/>
-            <a:ext cx="6876720" cy="2966760"/>
+            <a:off x="609480" y="273600"/>
+            <a:ext cx="10972440" cy="5307840"/>
           </a:xfrm>
           <a:prstGeom prst="rect">
             <a:avLst/>
@@ -1789,7 +1724,7 @@
       </p:grpSpPr>
       <p:sp>
         <p:nvSpPr>
-          <p:cNvPr id="59" name="PlaceHolder 1"/>
+          <p:cNvPr id="56" name="PlaceHolder 1"/>
           <p:cNvSpPr>
             <a:spLocks noGrp="1"/>
           </p:cNvSpPr>
@@ -1799,8 +1734,8 @@
         </p:nvSpPr>
         <p:spPr>
           <a:xfrm>
-            <a:off x="521280" y="448200"/>
-            <a:ext cx="6876720" cy="639720"/>
+            <a:off x="609480" y="273600"/>
+            <a:ext cx="10972440" cy="1144800"/>
           </a:xfrm>
           <a:prstGeom prst="rect">
             <a:avLst/>
@@ -1815,18 +1750,16 @@
             <a:noAutofit/>
           </a:bodyPr>
           <a:p>
-            <a:endParaRPr b="0" lang="de-DE" sz="1800" spc="-1" strike="noStrike">
-              <a:solidFill>
-                <a:srgbClr val="000000"/>
-              </a:solidFill>
-              <a:latin typeface="Segoe UI"/>
-            </a:endParaRPr>
-          </a:p>
-        </p:txBody>
-      </p:sp>
-      <p:sp>
-        <p:nvSpPr>
-          <p:cNvPr id="60" name="PlaceHolder 2"/>
+            <a:pPr algn="ctr"/>
+            <a:endParaRPr b="0" lang="de-DE" sz="4400" spc="-1" strike="noStrike">
+              <a:latin typeface="Arial"/>
+            </a:endParaRPr>
+          </a:p>
+        </p:txBody>
+      </p:sp>
+      <p:sp>
+        <p:nvSpPr>
+          <p:cNvPr id="57" name="PlaceHolder 2"/>
           <p:cNvSpPr>
             <a:spLocks noGrp="1"/>
           </p:cNvSpPr>
@@ -1836,8 +1769,8 @@
         </p:nvSpPr>
         <p:spPr>
           <a:xfrm>
-            <a:off x="539640" y="1435680"/>
-            <a:ext cx="2154960" cy="1896840"/>
+            <a:off x="609480" y="1604520"/>
+            <a:ext cx="5354280" cy="1896840"/>
           </a:xfrm>
           <a:prstGeom prst="rect">
             <a:avLst/>
@@ -1852,18 +1785,15 @@
             <a:normAutofit/>
           </a:bodyPr>
           <a:p>
-            <a:endParaRPr b="0" lang="en-US" sz="1200" spc="-1" strike="noStrike">
-              <a:solidFill>
-                <a:srgbClr val="000000"/>
-              </a:solidFill>
-              <a:latin typeface="Segoe UI"/>
-            </a:endParaRPr>
-          </a:p>
-        </p:txBody>
-      </p:sp>
-      <p:sp>
-        <p:nvSpPr>
-          <p:cNvPr id="61" name="PlaceHolder 3"/>
+            <a:endParaRPr b="0" lang="de-DE" sz="3200" spc="-1" strike="noStrike">
+              <a:latin typeface="Arial"/>
+            </a:endParaRPr>
+          </a:p>
+        </p:txBody>
+      </p:sp>
+      <p:sp>
+        <p:nvSpPr>
+          <p:cNvPr id="58" name="PlaceHolder 3"/>
           <p:cNvSpPr>
             <a:spLocks noGrp="1"/>
           </p:cNvSpPr>
@@ -1873,8 +1803,8 @@
         </p:nvSpPr>
         <p:spPr>
           <a:xfrm>
-            <a:off x="2802600" y="1435680"/>
-            <a:ext cx="2154960" cy="3977280"/>
+            <a:off x="6231960" y="1604520"/>
+            <a:ext cx="5354280" cy="3977280"/>
           </a:xfrm>
           <a:prstGeom prst="rect">
             <a:avLst/>
@@ -1889,18 +1819,15 @@
             <a:normAutofit/>
           </a:bodyPr>
           <a:p>
-            <a:endParaRPr b="0" lang="en-US" sz="1200" spc="-1" strike="noStrike">
-              <a:solidFill>
-                <a:srgbClr val="000000"/>
-              </a:solidFill>
-              <a:latin typeface="Segoe UI"/>
-            </a:endParaRPr>
-          </a:p>
-        </p:txBody>
-      </p:sp>
-      <p:sp>
-        <p:nvSpPr>
-          <p:cNvPr id="62" name="PlaceHolder 4"/>
+            <a:endParaRPr b="0" lang="de-DE" sz="3200" spc="-1" strike="noStrike">
+              <a:latin typeface="Arial"/>
+            </a:endParaRPr>
+          </a:p>
+        </p:txBody>
+      </p:sp>
+      <p:sp>
+        <p:nvSpPr>
+          <p:cNvPr id="59" name="PlaceHolder 4"/>
           <p:cNvSpPr>
             <a:spLocks noGrp="1"/>
           </p:cNvSpPr>
@@ -1910,8 +1837,8 @@
         </p:nvSpPr>
         <p:spPr>
           <a:xfrm>
-            <a:off x="539640" y="3513240"/>
-            <a:ext cx="2154960" cy="1896840"/>
+            <a:off x="609480" y="3682080"/>
+            <a:ext cx="5354280" cy="1896840"/>
           </a:xfrm>
           <a:prstGeom prst="rect">
             <a:avLst/>
@@ -1926,11 +1853,8 @@
             <a:normAutofit/>
           </a:bodyPr>
           <a:p>
-            <a:endParaRPr b="0" lang="en-US" sz="1200" spc="-1" strike="noStrike">
-              <a:solidFill>
-                <a:srgbClr val="000000"/>
-              </a:solidFill>
-              <a:latin typeface="Segoe UI"/>
+            <a:endParaRPr b="0" lang="de-DE" sz="3200" spc="-1" strike="noStrike">
+              <a:latin typeface="Arial"/>
             </a:endParaRPr>
           </a:p>
         </p:txBody>
@@ -1969,8 +1893,8 @@
         </p:nvSpPr>
         <p:spPr>
           <a:xfrm>
-            <a:off x="521280" y="448200"/>
-            <a:ext cx="6876720" cy="639720"/>
+            <a:off x="609480" y="273600"/>
+            <a:ext cx="10972440" cy="1144800"/>
           </a:xfrm>
           <a:prstGeom prst="rect">
             <a:avLst/>
@@ -1985,11 +1909,9 @@
             <a:noAutofit/>
           </a:bodyPr>
           <a:p>
-            <a:endParaRPr b="0" lang="de-DE" sz="1800" spc="-1" strike="noStrike">
-              <a:solidFill>
-                <a:srgbClr val="000000"/>
-              </a:solidFill>
-              <a:latin typeface="Segoe UI"/>
+            <a:pPr algn="ctr"/>
+            <a:endParaRPr b="0" lang="de-DE" sz="4400" spc="-1" strike="noStrike">
+              <a:latin typeface="Arial"/>
             </a:endParaRPr>
           </a:p>
         </p:txBody>
@@ -2006,8 +1928,8 @@
         </p:nvSpPr>
         <p:spPr>
           <a:xfrm>
-            <a:off x="539640" y="1435680"/>
-            <a:ext cx="4416120" cy="3977280"/>
+            <a:off x="609480" y="1604520"/>
+            <a:ext cx="10972440" cy="3977280"/>
           </a:xfrm>
           <a:prstGeom prst="rect">
             <a:avLst/>
@@ -2053,7 +1975,7 @@
       </p:grpSpPr>
       <p:sp>
         <p:nvSpPr>
-          <p:cNvPr id="63" name="PlaceHolder 1"/>
+          <p:cNvPr id="60" name="PlaceHolder 1"/>
           <p:cNvSpPr>
             <a:spLocks noGrp="1"/>
           </p:cNvSpPr>
@@ -2063,8 +1985,8 @@
         </p:nvSpPr>
         <p:spPr>
           <a:xfrm>
-            <a:off x="521280" y="448200"/>
-            <a:ext cx="6876720" cy="639720"/>
+            <a:off x="609480" y="273600"/>
+            <a:ext cx="10972440" cy="1144800"/>
           </a:xfrm>
           <a:prstGeom prst="rect">
             <a:avLst/>
@@ -2079,18 +2001,16 @@
             <a:noAutofit/>
           </a:bodyPr>
           <a:p>
-            <a:endParaRPr b="0" lang="de-DE" sz="1800" spc="-1" strike="noStrike">
-              <a:solidFill>
-                <a:srgbClr val="000000"/>
-              </a:solidFill>
-              <a:latin typeface="Segoe UI"/>
-            </a:endParaRPr>
-          </a:p>
-        </p:txBody>
-      </p:sp>
-      <p:sp>
-        <p:nvSpPr>
-          <p:cNvPr id="64" name="PlaceHolder 2"/>
+            <a:pPr algn="ctr"/>
+            <a:endParaRPr b="0" lang="de-DE" sz="4400" spc="-1" strike="noStrike">
+              <a:latin typeface="Arial"/>
+            </a:endParaRPr>
+          </a:p>
+        </p:txBody>
+      </p:sp>
+      <p:sp>
+        <p:nvSpPr>
+          <p:cNvPr id="61" name="PlaceHolder 2"/>
           <p:cNvSpPr>
             <a:spLocks noGrp="1"/>
           </p:cNvSpPr>
@@ -2100,8 +2020,8 @@
         </p:nvSpPr>
         <p:spPr>
           <a:xfrm>
-            <a:off x="539640" y="1435680"/>
-            <a:ext cx="2154960" cy="3977280"/>
+            <a:off x="609480" y="1604520"/>
+            <a:ext cx="5354280" cy="3977280"/>
           </a:xfrm>
           <a:prstGeom prst="rect">
             <a:avLst/>
@@ -2116,18 +2036,15 @@
             <a:normAutofit/>
           </a:bodyPr>
           <a:p>
-            <a:endParaRPr b="0" lang="en-US" sz="1200" spc="-1" strike="noStrike">
-              <a:solidFill>
-                <a:srgbClr val="000000"/>
-              </a:solidFill>
-              <a:latin typeface="Segoe UI"/>
-            </a:endParaRPr>
-          </a:p>
-        </p:txBody>
-      </p:sp>
-      <p:sp>
-        <p:nvSpPr>
-          <p:cNvPr id="65" name="PlaceHolder 3"/>
+            <a:endParaRPr b="0" lang="de-DE" sz="3200" spc="-1" strike="noStrike">
+              <a:latin typeface="Arial"/>
+            </a:endParaRPr>
+          </a:p>
+        </p:txBody>
+      </p:sp>
+      <p:sp>
+        <p:nvSpPr>
+          <p:cNvPr id="62" name="PlaceHolder 3"/>
           <p:cNvSpPr>
             <a:spLocks noGrp="1"/>
           </p:cNvSpPr>
@@ -2137,8 +2054,8 @@
         </p:nvSpPr>
         <p:spPr>
           <a:xfrm>
-            <a:off x="2802600" y="1435680"/>
-            <a:ext cx="2154960" cy="1896840"/>
+            <a:off x="6231960" y="1604520"/>
+            <a:ext cx="5354280" cy="1896840"/>
           </a:xfrm>
           <a:prstGeom prst="rect">
             <a:avLst/>
@@ -2153,18 +2070,15 @@
             <a:normAutofit/>
           </a:bodyPr>
           <a:p>
-            <a:endParaRPr b="0" lang="en-US" sz="1200" spc="-1" strike="noStrike">
-              <a:solidFill>
-                <a:srgbClr val="000000"/>
-              </a:solidFill>
-              <a:latin typeface="Segoe UI"/>
-            </a:endParaRPr>
-          </a:p>
-        </p:txBody>
-      </p:sp>
-      <p:sp>
-        <p:nvSpPr>
-          <p:cNvPr id="66" name="PlaceHolder 4"/>
+            <a:endParaRPr b="0" lang="de-DE" sz="3200" spc="-1" strike="noStrike">
+              <a:latin typeface="Arial"/>
+            </a:endParaRPr>
+          </a:p>
+        </p:txBody>
+      </p:sp>
+      <p:sp>
+        <p:nvSpPr>
+          <p:cNvPr id="63" name="PlaceHolder 4"/>
           <p:cNvSpPr>
             <a:spLocks noGrp="1"/>
           </p:cNvSpPr>
@@ -2174,8 +2088,8 @@
         </p:nvSpPr>
         <p:spPr>
           <a:xfrm>
-            <a:off x="2802600" y="3513240"/>
-            <a:ext cx="2154960" cy="1896840"/>
+            <a:off x="6231960" y="3682080"/>
+            <a:ext cx="5354280" cy="1896840"/>
           </a:xfrm>
           <a:prstGeom prst="rect">
             <a:avLst/>
@@ -2190,11 +2104,8 @@
             <a:normAutofit/>
           </a:bodyPr>
           <a:p>
-            <a:endParaRPr b="0" lang="en-US" sz="1200" spc="-1" strike="noStrike">
-              <a:solidFill>
-                <a:srgbClr val="000000"/>
-              </a:solidFill>
-              <a:latin typeface="Segoe UI"/>
+            <a:endParaRPr b="0" lang="de-DE" sz="3200" spc="-1" strike="noStrike">
+              <a:latin typeface="Arial"/>
             </a:endParaRPr>
           </a:p>
         </p:txBody>
@@ -2223,7 +2134,7 @@
       </p:grpSpPr>
       <p:sp>
         <p:nvSpPr>
-          <p:cNvPr id="67" name="PlaceHolder 1"/>
+          <p:cNvPr id="64" name="PlaceHolder 1"/>
           <p:cNvSpPr>
             <a:spLocks noGrp="1"/>
           </p:cNvSpPr>
@@ -2233,8 +2144,8 @@
         </p:nvSpPr>
         <p:spPr>
           <a:xfrm>
-            <a:off x="521280" y="448200"/>
-            <a:ext cx="6876720" cy="639720"/>
+            <a:off x="609480" y="273600"/>
+            <a:ext cx="10972440" cy="1144800"/>
           </a:xfrm>
           <a:prstGeom prst="rect">
             <a:avLst/>
@@ -2249,18 +2160,16 @@
             <a:noAutofit/>
           </a:bodyPr>
           <a:p>
-            <a:endParaRPr b="0" lang="de-DE" sz="1800" spc="-1" strike="noStrike">
-              <a:solidFill>
-                <a:srgbClr val="000000"/>
-              </a:solidFill>
-              <a:latin typeface="Segoe UI"/>
-            </a:endParaRPr>
-          </a:p>
-        </p:txBody>
-      </p:sp>
-      <p:sp>
-        <p:nvSpPr>
-          <p:cNvPr id="68" name="PlaceHolder 2"/>
+            <a:pPr algn="ctr"/>
+            <a:endParaRPr b="0" lang="de-DE" sz="4400" spc="-1" strike="noStrike">
+              <a:latin typeface="Arial"/>
+            </a:endParaRPr>
+          </a:p>
+        </p:txBody>
+      </p:sp>
+      <p:sp>
+        <p:nvSpPr>
+          <p:cNvPr id="65" name="PlaceHolder 2"/>
           <p:cNvSpPr>
             <a:spLocks noGrp="1"/>
           </p:cNvSpPr>
@@ -2270,8 +2179,8 @@
         </p:nvSpPr>
         <p:spPr>
           <a:xfrm>
-            <a:off x="539640" y="1435680"/>
-            <a:ext cx="2154960" cy="1896840"/>
+            <a:off x="609480" y="1604520"/>
+            <a:ext cx="5354280" cy="1896840"/>
           </a:xfrm>
           <a:prstGeom prst="rect">
             <a:avLst/>
@@ -2286,18 +2195,15 @@
             <a:normAutofit/>
           </a:bodyPr>
           <a:p>
-            <a:endParaRPr b="0" lang="en-US" sz="1200" spc="-1" strike="noStrike">
-              <a:solidFill>
-                <a:srgbClr val="000000"/>
-              </a:solidFill>
-              <a:latin typeface="Segoe UI"/>
-            </a:endParaRPr>
-          </a:p>
-        </p:txBody>
-      </p:sp>
-      <p:sp>
-        <p:nvSpPr>
-          <p:cNvPr id="69" name="PlaceHolder 3"/>
+            <a:endParaRPr b="0" lang="de-DE" sz="3200" spc="-1" strike="noStrike">
+              <a:latin typeface="Arial"/>
+            </a:endParaRPr>
+          </a:p>
+        </p:txBody>
+      </p:sp>
+      <p:sp>
+        <p:nvSpPr>
+          <p:cNvPr id="66" name="PlaceHolder 3"/>
           <p:cNvSpPr>
             <a:spLocks noGrp="1"/>
           </p:cNvSpPr>
@@ -2307,8 +2213,8 @@
         </p:nvSpPr>
         <p:spPr>
           <a:xfrm>
-            <a:off x="2802600" y="1435680"/>
-            <a:ext cx="2154960" cy="1896840"/>
+            <a:off x="6231960" y="1604520"/>
+            <a:ext cx="5354280" cy="1896840"/>
           </a:xfrm>
           <a:prstGeom prst="rect">
             <a:avLst/>
@@ -2323,18 +2229,15 @@
             <a:normAutofit/>
           </a:bodyPr>
           <a:p>
-            <a:endParaRPr b="0" lang="en-US" sz="1200" spc="-1" strike="noStrike">
-              <a:solidFill>
-                <a:srgbClr val="000000"/>
-              </a:solidFill>
-              <a:latin typeface="Segoe UI"/>
-            </a:endParaRPr>
-          </a:p>
-        </p:txBody>
-      </p:sp>
-      <p:sp>
-        <p:nvSpPr>
-          <p:cNvPr id="70" name="PlaceHolder 4"/>
+            <a:endParaRPr b="0" lang="de-DE" sz="3200" spc="-1" strike="noStrike">
+              <a:latin typeface="Arial"/>
+            </a:endParaRPr>
+          </a:p>
+        </p:txBody>
+      </p:sp>
+      <p:sp>
+        <p:nvSpPr>
+          <p:cNvPr id="67" name="PlaceHolder 4"/>
           <p:cNvSpPr>
             <a:spLocks noGrp="1"/>
           </p:cNvSpPr>
@@ -2344,8 +2247,8 @@
         </p:nvSpPr>
         <p:spPr>
           <a:xfrm>
-            <a:off x="539640" y="3513240"/>
-            <a:ext cx="4416120" cy="1896840"/>
+            <a:off x="609480" y="3682080"/>
+            <a:ext cx="10972440" cy="1896840"/>
           </a:xfrm>
           <a:prstGeom prst="rect">
             <a:avLst/>
@@ -2360,11 +2263,8 @@
             <a:normAutofit/>
           </a:bodyPr>
           <a:p>
-            <a:endParaRPr b="0" lang="en-US" sz="1200" spc="-1" strike="noStrike">
-              <a:solidFill>
-                <a:srgbClr val="000000"/>
-              </a:solidFill>
-              <a:latin typeface="Segoe UI"/>
+            <a:endParaRPr b="0" lang="de-DE" sz="3200" spc="-1" strike="noStrike">
+              <a:latin typeface="Arial"/>
             </a:endParaRPr>
           </a:p>
         </p:txBody>
@@ -2393,7 +2293,7 @@
       </p:grpSpPr>
       <p:sp>
         <p:nvSpPr>
-          <p:cNvPr id="71" name="PlaceHolder 1"/>
+          <p:cNvPr id="68" name="PlaceHolder 1"/>
           <p:cNvSpPr>
             <a:spLocks noGrp="1"/>
           </p:cNvSpPr>
@@ -2403,8 +2303,8 @@
         </p:nvSpPr>
         <p:spPr>
           <a:xfrm>
-            <a:off x="521280" y="448200"/>
-            <a:ext cx="6876720" cy="639720"/>
+            <a:off x="609480" y="273600"/>
+            <a:ext cx="10972440" cy="1144800"/>
           </a:xfrm>
           <a:prstGeom prst="rect">
             <a:avLst/>
@@ -2419,18 +2319,16 @@
             <a:noAutofit/>
           </a:bodyPr>
           <a:p>
-            <a:endParaRPr b="0" lang="de-DE" sz="1800" spc="-1" strike="noStrike">
-              <a:solidFill>
-                <a:srgbClr val="000000"/>
-              </a:solidFill>
-              <a:latin typeface="Segoe UI"/>
-            </a:endParaRPr>
-          </a:p>
-        </p:txBody>
-      </p:sp>
-      <p:sp>
-        <p:nvSpPr>
-          <p:cNvPr id="72" name="PlaceHolder 2"/>
+            <a:pPr algn="ctr"/>
+            <a:endParaRPr b="0" lang="de-DE" sz="4400" spc="-1" strike="noStrike">
+              <a:latin typeface="Arial"/>
+            </a:endParaRPr>
+          </a:p>
+        </p:txBody>
+      </p:sp>
+      <p:sp>
+        <p:nvSpPr>
+          <p:cNvPr id="69" name="PlaceHolder 2"/>
           <p:cNvSpPr>
             <a:spLocks noGrp="1"/>
           </p:cNvSpPr>
@@ -2440,8 +2338,8 @@
         </p:nvSpPr>
         <p:spPr>
           <a:xfrm>
-            <a:off x="539640" y="1435680"/>
-            <a:ext cx="4416120" cy="1896840"/>
+            <a:off x="609480" y="1604520"/>
+            <a:ext cx="10972440" cy="1896840"/>
           </a:xfrm>
           <a:prstGeom prst="rect">
             <a:avLst/>
@@ -2456,18 +2354,15 @@
             <a:normAutofit/>
           </a:bodyPr>
           <a:p>
-            <a:endParaRPr b="0" lang="en-US" sz="1200" spc="-1" strike="noStrike">
-              <a:solidFill>
-                <a:srgbClr val="000000"/>
-              </a:solidFill>
-              <a:latin typeface="Segoe UI"/>
-            </a:endParaRPr>
-          </a:p>
-        </p:txBody>
-      </p:sp>
-      <p:sp>
-        <p:nvSpPr>
-          <p:cNvPr id="73" name="PlaceHolder 3"/>
+            <a:endParaRPr b="0" lang="de-DE" sz="3200" spc="-1" strike="noStrike">
+              <a:latin typeface="Arial"/>
+            </a:endParaRPr>
+          </a:p>
+        </p:txBody>
+      </p:sp>
+      <p:sp>
+        <p:nvSpPr>
+          <p:cNvPr id="70" name="PlaceHolder 3"/>
           <p:cNvSpPr>
             <a:spLocks noGrp="1"/>
           </p:cNvSpPr>
@@ -2477,8 +2372,8 @@
         </p:nvSpPr>
         <p:spPr>
           <a:xfrm>
-            <a:off x="539640" y="3513240"/>
-            <a:ext cx="4416120" cy="1896840"/>
+            <a:off x="609480" y="3682080"/>
+            <a:ext cx="10972440" cy="1896840"/>
           </a:xfrm>
           <a:prstGeom prst="rect">
             <a:avLst/>
@@ -2493,11 +2388,8 @@
             <a:normAutofit/>
           </a:bodyPr>
           <a:p>
-            <a:endParaRPr b="0" lang="en-US" sz="1200" spc="-1" strike="noStrike">
-              <a:solidFill>
-                <a:srgbClr val="000000"/>
-              </a:solidFill>
-              <a:latin typeface="Segoe UI"/>
+            <a:endParaRPr b="0" lang="de-DE" sz="3200" spc="-1" strike="noStrike">
+              <a:latin typeface="Arial"/>
             </a:endParaRPr>
           </a:p>
         </p:txBody>
@@ -2526,7 +2418,7 @@
       </p:grpSpPr>
       <p:sp>
         <p:nvSpPr>
-          <p:cNvPr id="74" name="PlaceHolder 1"/>
+          <p:cNvPr id="71" name="PlaceHolder 1"/>
           <p:cNvSpPr>
             <a:spLocks noGrp="1"/>
           </p:cNvSpPr>
@@ -2536,8 +2428,8 @@
         </p:nvSpPr>
         <p:spPr>
           <a:xfrm>
-            <a:off x="521280" y="448200"/>
-            <a:ext cx="6876720" cy="639720"/>
+            <a:off x="609480" y="273600"/>
+            <a:ext cx="10972440" cy="1144800"/>
           </a:xfrm>
           <a:prstGeom prst="rect">
             <a:avLst/>
@@ -2552,18 +2444,16 @@
             <a:noAutofit/>
           </a:bodyPr>
           <a:p>
-            <a:endParaRPr b="0" lang="de-DE" sz="1800" spc="-1" strike="noStrike">
-              <a:solidFill>
-                <a:srgbClr val="000000"/>
-              </a:solidFill>
-              <a:latin typeface="Segoe UI"/>
-            </a:endParaRPr>
-          </a:p>
-        </p:txBody>
-      </p:sp>
-      <p:sp>
-        <p:nvSpPr>
-          <p:cNvPr id="75" name="PlaceHolder 2"/>
+            <a:pPr algn="ctr"/>
+            <a:endParaRPr b="0" lang="de-DE" sz="4400" spc="-1" strike="noStrike">
+              <a:latin typeface="Arial"/>
+            </a:endParaRPr>
+          </a:p>
+        </p:txBody>
+      </p:sp>
+      <p:sp>
+        <p:nvSpPr>
+          <p:cNvPr id="72" name="PlaceHolder 2"/>
           <p:cNvSpPr>
             <a:spLocks noGrp="1"/>
           </p:cNvSpPr>
@@ -2573,8 +2463,8 @@
         </p:nvSpPr>
         <p:spPr>
           <a:xfrm>
-            <a:off x="539640" y="1435680"/>
-            <a:ext cx="2154960" cy="1896840"/>
+            <a:off x="609480" y="1604520"/>
+            <a:ext cx="5354280" cy="1896840"/>
           </a:xfrm>
           <a:prstGeom prst="rect">
             <a:avLst/>
@@ -2589,18 +2479,15 @@
             <a:normAutofit/>
           </a:bodyPr>
           <a:p>
-            <a:endParaRPr b="0" lang="en-US" sz="1200" spc="-1" strike="noStrike">
-              <a:solidFill>
-                <a:srgbClr val="000000"/>
-              </a:solidFill>
-              <a:latin typeface="Segoe UI"/>
-            </a:endParaRPr>
-          </a:p>
-        </p:txBody>
-      </p:sp>
-      <p:sp>
-        <p:nvSpPr>
-          <p:cNvPr id="76" name="PlaceHolder 3"/>
+            <a:endParaRPr b="0" lang="de-DE" sz="3200" spc="-1" strike="noStrike">
+              <a:latin typeface="Arial"/>
+            </a:endParaRPr>
+          </a:p>
+        </p:txBody>
+      </p:sp>
+      <p:sp>
+        <p:nvSpPr>
+          <p:cNvPr id="73" name="PlaceHolder 3"/>
           <p:cNvSpPr>
             <a:spLocks noGrp="1"/>
           </p:cNvSpPr>
@@ -2610,8 +2497,8 @@
         </p:nvSpPr>
         <p:spPr>
           <a:xfrm>
-            <a:off x="2802600" y="1435680"/>
-            <a:ext cx="2154960" cy="1896840"/>
+            <a:off x="6231960" y="1604520"/>
+            <a:ext cx="5354280" cy="1896840"/>
           </a:xfrm>
           <a:prstGeom prst="rect">
             <a:avLst/>
@@ -2626,18 +2513,15 @@
             <a:normAutofit/>
           </a:bodyPr>
           <a:p>
-            <a:endParaRPr b="0" lang="en-US" sz="1200" spc="-1" strike="noStrike">
-              <a:solidFill>
-                <a:srgbClr val="000000"/>
-              </a:solidFill>
-              <a:latin typeface="Segoe UI"/>
-            </a:endParaRPr>
-          </a:p>
-        </p:txBody>
-      </p:sp>
-      <p:sp>
-        <p:nvSpPr>
-          <p:cNvPr id="77" name="PlaceHolder 4"/>
+            <a:endParaRPr b="0" lang="de-DE" sz="3200" spc="-1" strike="noStrike">
+              <a:latin typeface="Arial"/>
+            </a:endParaRPr>
+          </a:p>
+        </p:txBody>
+      </p:sp>
+      <p:sp>
+        <p:nvSpPr>
+          <p:cNvPr id="74" name="PlaceHolder 4"/>
           <p:cNvSpPr>
             <a:spLocks noGrp="1"/>
           </p:cNvSpPr>
@@ -2647,8 +2531,8 @@
         </p:nvSpPr>
         <p:spPr>
           <a:xfrm>
-            <a:off x="539640" y="3513240"/>
-            <a:ext cx="2154960" cy="1896840"/>
+            <a:off x="609480" y="3682080"/>
+            <a:ext cx="5354280" cy="1896840"/>
           </a:xfrm>
           <a:prstGeom prst="rect">
             <a:avLst/>
@@ -2663,18 +2547,15 @@
             <a:normAutofit/>
           </a:bodyPr>
           <a:p>
-            <a:endParaRPr b="0" lang="en-US" sz="1200" spc="-1" strike="noStrike">
-              <a:solidFill>
-                <a:srgbClr val="000000"/>
-              </a:solidFill>
-              <a:latin typeface="Segoe UI"/>
-            </a:endParaRPr>
-          </a:p>
-        </p:txBody>
-      </p:sp>
-      <p:sp>
-        <p:nvSpPr>
-          <p:cNvPr id="78" name="PlaceHolder 5"/>
+            <a:endParaRPr b="0" lang="de-DE" sz="3200" spc="-1" strike="noStrike">
+              <a:latin typeface="Arial"/>
+            </a:endParaRPr>
+          </a:p>
+        </p:txBody>
+      </p:sp>
+      <p:sp>
+        <p:nvSpPr>
+          <p:cNvPr id="75" name="PlaceHolder 5"/>
           <p:cNvSpPr>
             <a:spLocks noGrp="1"/>
           </p:cNvSpPr>
@@ -2684,8 +2565,8 @@
         </p:nvSpPr>
         <p:spPr>
           <a:xfrm>
-            <a:off x="2802600" y="3513240"/>
-            <a:ext cx="2154960" cy="1896840"/>
+            <a:off x="6231960" y="3682080"/>
+            <a:ext cx="5354280" cy="1896840"/>
           </a:xfrm>
           <a:prstGeom prst="rect">
             <a:avLst/>
@@ -2700,11 +2581,8 @@
             <a:normAutofit/>
           </a:bodyPr>
           <a:p>
-            <a:endParaRPr b="0" lang="en-US" sz="1200" spc="-1" strike="noStrike">
-              <a:solidFill>
-                <a:srgbClr val="000000"/>
-              </a:solidFill>
-              <a:latin typeface="Segoe UI"/>
+            <a:endParaRPr b="0" lang="de-DE" sz="3200" spc="-1" strike="noStrike">
+              <a:latin typeface="Arial"/>
             </a:endParaRPr>
           </a:p>
         </p:txBody>
@@ -2733,7 +2611,7 @@
       </p:grpSpPr>
       <p:sp>
         <p:nvSpPr>
-          <p:cNvPr id="79" name="PlaceHolder 1"/>
+          <p:cNvPr id="76" name="PlaceHolder 1"/>
           <p:cNvSpPr>
             <a:spLocks noGrp="1"/>
           </p:cNvSpPr>
@@ -2743,8 +2621,8 @@
         </p:nvSpPr>
         <p:spPr>
           <a:xfrm>
-            <a:off x="521280" y="448200"/>
-            <a:ext cx="6876720" cy="639720"/>
+            <a:off x="609480" y="273600"/>
+            <a:ext cx="10972440" cy="1144800"/>
           </a:xfrm>
           <a:prstGeom prst="rect">
             <a:avLst/>
@@ -2759,18 +2637,16 @@
             <a:noAutofit/>
           </a:bodyPr>
           <a:p>
-            <a:endParaRPr b="0" lang="de-DE" sz="1800" spc="-1" strike="noStrike">
-              <a:solidFill>
-                <a:srgbClr val="000000"/>
-              </a:solidFill>
-              <a:latin typeface="Segoe UI"/>
-            </a:endParaRPr>
-          </a:p>
-        </p:txBody>
-      </p:sp>
-      <p:sp>
-        <p:nvSpPr>
-          <p:cNvPr id="80" name="PlaceHolder 2"/>
+            <a:pPr algn="ctr"/>
+            <a:endParaRPr b="0" lang="de-DE" sz="4400" spc="-1" strike="noStrike">
+              <a:latin typeface="Arial"/>
+            </a:endParaRPr>
+          </a:p>
+        </p:txBody>
+      </p:sp>
+      <p:sp>
+        <p:nvSpPr>
+          <p:cNvPr id="77" name="PlaceHolder 2"/>
           <p:cNvSpPr>
             <a:spLocks noGrp="1"/>
           </p:cNvSpPr>
@@ -2780,8 +2656,8 @@
         </p:nvSpPr>
         <p:spPr>
           <a:xfrm>
-            <a:off x="539640" y="1435680"/>
-            <a:ext cx="1421640" cy="1896840"/>
+            <a:off x="609480" y="1604520"/>
+            <a:ext cx="3533040" cy="1896840"/>
           </a:xfrm>
           <a:prstGeom prst="rect">
             <a:avLst/>
@@ -2796,18 +2672,15 @@
             <a:normAutofit/>
           </a:bodyPr>
           <a:p>
-            <a:endParaRPr b="0" lang="en-US" sz="1200" spc="-1" strike="noStrike">
-              <a:solidFill>
-                <a:srgbClr val="000000"/>
-              </a:solidFill>
-              <a:latin typeface="Segoe UI"/>
-            </a:endParaRPr>
-          </a:p>
-        </p:txBody>
-      </p:sp>
-      <p:sp>
-        <p:nvSpPr>
-          <p:cNvPr id="81" name="PlaceHolder 3"/>
+            <a:endParaRPr b="0" lang="de-DE" sz="3200" spc="-1" strike="noStrike">
+              <a:latin typeface="Arial"/>
+            </a:endParaRPr>
+          </a:p>
+        </p:txBody>
+      </p:sp>
+      <p:sp>
+        <p:nvSpPr>
+          <p:cNvPr id="78" name="PlaceHolder 3"/>
           <p:cNvSpPr>
             <a:spLocks noGrp="1"/>
           </p:cNvSpPr>
@@ -2817,8 +2690,8 @@
         </p:nvSpPr>
         <p:spPr>
           <a:xfrm>
-            <a:off x="2032920" y="1435680"/>
-            <a:ext cx="1421640" cy="1896840"/>
+            <a:off x="4319640" y="1604520"/>
+            <a:ext cx="3533040" cy="1896840"/>
           </a:xfrm>
           <a:prstGeom prst="rect">
             <a:avLst/>
@@ -2833,18 +2706,15 @@
             <a:normAutofit/>
           </a:bodyPr>
           <a:p>
-            <a:endParaRPr b="0" lang="en-US" sz="1200" spc="-1" strike="noStrike">
-              <a:solidFill>
-                <a:srgbClr val="000000"/>
-              </a:solidFill>
-              <a:latin typeface="Segoe UI"/>
-            </a:endParaRPr>
-          </a:p>
-        </p:txBody>
-      </p:sp>
-      <p:sp>
-        <p:nvSpPr>
-          <p:cNvPr id="82" name="PlaceHolder 4"/>
+            <a:endParaRPr b="0" lang="de-DE" sz="3200" spc="-1" strike="noStrike">
+              <a:latin typeface="Arial"/>
+            </a:endParaRPr>
+          </a:p>
+        </p:txBody>
+      </p:sp>
+      <p:sp>
+        <p:nvSpPr>
+          <p:cNvPr id="79" name="PlaceHolder 4"/>
           <p:cNvSpPr>
             <a:spLocks noGrp="1"/>
           </p:cNvSpPr>
@@ -2854,8 +2724,8 @@
         </p:nvSpPr>
         <p:spPr>
           <a:xfrm>
-            <a:off x="3525840" y="1435680"/>
-            <a:ext cx="1421640" cy="1896840"/>
+            <a:off x="8029800" y="1604520"/>
+            <a:ext cx="3533040" cy="1896840"/>
           </a:xfrm>
           <a:prstGeom prst="rect">
             <a:avLst/>
@@ -2870,18 +2740,15 @@
             <a:normAutofit/>
           </a:bodyPr>
           <a:p>
-            <a:endParaRPr b="0" lang="en-US" sz="1200" spc="-1" strike="noStrike">
-              <a:solidFill>
-                <a:srgbClr val="000000"/>
-              </a:solidFill>
-              <a:latin typeface="Segoe UI"/>
-            </a:endParaRPr>
-          </a:p>
-        </p:txBody>
-      </p:sp>
-      <p:sp>
-        <p:nvSpPr>
-          <p:cNvPr id="83" name="PlaceHolder 5"/>
+            <a:endParaRPr b="0" lang="de-DE" sz="3200" spc="-1" strike="noStrike">
+              <a:latin typeface="Arial"/>
+            </a:endParaRPr>
+          </a:p>
+        </p:txBody>
+      </p:sp>
+      <p:sp>
+        <p:nvSpPr>
+          <p:cNvPr id="80" name="PlaceHolder 5"/>
           <p:cNvSpPr>
             <a:spLocks noGrp="1"/>
           </p:cNvSpPr>
@@ -2891,8 +2758,8 @@
         </p:nvSpPr>
         <p:spPr>
           <a:xfrm>
-            <a:off x="539640" y="3513240"/>
-            <a:ext cx="1421640" cy="1896840"/>
+            <a:off x="609480" y="3682080"/>
+            <a:ext cx="3533040" cy="1896840"/>
           </a:xfrm>
           <a:prstGeom prst="rect">
             <a:avLst/>
@@ -2907,18 +2774,15 @@
             <a:normAutofit/>
           </a:bodyPr>
           <a:p>
-            <a:endParaRPr b="0" lang="en-US" sz="1200" spc="-1" strike="noStrike">
-              <a:solidFill>
-                <a:srgbClr val="000000"/>
-              </a:solidFill>
-              <a:latin typeface="Segoe UI"/>
-            </a:endParaRPr>
-          </a:p>
-        </p:txBody>
-      </p:sp>
-      <p:sp>
-        <p:nvSpPr>
-          <p:cNvPr id="84" name="PlaceHolder 6"/>
+            <a:endParaRPr b="0" lang="de-DE" sz="3200" spc="-1" strike="noStrike">
+              <a:latin typeface="Arial"/>
+            </a:endParaRPr>
+          </a:p>
+        </p:txBody>
+      </p:sp>
+      <p:sp>
+        <p:nvSpPr>
+          <p:cNvPr id="81" name="PlaceHolder 6"/>
           <p:cNvSpPr>
             <a:spLocks noGrp="1"/>
           </p:cNvSpPr>
@@ -2928,8 +2792,8 @@
         </p:nvSpPr>
         <p:spPr>
           <a:xfrm>
-            <a:off x="2032920" y="3513240"/>
-            <a:ext cx="1421640" cy="1896840"/>
+            <a:off x="4319640" y="3682080"/>
+            <a:ext cx="3533040" cy="1896840"/>
           </a:xfrm>
           <a:prstGeom prst="rect">
             <a:avLst/>
@@ -2944,18 +2808,15 @@
             <a:normAutofit/>
           </a:bodyPr>
           <a:p>
-            <a:endParaRPr b="0" lang="en-US" sz="1200" spc="-1" strike="noStrike">
-              <a:solidFill>
-                <a:srgbClr val="000000"/>
-              </a:solidFill>
-              <a:latin typeface="Segoe UI"/>
-            </a:endParaRPr>
-          </a:p>
-        </p:txBody>
-      </p:sp>
-      <p:sp>
-        <p:nvSpPr>
-          <p:cNvPr id="85" name="PlaceHolder 7"/>
+            <a:endParaRPr b="0" lang="de-DE" sz="3200" spc="-1" strike="noStrike">
+              <a:latin typeface="Arial"/>
+            </a:endParaRPr>
+          </a:p>
+        </p:txBody>
+      </p:sp>
+      <p:sp>
+        <p:nvSpPr>
+          <p:cNvPr id="82" name="PlaceHolder 7"/>
           <p:cNvSpPr>
             <a:spLocks noGrp="1"/>
           </p:cNvSpPr>
@@ -2965,8 +2826,8 @@
         </p:nvSpPr>
         <p:spPr>
           <a:xfrm>
-            <a:off x="3525840" y="3513240"/>
-            <a:ext cx="1421640" cy="1896840"/>
+            <a:off x="8029800" y="3682080"/>
+            <a:ext cx="3533040" cy="1896840"/>
           </a:xfrm>
           <a:prstGeom prst="rect">
             <a:avLst/>
@@ -2981,415 +2842,8 @@
             <a:normAutofit/>
           </a:bodyPr>
           <a:p>
-            <a:endParaRPr b="0" lang="en-US" sz="1200" spc="-1" strike="noStrike">
-              <a:solidFill>
-                <a:srgbClr val="000000"/>
-              </a:solidFill>
-              <a:latin typeface="Segoe UI"/>
-            </a:endParaRPr>
-          </a:p>
-        </p:txBody>
-      </p:sp>
-    </p:spTree>
-  </p:cSld>
-</p:sldLayout>
-</file>
-
-<file path=ppt/slideLayouts/slideLayout25.xml><?xml version="1.0" encoding="utf-8"?>
-<p:sldLayout xmlns:a="http://schemas.openxmlformats.org/drawingml/2006/main" xmlns:p="http://schemas.openxmlformats.org/presentationml/2006/main" xmlns:r="http://schemas.openxmlformats.org/officeDocument/2006/relationships" xmlns:p14="http://schemas.microsoft.com/office/powerpoint/2010/main" xmlns:p15="http://schemas.microsoft.com/office/powerpoint/2012/main" xmlns:mc="http://schemas.openxmlformats.org/markup-compatibility/2006" type="blank" preserve="1">
-  <p:cSld name="Blank Slide">
-    <p:spTree>
-      <p:nvGrpSpPr>
-        <p:cNvPr id="1" name=""/>
-        <p:cNvGrpSpPr/>
-        <p:nvPr/>
-      </p:nvGrpSpPr>
-      <p:grpSpPr>
-        <a:xfrm>
-          <a:off x="0" y="0"/>
-          <a:ext cx="0" cy="0"/>
-          <a:chOff x="0" y="0"/>
-          <a:chExt cx="0" cy="0"/>
-        </a:xfrm>
-      </p:grpSpPr>
-    </p:spTree>
-  </p:cSld>
-</p:sldLayout>
-</file>
-
-<file path=ppt/slideLayouts/slideLayout26.xml><?xml version="1.0" encoding="utf-8"?>
-<p:sldLayout xmlns:a="http://schemas.openxmlformats.org/drawingml/2006/main" xmlns:p="http://schemas.openxmlformats.org/presentationml/2006/main" xmlns:r="http://schemas.openxmlformats.org/officeDocument/2006/relationships" xmlns:p14="http://schemas.microsoft.com/office/powerpoint/2010/main" xmlns:p15="http://schemas.microsoft.com/office/powerpoint/2012/main" xmlns:mc="http://schemas.openxmlformats.org/markup-compatibility/2006" type="tx" preserve="1">
-  <p:cSld name="Title Slide">
-    <p:spTree>
-      <p:nvGrpSpPr>
-        <p:cNvPr id="1" name=""/>
-        <p:cNvGrpSpPr/>
-        <p:nvPr/>
-      </p:nvGrpSpPr>
-      <p:grpSpPr>
-        <a:xfrm>
-          <a:off x="0" y="0"/>
-          <a:ext cx="0" cy="0"/>
-          <a:chOff x="0" y="0"/>
-          <a:chExt cx="0" cy="0"/>
-        </a:xfrm>
-      </p:grpSpPr>
-      <p:sp>
-        <p:nvSpPr>
-          <p:cNvPr id="92" name="PlaceHolder 1"/>
-          <p:cNvSpPr>
-            <a:spLocks noGrp="1"/>
-          </p:cNvSpPr>
-          <p:nvPr>
-            <p:ph type="title"/>
-          </p:nvPr>
-        </p:nvSpPr>
-        <p:spPr>
-          <a:xfrm>
-            <a:off x="521280" y="448200"/>
-            <a:ext cx="6876720" cy="639720"/>
-          </a:xfrm>
-          <a:prstGeom prst="rect">
-            <a:avLst/>
-          </a:prstGeom>
-          <a:noFill/>
-          <a:ln w="0">
-            <a:noFill/>
-          </a:ln>
-        </p:spPr>
-        <p:txBody>
-          <a:bodyPr lIns="0" rIns="0" tIns="0" bIns="0" anchor="ctr">
-            <a:noAutofit/>
-          </a:bodyPr>
-          <a:p>
-            <a:endParaRPr b="0" lang="de-DE" sz="1800" spc="-1" strike="noStrike">
-              <a:solidFill>
-                <a:srgbClr val="000000"/>
-              </a:solidFill>
-              <a:latin typeface="Segoe UI"/>
-            </a:endParaRPr>
-          </a:p>
-        </p:txBody>
-      </p:sp>
-      <p:sp>
-        <p:nvSpPr>
-          <p:cNvPr id="93" name="PlaceHolder 2"/>
-          <p:cNvSpPr>
-            <a:spLocks noGrp="1"/>
-          </p:cNvSpPr>
-          <p:nvPr>
-            <p:ph type="subTitle"/>
-          </p:nvPr>
-        </p:nvSpPr>
-        <p:spPr>
-          <a:xfrm>
-            <a:off x="539640" y="1435680"/>
-            <a:ext cx="4416120" cy="3977280"/>
-          </a:xfrm>
-          <a:prstGeom prst="rect">
-            <a:avLst/>
-          </a:prstGeom>
-          <a:noFill/>
-          <a:ln w="0">
-            <a:noFill/>
-          </a:ln>
-        </p:spPr>
-        <p:txBody>
-          <a:bodyPr lIns="0" rIns="0" tIns="0" bIns="0" anchor="ctr">
-            <a:noAutofit/>
-          </a:bodyPr>
-          <a:p>
-            <a:pPr algn="ctr"/>
             <a:endParaRPr b="0" lang="de-DE" sz="3200" spc="-1" strike="noStrike">
               <a:latin typeface="Arial"/>
-            </a:endParaRPr>
-          </a:p>
-        </p:txBody>
-      </p:sp>
-    </p:spTree>
-  </p:cSld>
-</p:sldLayout>
-</file>
-
-<file path=ppt/slideLayouts/slideLayout27.xml><?xml version="1.0" encoding="utf-8"?>
-<p:sldLayout xmlns:a="http://schemas.openxmlformats.org/drawingml/2006/main" xmlns:p="http://schemas.openxmlformats.org/presentationml/2006/main" xmlns:r="http://schemas.openxmlformats.org/officeDocument/2006/relationships" xmlns:p14="http://schemas.microsoft.com/office/powerpoint/2010/main" xmlns:p15="http://schemas.microsoft.com/office/powerpoint/2012/main" xmlns:mc="http://schemas.openxmlformats.org/markup-compatibility/2006" type="obj" preserve="1">
-  <p:cSld name="Title, Content">
-    <p:spTree>
-      <p:nvGrpSpPr>
-        <p:cNvPr id="1" name=""/>
-        <p:cNvGrpSpPr/>
-        <p:nvPr/>
-      </p:nvGrpSpPr>
-      <p:grpSpPr>
-        <a:xfrm>
-          <a:off x="0" y="0"/>
-          <a:ext cx="0" cy="0"/>
-          <a:chOff x="0" y="0"/>
-          <a:chExt cx="0" cy="0"/>
-        </a:xfrm>
-      </p:grpSpPr>
-      <p:sp>
-        <p:nvSpPr>
-          <p:cNvPr id="94" name="PlaceHolder 1"/>
-          <p:cNvSpPr>
-            <a:spLocks noGrp="1"/>
-          </p:cNvSpPr>
-          <p:nvPr>
-            <p:ph type="title"/>
-          </p:nvPr>
-        </p:nvSpPr>
-        <p:spPr>
-          <a:xfrm>
-            <a:off x="521280" y="448200"/>
-            <a:ext cx="6876720" cy="639720"/>
-          </a:xfrm>
-          <a:prstGeom prst="rect">
-            <a:avLst/>
-          </a:prstGeom>
-          <a:noFill/>
-          <a:ln w="0">
-            <a:noFill/>
-          </a:ln>
-        </p:spPr>
-        <p:txBody>
-          <a:bodyPr lIns="0" rIns="0" tIns="0" bIns="0" anchor="ctr">
-            <a:noAutofit/>
-          </a:bodyPr>
-          <a:p>
-            <a:endParaRPr b="0" lang="de-DE" sz="1800" spc="-1" strike="noStrike">
-              <a:solidFill>
-                <a:srgbClr val="000000"/>
-              </a:solidFill>
-              <a:latin typeface="Segoe UI"/>
-            </a:endParaRPr>
-          </a:p>
-        </p:txBody>
-      </p:sp>
-      <p:sp>
-        <p:nvSpPr>
-          <p:cNvPr id="95" name="PlaceHolder 2"/>
-          <p:cNvSpPr>
-            <a:spLocks noGrp="1"/>
-          </p:cNvSpPr>
-          <p:nvPr>
-            <p:ph/>
-          </p:nvPr>
-        </p:nvSpPr>
-        <p:spPr>
-          <a:xfrm>
-            <a:off x="539640" y="1435680"/>
-            <a:ext cx="4416120" cy="3977280"/>
-          </a:xfrm>
-          <a:prstGeom prst="rect">
-            <a:avLst/>
-          </a:prstGeom>
-          <a:noFill/>
-          <a:ln w="0">
-            <a:noFill/>
-          </a:ln>
-        </p:spPr>
-        <p:txBody>
-          <a:bodyPr lIns="0" rIns="0" tIns="0" bIns="0" anchor="t">
-            <a:normAutofit/>
-          </a:bodyPr>
-          <a:p>
-            <a:endParaRPr b="0" lang="en-US" sz="1200" spc="-1" strike="noStrike">
-              <a:solidFill>
-                <a:srgbClr val="000000"/>
-              </a:solidFill>
-              <a:latin typeface="Segoe UI"/>
-            </a:endParaRPr>
-          </a:p>
-        </p:txBody>
-      </p:sp>
-    </p:spTree>
-  </p:cSld>
-</p:sldLayout>
-</file>
-
-<file path=ppt/slideLayouts/slideLayout28.xml><?xml version="1.0" encoding="utf-8"?>
-<p:sldLayout xmlns:a="http://schemas.openxmlformats.org/drawingml/2006/main" xmlns:p="http://schemas.openxmlformats.org/presentationml/2006/main" xmlns:r="http://schemas.openxmlformats.org/officeDocument/2006/relationships" xmlns:p14="http://schemas.microsoft.com/office/powerpoint/2010/main" xmlns:p15="http://schemas.microsoft.com/office/powerpoint/2012/main" xmlns:mc="http://schemas.openxmlformats.org/markup-compatibility/2006" type="twoObj" preserve="1">
-  <p:cSld name="Title, 2 Content">
-    <p:spTree>
-      <p:nvGrpSpPr>
-        <p:cNvPr id="1" name=""/>
-        <p:cNvGrpSpPr/>
-        <p:nvPr/>
-      </p:nvGrpSpPr>
-      <p:grpSpPr>
-        <a:xfrm>
-          <a:off x="0" y="0"/>
-          <a:ext cx="0" cy="0"/>
-          <a:chOff x="0" y="0"/>
-          <a:chExt cx="0" cy="0"/>
-        </a:xfrm>
-      </p:grpSpPr>
-      <p:sp>
-        <p:nvSpPr>
-          <p:cNvPr id="96" name="PlaceHolder 1"/>
-          <p:cNvSpPr>
-            <a:spLocks noGrp="1"/>
-          </p:cNvSpPr>
-          <p:nvPr>
-            <p:ph type="title"/>
-          </p:nvPr>
-        </p:nvSpPr>
-        <p:spPr>
-          <a:xfrm>
-            <a:off x="521280" y="448200"/>
-            <a:ext cx="6876720" cy="639720"/>
-          </a:xfrm>
-          <a:prstGeom prst="rect">
-            <a:avLst/>
-          </a:prstGeom>
-          <a:noFill/>
-          <a:ln w="0">
-            <a:noFill/>
-          </a:ln>
-        </p:spPr>
-        <p:txBody>
-          <a:bodyPr lIns="0" rIns="0" tIns="0" bIns="0" anchor="ctr">
-            <a:noAutofit/>
-          </a:bodyPr>
-          <a:p>
-            <a:endParaRPr b="0" lang="de-DE" sz="1800" spc="-1" strike="noStrike">
-              <a:solidFill>
-                <a:srgbClr val="000000"/>
-              </a:solidFill>
-              <a:latin typeface="Segoe UI"/>
-            </a:endParaRPr>
-          </a:p>
-        </p:txBody>
-      </p:sp>
-      <p:sp>
-        <p:nvSpPr>
-          <p:cNvPr id="97" name="PlaceHolder 2"/>
-          <p:cNvSpPr>
-            <a:spLocks noGrp="1"/>
-          </p:cNvSpPr>
-          <p:nvPr>
-            <p:ph/>
-          </p:nvPr>
-        </p:nvSpPr>
-        <p:spPr>
-          <a:xfrm>
-            <a:off x="539640" y="1435680"/>
-            <a:ext cx="2154960" cy="3977280"/>
-          </a:xfrm>
-          <a:prstGeom prst="rect">
-            <a:avLst/>
-          </a:prstGeom>
-          <a:noFill/>
-          <a:ln w="0">
-            <a:noFill/>
-          </a:ln>
-        </p:spPr>
-        <p:txBody>
-          <a:bodyPr lIns="0" rIns="0" tIns="0" bIns="0" anchor="t">
-            <a:normAutofit/>
-          </a:bodyPr>
-          <a:p>
-            <a:endParaRPr b="0" lang="en-US" sz="1200" spc="-1" strike="noStrike">
-              <a:solidFill>
-                <a:srgbClr val="000000"/>
-              </a:solidFill>
-              <a:latin typeface="Segoe UI"/>
-            </a:endParaRPr>
-          </a:p>
-        </p:txBody>
-      </p:sp>
-      <p:sp>
-        <p:nvSpPr>
-          <p:cNvPr id="98" name="PlaceHolder 3"/>
-          <p:cNvSpPr>
-            <a:spLocks noGrp="1"/>
-          </p:cNvSpPr>
-          <p:nvPr>
-            <p:ph/>
-          </p:nvPr>
-        </p:nvSpPr>
-        <p:spPr>
-          <a:xfrm>
-            <a:off x="2802600" y="1435680"/>
-            <a:ext cx="2154960" cy="3977280"/>
-          </a:xfrm>
-          <a:prstGeom prst="rect">
-            <a:avLst/>
-          </a:prstGeom>
-          <a:noFill/>
-          <a:ln w="0">
-            <a:noFill/>
-          </a:ln>
-        </p:spPr>
-        <p:txBody>
-          <a:bodyPr lIns="0" rIns="0" tIns="0" bIns="0" anchor="t">
-            <a:normAutofit/>
-          </a:bodyPr>
-          <a:p>
-            <a:endParaRPr b="0" lang="en-US" sz="1200" spc="-1" strike="noStrike">
-              <a:solidFill>
-                <a:srgbClr val="000000"/>
-              </a:solidFill>
-              <a:latin typeface="Segoe UI"/>
-            </a:endParaRPr>
-          </a:p>
-        </p:txBody>
-      </p:sp>
-    </p:spTree>
-  </p:cSld>
-</p:sldLayout>
-</file>
-
-<file path=ppt/slideLayouts/slideLayout29.xml><?xml version="1.0" encoding="utf-8"?>
-<p:sldLayout xmlns:a="http://schemas.openxmlformats.org/drawingml/2006/main" xmlns:p="http://schemas.openxmlformats.org/presentationml/2006/main" xmlns:r="http://schemas.openxmlformats.org/officeDocument/2006/relationships" xmlns:p14="http://schemas.microsoft.com/office/powerpoint/2010/main" xmlns:p15="http://schemas.microsoft.com/office/powerpoint/2012/main" xmlns:mc="http://schemas.openxmlformats.org/markup-compatibility/2006" type="titleOnly" preserve="1">
-  <p:cSld name="Title Only">
-    <p:spTree>
-      <p:nvGrpSpPr>
-        <p:cNvPr id="1" name=""/>
-        <p:cNvGrpSpPr/>
-        <p:nvPr/>
-      </p:nvGrpSpPr>
-      <p:grpSpPr>
-        <a:xfrm>
-          <a:off x="0" y="0"/>
-          <a:ext cx="0" cy="0"/>
-          <a:chOff x="0" y="0"/>
-          <a:chExt cx="0" cy="0"/>
-        </a:xfrm>
-      </p:grpSpPr>
-      <p:sp>
-        <p:nvSpPr>
-          <p:cNvPr id="99" name="PlaceHolder 1"/>
-          <p:cNvSpPr>
-            <a:spLocks noGrp="1"/>
-          </p:cNvSpPr>
-          <p:nvPr>
-            <p:ph type="title"/>
-          </p:nvPr>
-        </p:nvSpPr>
-        <p:spPr>
-          <a:xfrm>
-            <a:off x="521280" y="448200"/>
-            <a:ext cx="6876720" cy="639720"/>
-          </a:xfrm>
-          <a:prstGeom prst="rect">
-            <a:avLst/>
-          </a:prstGeom>
-          <a:noFill/>
-          <a:ln w="0">
-            <a:noFill/>
-          </a:ln>
-        </p:spPr>
-        <p:txBody>
-          <a:bodyPr lIns="0" rIns="0" tIns="0" bIns="0" anchor="ctr">
-            <a:noAutofit/>
-          </a:bodyPr>
-          <a:p>
-            <a:endParaRPr b="0" lang="de-DE" sz="1800" spc="-1" strike="noStrike">
-              <a:solidFill>
-                <a:srgbClr val="000000"/>
-              </a:solidFill>
-              <a:latin typeface="Segoe UI"/>
             </a:endParaRPr>
           </a:p>
         </p:txBody>
@@ -3428,8 +2882,8 @@
         </p:nvSpPr>
         <p:spPr>
           <a:xfrm>
-            <a:off x="521280" y="448200"/>
-            <a:ext cx="6876720" cy="639720"/>
+            <a:off x="609480" y="273600"/>
+            <a:ext cx="10972440" cy="1144800"/>
           </a:xfrm>
           <a:prstGeom prst="rect">
             <a:avLst/>
@@ -3444,11 +2898,9 @@
             <a:noAutofit/>
           </a:bodyPr>
           <a:p>
-            <a:endParaRPr b="0" lang="de-DE" sz="1800" spc="-1" strike="noStrike">
-              <a:solidFill>
-                <a:srgbClr val="000000"/>
-              </a:solidFill>
-              <a:latin typeface="Segoe UI"/>
+            <a:pPr algn="ctr"/>
+            <a:endParaRPr b="0" lang="de-DE" sz="4400" spc="-1" strike="noStrike">
+              <a:latin typeface="Arial"/>
             </a:endParaRPr>
           </a:p>
         </p:txBody>
@@ -3465,8 +2917,8 @@
         </p:nvSpPr>
         <p:spPr>
           <a:xfrm>
-            <a:off x="539640" y="1435680"/>
-            <a:ext cx="4416120" cy="3977280"/>
+            <a:off x="609480" y="1604520"/>
+            <a:ext cx="10972440" cy="3977280"/>
           </a:xfrm>
           <a:prstGeom prst="rect">
             <a:avLst/>
@@ -3481,1199 +2933,8 @@
             <a:normAutofit/>
           </a:bodyPr>
           <a:p>
-            <a:endParaRPr b="0" lang="en-US" sz="1200" spc="-1" strike="noStrike">
-              <a:solidFill>
-                <a:srgbClr val="000000"/>
-              </a:solidFill>
-              <a:latin typeface="Segoe UI"/>
-            </a:endParaRPr>
-          </a:p>
-        </p:txBody>
-      </p:sp>
-    </p:spTree>
-  </p:cSld>
-</p:sldLayout>
-</file>
-
-<file path=ppt/slideLayouts/slideLayout30.xml><?xml version="1.0" encoding="utf-8"?>
-<p:sldLayout xmlns:a="http://schemas.openxmlformats.org/drawingml/2006/main" xmlns:p="http://schemas.openxmlformats.org/presentationml/2006/main" xmlns:r="http://schemas.openxmlformats.org/officeDocument/2006/relationships" xmlns:p14="http://schemas.microsoft.com/office/powerpoint/2010/main" xmlns:p15="http://schemas.microsoft.com/office/powerpoint/2012/main" xmlns:mc="http://schemas.openxmlformats.org/markup-compatibility/2006" type="objOnly" preserve="1">
-  <p:cSld name="Centered Text">
-    <p:spTree>
-      <p:nvGrpSpPr>
-        <p:cNvPr id="1" name=""/>
-        <p:cNvGrpSpPr/>
-        <p:nvPr/>
-      </p:nvGrpSpPr>
-      <p:grpSpPr>
-        <a:xfrm>
-          <a:off x="0" y="0"/>
-          <a:ext cx="0" cy="0"/>
-          <a:chOff x="0" y="0"/>
-          <a:chExt cx="0" cy="0"/>
-        </a:xfrm>
-      </p:grpSpPr>
-      <p:sp>
-        <p:nvSpPr>
-          <p:cNvPr id="100" name="PlaceHolder 1"/>
-          <p:cNvSpPr>
-            <a:spLocks noGrp="1"/>
-          </p:cNvSpPr>
-          <p:nvPr>
-            <p:ph type="subTitle"/>
-          </p:nvPr>
-        </p:nvSpPr>
-        <p:spPr>
-          <a:xfrm>
-            <a:off x="521280" y="448200"/>
-            <a:ext cx="6876720" cy="2966760"/>
-          </a:xfrm>
-          <a:prstGeom prst="rect">
-            <a:avLst/>
-          </a:prstGeom>
-          <a:noFill/>
-          <a:ln w="0">
-            <a:noFill/>
-          </a:ln>
-        </p:spPr>
-        <p:txBody>
-          <a:bodyPr lIns="0" rIns="0" tIns="0" bIns="0" anchor="ctr">
-            <a:noAutofit/>
-          </a:bodyPr>
-          <a:p>
-            <a:pPr algn="ctr"/>
             <a:endParaRPr b="0" lang="de-DE" sz="3200" spc="-1" strike="noStrike">
               <a:latin typeface="Arial"/>
-            </a:endParaRPr>
-          </a:p>
-        </p:txBody>
-      </p:sp>
-    </p:spTree>
-  </p:cSld>
-</p:sldLayout>
-</file>
-
-<file path=ppt/slideLayouts/slideLayout31.xml><?xml version="1.0" encoding="utf-8"?>
-<p:sldLayout xmlns:a="http://schemas.openxmlformats.org/drawingml/2006/main" xmlns:p="http://schemas.openxmlformats.org/presentationml/2006/main" xmlns:r="http://schemas.openxmlformats.org/officeDocument/2006/relationships" xmlns:p14="http://schemas.microsoft.com/office/powerpoint/2010/main" xmlns:p15="http://schemas.microsoft.com/office/powerpoint/2012/main" xmlns:mc="http://schemas.openxmlformats.org/markup-compatibility/2006" type="twoObjAndObj" preserve="1">
-  <p:cSld name="Title, 2 Content and Content">
-    <p:spTree>
-      <p:nvGrpSpPr>
-        <p:cNvPr id="1" name=""/>
-        <p:cNvGrpSpPr/>
-        <p:nvPr/>
-      </p:nvGrpSpPr>
-      <p:grpSpPr>
-        <a:xfrm>
-          <a:off x="0" y="0"/>
-          <a:ext cx="0" cy="0"/>
-          <a:chOff x="0" y="0"/>
-          <a:chExt cx="0" cy="0"/>
-        </a:xfrm>
-      </p:grpSpPr>
-      <p:sp>
-        <p:nvSpPr>
-          <p:cNvPr id="101" name="PlaceHolder 1"/>
-          <p:cNvSpPr>
-            <a:spLocks noGrp="1"/>
-          </p:cNvSpPr>
-          <p:nvPr>
-            <p:ph type="title"/>
-          </p:nvPr>
-        </p:nvSpPr>
-        <p:spPr>
-          <a:xfrm>
-            <a:off x="521280" y="448200"/>
-            <a:ext cx="6876720" cy="639720"/>
-          </a:xfrm>
-          <a:prstGeom prst="rect">
-            <a:avLst/>
-          </a:prstGeom>
-          <a:noFill/>
-          <a:ln w="0">
-            <a:noFill/>
-          </a:ln>
-        </p:spPr>
-        <p:txBody>
-          <a:bodyPr lIns="0" rIns="0" tIns="0" bIns="0" anchor="ctr">
-            <a:noAutofit/>
-          </a:bodyPr>
-          <a:p>
-            <a:endParaRPr b="0" lang="de-DE" sz="1800" spc="-1" strike="noStrike">
-              <a:solidFill>
-                <a:srgbClr val="000000"/>
-              </a:solidFill>
-              <a:latin typeface="Segoe UI"/>
-            </a:endParaRPr>
-          </a:p>
-        </p:txBody>
-      </p:sp>
-      <p:sp>
-        <p:nvSpPr>
-          <p:cNvPr id="102" name="PlaceHolder 2"/>
-          <p:cNvSpPr>
-            <a:spLocks noGrp="1"/>
-          </p:cNvSpPr>
-          <p:nvPr>
-            <p:ph/>
-          </p:nvPr>
-        </p:nvSpPr>
-        <p:spPr>
-          <a:xfrm>
-            <a:off x="539640" y="1435680"/>
-            <a:ext cx="2154960" cy="1896840"/>
-          </a:xfrm>
-          <a:prstGeom prst="rect">
-            <a:avLst/>
-          </a:prstGeom>
-          <a:noFill/>
-          <a:ln w="0">
-            <a:noFill/>
-          </a:ln>
-        </p:spPr>
-        <p:txBody>
-          <a:bodyPr lIns="0" rIns="0" tIns="0" bIns="0" anchor="t">
-            <a:normAutofit/>
-          </a:bodyPr>
-          <a:p>
-            <a:endParaRPr b="0" lang="en-US" sz="1200" spc="-1" strike="noStrike">
-              <a:solidFill>
-                <a:srgbClr val="000000"/>
-              </a:solidFill>
-              <a:latin typeface="Segoe UI"/>
-            </a:endParaRPr>
-          </a:p>
-        </p:txBody>
-      </p:sp>
-      <p:sp>
-        <p:nvSpPr>
-          <p:cNvPr id="103" name="PlaceHolder 3"/>
-          <p:cNvSpPr>
-            <a:spLocks noGrp="1"/>
-          </p:cNvSpPr>
-          <p:nvPr>
-            <p:ph/>
-          </p:nvPr>
-        </p:nvSpPr>
-        <p:spPr>
-          <a:xfrm>
-            <a:off x="2802600" y="1435680"/>
-            <a:ext cx="2154960" cy="3977280"/>
-          </a:xfrm>
-          <a:prstGeom prst="rect">
-            <a:avLst/>
-          </a:prstGeom>
-          <a:noFill/>
-          <a:ln w="0">
-            <a:noFill/>
-          </a:ln>
-        </p:spPr>
-        <p:txBody>
-          <a:bodyPr lIns="0" rIns="0" tIns="0" bIns="0" anchor="t">
-            <a:normAutofit/>
-          </a:bodyPr>
-          <a:p>
-            <a:endParaRPr b="0" lang="en-US" sz="1200" spc="-1" strike="noStrike">
-              <a:solidFill>
-                <a:srgbClr val="000000"/>
-              </a:solidFill>
-              <a:latin typeface="Segoe UI"/>
-            </a:endParaRPr>
-          </a:p>
-        </p:txBody>
-      </p:sp>
-      <p:sp>
-        <p:nvSpPr>
-          <p:cNvPr id="104" name="PlaceHolder 4"/>
-          <p:cNvSpPr>
-            <a:spLocks noGrp="1"/>
-          </p:cNvSpPr>
-          <p:nvPr>
-            <p:ph/>
-          </p:nvPr>
-        </p:nvSpPr>
-        <p:spPr>
-          <a:xfrm>
-            <a:off x="539640" y="3513240"/>
-            <a:ext cx="2154960" cy="1896840"/>
-          </a:xfrm>
-          <a:prstGeom prst="rect">
-            <a:avLst/>
-          </a:prstGeom>
-          <a:noFill/>
-          <a:ln w="0">
-            <a:noFill/>
-          </a:ln>
-        </p:spPr>
-        <p:txBody>
-          <a:bodyPr lIns="0" rIns="0" tIns="0" bIns="0" anchor="t">
-            <a:normAutofit/>
-          </a:bodyPr>
-          <a:p>
-            <a:endParaRPr b="0" lang="en-US" sz="1200" spc="-1" strike="noStrike">
-              <a:solidFill>
-                <a:srgbClr val="000000"/>
-              </a:solidFill>
-              <a:latin typeface="Segoe UI"/>
-            </a:endParaRPr>
-          </a:p>
-        </p:txBody>
-      </p:sp>
-    </p:spTree>
-  </p:cSld>
-</p:sldLayout>
-</file>
-
-<file path=ppt/slideLayouts/slideLayout32.xml><?xml version="1.0" encoding="utf-8"?>
-<p:sldLayout xmlns:a="http://schemas.openxmlformats.org/drawingml/2006/main" xmlns:p="http://schemas.openxmlformats.org/presentationml/2006/main" xmlns:r="http://schemas.openxmlformats.org/officeDocument/2006/relationships" xmlns:p14="http://schemas.microsoft.com/office/powerpoint/2010/main" xmlns:p15="http://schemas.microsoft.com/office/powerpoint/2012/main" xmlns:mc="http://schemas.openxmlformats.org/markup-compatibility/2006" type="objAndTwoObj" preserve="1">
-  <p:cSld name="Title Content and 2 Content">
-    <p:spTree>
-      <p:nvGrpSpPr>
-        <p:cNvPr id="1" name=""/>
-        <p:cNvGrpSpPr/>
-        <p:nvPr/>
-      </p:nvGrpSpPr>
-      <p:grpSpPr>
-        <a:xfrm>
-          <a:off x="0" y="0"/>
-          <a:ext cx="0" cy="0"/>
-          <a:chOff x="0" y="0"/>
-          <a:chExt cx="0" cy="0"/>
-        </a:xfrm>
-      </p:grpSpPr>
-      <p:sp>
-        <p:nvSpPr>
-          <p:cNvPr id="105" name="PlaceHolder 1"/>
-          <p:cNvSpPr>
-            <a:spLocks noGrp="1"/>
-          </p:cNvSpPr>
-          <p:nvPr>
-            <p:ph type="title"/>
-          </p:nvPr>
-        </p:nvSpPr>
-        <p:spPr>
-          <a:xfrm>
-            <a:off x="521280" y="448200"/>
-            <a:ext cx="6876720" cy="639720"/>
-          </a:xfrm>
-          <a:prstGeom prst="rect">
-            <a:avLst/>
-          </a:prstGeom>
-          <a:noFill/>
-          <a:ln w="0">
-            <a:noFill/>
-          </a:ln>
-        </p:spPr>
-        <p:txBody>
-          <a:bodyPr lIns="0" rIns="0" tIns="0" bIns="0" anchor="ctr">
-            <a:noAutofit/>
-          </a:bodyPr>
-          <a:p>
-            <a:endParaRPr b="0" lang="de-DE" sz="1800" spc="-1" strike="noStrike">
-              <a:solidFill>
-                <a:srgbClr val="000000"/>
-              </a:solidFill>
-              <a:latin typeface="Segoe UI"/>
-            </a:endParaRPr>
-          </a:p>
-        </p:txBody>
-      </p:sp>
-      <p:sp>
-        <p:nvSpPr>
-          <p:cNvPr id="106" name="PlaceHolder 2"/>
-          <p:cNvSpPr>
-            <a:spLocks noGrp="1"/>
-          </p:cNvSpPr>
-          <p:nvPr>
-            <p:ph/>
-          </p:nvPr>
-        </p:nvSpPr>
-        <p:spPr>
-          <a:xfrm>
-            <a:off x="539640" y="1435680"/>
-            <a:ext cx="2154960" cy="3977280"/>
-          </a:xfrm>
-          <a:prstGeom prst="rect">
-            <a:avLst/>
-          </a:prstGeom>
-          <a:noFill/>
-          <a:ln w="0">
-            <a:noFill/>
-          </a:ln>
-        </p:spPr>
-        <p:txBody>
-          <a:bodyPr lIns="0" rIns="0" tIns="0" bIns="0" anchor="t">
-            <a:normAutofit/>
-          </a:bodyPr>
-          <a:p>
-            <a:endParaRPr b="0" lang="en-US" sz="1200" spc="-1" strike="noStrike">
-              <a:solidFill>
-                <a:srgbClr val="000000"/>
-              </a:solidFill>
-              <a:latin typeface="Segoe UI"/>
-            </a:endParaRPr>
-          </a:p>
-        </p:txBody>
-      </p:sp>
-      <p:sp>
-        <p:nvSpPr>
-          <p:cNvPr id="107" name="PlaceHolder 3"/>
-          <p:cNvSpPr>
-            <a:spLocks noGrp="1"/>
-          </p:cNvSpPr>
-          <p:nvPr>
-            <p:ph/>
-          </p:nvPr>
-        </p:nvSpPr>
-        <p:spPr>
-          <a:xfrm>
-            <a:off x="2802600" y="1435680"/>
-            <a:ext cx="2154960" cy="1896840"/>
-          </a:xfrm>
-          <a:prstGeom prst="rect">
-            <a:avLst/>
-          </a:prstGeom>
-          <a:noFill/>
-          <a:ln w="0">
-            <a:noFill/>
-          </a:ln>
-        </p:spPr>
-        <p:txBody>
-          <a:bodyPr lIns="0" rIns="0" tIns="0" bIns="0" anchor="t">
-            <a:normAutofit/>
-          </a:bodyPr>
-          <a:p>
-            <a:endParaRPr b="0" lang="en-US" sz="1200" spc="-1" strike="noStrike">
-              <a:solidFill>
-                <a:srgbClr val="000000"/>
-              </a:solidFill>
-              <a:latin typeface="Segoe UI"/>
-            </a:endParaRPr>
-          </a:p>
-        </p:txBody>
-      </p:sp>
-      <p:sp>
-        <p:nvSpPr>
-          <p:cNvPr id="108" name="PlaceHolder 4"/>
-          <p:cNvSpPr>
-            <a:spLocks noGrp="1"/>
-          </p:cNvSpPr>
-          <p:nvPr>
-            <p:ph/>
-          </p:nvPr>
-        </p:nvSpPr>
-        <p:spPr>
-          <a:xfrm>
-            <a:off x="2802600" y="3513240"/>
-            <a:ext cx="2154960" cy="1896840"/>
-          </a:xfrm>
-          <a:prstGeom prst="rect">
-            <a:avLst/>
-          </a:prstGeom>
-          <a:noFill/>
-          <a:ln w="0">
-            <a:noFill/>
-          </a:ln>
-        </p:spPr>
-        <p:txBody>
-          <a:bodyPr lIns="0" rIns="0" tIns="0" bIns="0" anchor="t">
-            <a:normAutofit/>
-          </a:bodyPr>
-          <a:p>
-            <a:endParaRPr b="0" lang="en-US" sz="1200" spc="-1" strike="noStrike">
-              <a:solidFill>
-                <a:srgbClr val="000000"/>
-              </a:solidFill>
-              <a:latin typeface="Segoe UI"/>
-            </a:endParaRPr>
-          </a:p>
-        </p:txBody>
-      </p:sp>
-    </p:spTree>
-  </p:cSld>
-</p:sldLayout>
-</file>
-
-<file path=ppt/slideLayouts/slideLayout33.xml><?xml version="1.0" encoding="utf-8"?>
-<p:sldLayout xmlns:a="http://schemas.openxmlformats.org/drawingml/2006/main" xmlns:p="http://schemas.openxmlformats.org/presentationml/2006/main" xmlns:r="http://schemas.openxmlformats.org/officeDocument/2006/relationships" xmlns:p14="http://schemas.microsoft.com/office/powerpoint/2010/main" xmlns:p15="http://schemas.microsoft.com/office/powerpoint/2012/main" xmlns:mc="http://schemas.openxmlformats.org/markup-compatibility/2006" type="twoObjOverTx" preserve="1">
-  <p:cSld name="Title, 2 Content over Content">
-    <p:spTree>
-      <p:nvGrpSpPr>
-        <p:cNvPr id="1" name=""/>
-        <p:cNvGrpSpPr/>
-        <p:nvPr/>
-      </p:nvGrpSpPr>
-      <p:grpSpPr>
-        <a:xfrm>
-          <a:off x="0" y="0"/>
-          <a:ext cx="0" cy="0"/>
-          <a:chOff x="0" y="0"/>
-          <a:chExt cx="0" cy="0"/>
-        </a:xfrm>
-      </p:grpSpPr>
-      <p:sp>
-        <p:nvSpPr>
-          <p:cNvPr id="109" name="PlaceHolder 1"/>
-          <p:cNvSpPr>
-            <a:spLocks noGrp="1"/>
-          </p:cNvSpPr>
-          <p:nvPr>
-            <p:ph type="title"/>
-          </p:nvPr>
-        </p:nvSpPr>
-        <p:spPr>
-          <a:xfrm>
-            <a:off x="521280" y="448200"/>
-            <a:ext cx="6876720" cy="639720"/>
-          </a:xfrm>
-          <a:prstGeom prst="rect">
-            <a:avLst/>
-          </a:prstGeom>
-          <a:noFill/>
-          <a:ln w="0">
-            <a:noFill/>
-          </a:ln>
-        </p:spPr>
-        <p:txBody>
-          <a:bodyPr lIns="0" rIns="0" tIns="0" bIns="0" anchor="ctr">
-            <a:noAutofit/>
-          </a:bodyPr>
-          <a:p>
-            <a:endParaRPr b="0" lang="de-DE" sz="1800" spc="-1" strike="noStrike">
-              <a:solidFill>
-                <a:srgbClr val="000000"/>
-              </a:solidFill>
-              <a:latin typeface="Segoe UI"/>
-            </a:endParaRPr>
-          </a:p>
-        </p:txBody>
-      </p:sp>
-      <p:sp>
-        <p:nvSpPr>
-          <p:cNvPr id="110" name="PlaceHolder 2"/>
-          <p:cNvSpPr>
-            <a:spLocks noGrp="1"/>
-          </p:cNvSpPr>
-          <p:nvPr>
-            <p:ph/>
-          </p:nvPr>
-        </p:nvSpPr>
-        <p:spPr>
-          <a:xfrm>
-            <a:off x="539640" y="1435680"/>
-            <a:ext cx="2154960" cy="1896840"/>
-          </a:xfrm>
-          <a:prstGeom prst="rect">
-            <a:avLst/>
-          </a:prstGeom>
-          <a:noFill/>
-          <a:ln w="0">
-            <a:noFill/>
-          </a:ln>
-        </p:spPr>
-        <p:txBody>
-          <a:bodyPr lIns="0" rIns="0" tIns="0" bIns="0" anchor="t">
-            <a:normAutofit/>
-          </a:bodyPr>
-          <a:p>
-            <a:endParaRPr b="0" lang="en-US" sz="1200" spc="-1" strike="noStrike">
-              <a:solidFill>
-                <a:srgbClr val="000000"/>
-              </a:solidFill>
-              <a:latin typeface="Segoe UI"/>
-            </a:endParaRPr>
-          </a:p>
-        </p:txBody>
-      </p:sp>
-      <p:sp>
-        <p:nvSpPr>
-          <p:cNvPr id="111" name="PlaceHolder 3"/>
-          <p:cNvSpPr>
-            <a:spLocks noGrp="1"/>
-          </p:cNvSpPr>
-          <p:nvPr>
-            <p:ph/>
-          </p:nvPr>
-        </p:nvSpPr>
-        <p:spPr>
-          <a:xfrm>
-            <a:off x="2802600" y="1435680"/>
-            <a:ext cx="2154960" cy="1896840"/>
-          </a:xfrm>
-          <a:prstGeom prst="rect">
-            <a:avLst/>
-          </a:prstGeom>
-          <a:noFill/>
-          <a:ln w="0">
-            <a:noFill/>
-          </a:ln>
-        </p:spPr>
-        <p:txBody>
-          <a:bodyPr lIns="0" rIns="0" tIns="0" bIns="0" anchor="t">
-            <a:normAutofit/>
-          </a:bodyPr>
-          <a:p>
-            <a:endParaRPr b="0" lang="en-US" sz="1200" spc="-1" strike="noStrike">
-              <a:solidFill>
-                <a:srgbClr val="000000"/>
-              </a:solidFill>
-              <a:latin typeface="Segoe UI"/>
-            </a:endParaRPr>
-          </a:p>
-        </p:txBody>
-      </p:sp>
-      <p:sp>
-        <p:nvSpPr>
-          <p:cNvPr id="112" name="PlaceHolder 4"/>
-          <p:cNvSpPr>
-            <a:spLocks noGrp="1"/>
-          </p:cNvSpPr>
-          <p:nvPr>
-            <p:ph/>
-          </p:nvPr>
-        </p:nvSpPr>
-        <p:spPr>
-          <a:xfrm>
-            <a:off x="539640" y="3513240"/>
-            <a:ext cx="4416120" cy="1896840"/>
-          </a:xfrm>
-          <a:prstGeom prst="rect">
-            <a:avLst/>
-          </a:prstGeom>
-          <a:noFill/>
-          <a:ln w="0">
-            <a:noFill/>
-          </a:ln>
-        </p:spPr>
-        <p:txBody>
-          <a:bodyPr lIns="0" rIns="0" tIns="0" bIns="0" anchor="t">
-            <a:normAutofit/>
-          </a:bodyPr>
-          <a:p>
-            <a:endParaRPr b="0" lang="en-US" sz="1200" spc="-1" strike="noStrike">
-              <a:solidFill>
-                <a:srgbClr val="000000"/>
-              </a:solidFill>
-              <a:latin typeface="Segoe UI"/>
-            </a:endParaRPr>
-          </a:p>
-        </p:txBody>
-      </p:sp>
-    </p:spTree>
-  </p:cSld>
-</p:sldLayout>
-</file>
-
-<file path=ppt/slideLayouts/slideLayout34.xml><?xml version="1.0" encoding="utf-8"?>
-<p:sldLayout xmlns:a="http://schemas.openxmlformats.org/drawingml/2006/main" xmlns:p="http://schemas.openxmlformats.org/presentationml/2006/main" xmlns:r="http://schemas.openxmlformats.org/officeDocument/2006/relationships" xmlns:p14="http://schemas.microsoft.com/office/powerpoint/2010/main" xmlns:p15="http://schemas.microsoft.com/office/powerpoint/2012/main" xmlns:mc="http://schemas.openxmlformats.org/markup-compatibility/2006" type="objOverTx" preserve="1">
-  <p:cSld name="Title, Content over Content">
-    <p:spTree>
-      <p:nvGrpSpPr>
-        <p:cNvPr id="1" name=""/>
-        <p:cNvGrpSpPr/>
-        <p:nvPr/>
-      </p:nvGrpSpPr>
-      <p:grpSpPr>
-        <a:xfrm>
-          <a:off x="0" y="0"/>
-          <a:ext cx="0" cy="0"/>
-          <a:chOff x="0" y="0"/>
-          <a:chExt cx="0" cy="0"/>
-        </a:xfrm>
-      </p:grpSpPr>
-      <p:sp>
-        <p:nvSpPr>
-          <p:cNvPr id="113" name="PlaceHolder 1"/>
-          <p:cNvSpPr>
-            <a:spLocks noGrp="1"/>
-          </p:cNvSpPr>
-          <p:nvPr>
-            <p:ph type="title"/>
-          </p:nvPr>
-        </p:nvSpPr>
-        <p:spPr>
-          <a:xfrm>
-            <a:off x="521280" y="448200"/>
-            <a:ext cx="6876720" cy="639720"/>
-          </a:xfrm>
-          <a:prstGeom prst="rect">
-            <a:avLst/>
-          </a:prstGeom>
-          <a:noFill/>
-          <a:ln w="0">
-            <a:noFill/>
-          </a:ln>
-        </p:spPr>
-        <p:txBody>
-          <a:bodyPr lIns="0" rIns="0" tIns="0" bIns="0" anchor="ctr">
-            <a:noAutofit/>
-          </a:bodyPr>
-          <a:p>
-            <a:endParaRPr b="0" lang="de-DE" sz="1800" spc="-1" strike="noStrike">
-              <a:solidFill>
-                <a:srgbClr val="000000"/>
-              </a:solidFill>
-              <a:latin typeface="Segoe UI"/>
-            </a:endParaRPr>
-          </a:p>
-        </p:txBody>
-      </p:sp>
-      <p:sp>
-        <p:nvSpPr>
-          <p:cNvPr id="114" name="PlaceHolder 2"/>
-          <p:cNvSpPr>
-            <a:spLocks noGrp="1"/>
-          </p:cNvSpPr>
-          <p:nvPr>
-            <p:ph/>
-          </p:nvPr>
-        </p:nvSpPr>
-        <p:spPr>
-          <a:xfrm>
-            <a:off x="539640" y="1435680"/>
-            <a:ext cx="4416120" cy="1896840"/>
-          </a:xfrm>
-          <a:prstGeom prst="rect">
-            <a:avLst/>
-          </a:prstGeom>
-          <a:noFill/>
-          <a:ln w="0">
-            <a:noFill/>
-          </a:ln>
-        </p:spPr>
-        <p:txBody>
-          <a:bodyPr lIns="0" rIns="0" tIns="0" bIns="0" anchor="t">
-            <a:normAutofit/>
-          </a:bodyPr>
-          <a:p>
-            <a:endParaRPr b="0" lang="en-US" sz="1200" spc="-1" strike="noStrike">
-              <a:solidFill>
-                <a:srgbClr val="000000"/>
-              </a:solidFill>
-              <a:latin typeface="Segoe UI"/>
-            </a:endParaRPr>
-          </a:p>
-        </p:txBody>
-      </p:sp>
-      <p:sp>
-        <p:nvSpPr>
-          <p:cNvPr id="115" name="PlaceHolder 3"/>
-          <p:cNvSpPr>
-            <a:spLocks noGrp="1"/>
-          </p:cNvSpPr>
-          <p:nvPr>
-            <p:ph/>
-          </p:nvPr>
-        </p:nvSpPr>
-        <p:spPr>
-          <a:xfrm>
-            <a:off x="539640" y="3513240"/>
-            <a:ext cx="4416120" cy="1896840"/>
-          </a:xfrm>
-          <a:prstGeom prst="rect">
-            <a:avLst/>
-          </a:prstGeom>
-          <a:noFill/>
-          <a:ln w="0">
-            <a:noFill/>
-          </a:ln>
-        </p:spPr>
-        <p:txBody>
-          <a:bodyPr lIns="0" rIns="0" tIns="0" bIns="0" anchor="t">
-            <a:normAutofit/>
-          </a:bodyPr>
-          <a:p>
-            <a:endParaRPr b="0" lang="en-US" sz="1200" spc="-1" strike="noStrike">
-              <a:solidFill>
-                <a:srgbClr val="000000"/>
-              </a:solidFill>
-              <a:latin typeface="Segoe UI"/>
-            </a:endParaRPr>
-          </a:p>
-        </p:txBody>
-      </p:sp>
-    </p:spTree>
-  </p:cSld>
-</p:sldLayout>
-</file>
-
-<file path=ppt/slideLayouts/slideLayout35.xml><?xml version="1.0" encoding="utf-8"?>
-<p:sldLayout xmlns:a="http://schemas.openxmlformats.org/drawingml/2006/main" xmlns:p="http://schemas.openxmlformats.org/presentationml/2006/main" xmlns:r="http://schemas.openxmlformats.org/officeDocument/2006/relationships" xmlns:p14="http://schemas.microsoft.com/office/powerpoint/2010/main" xmlns:p15="http://schemas.microsoft.com/office/powerpoint/2012/main" xmlns:mc="http://schemas.openxmlformats.org/markup-compatibility/2006" type="fourObj" preserve="1">
-  <p:cSld name="Title, 4 Content">
-    <p:spTree>
-      <p:nvGrpSpPr>
-        <p:cNvPr id="1" name=""/>
-        <p:cNvGrpSpPr/>
-        <p:nvPr/>
-      </p:nvGrpSpPr>
-      <p:grpSpPr>
-        <a:xfrm>
-          <a:off x="0" y="0"/>
-          <a:ext cx="0" cy="0"/>
-          <a:chOff x="0" y="0"/>
-          <a:chExt cx="0" cy="0"/>
-        </a:xfrm>
-      </p:grpSpPr>
-      <p:sp>
-        <p:nvSpPr>
-          <p:cNvPr id="116" name="PlaceHolder 1"/>
-          <p:cNvSpPr>
-            <a:spLocks noGrp="1"/>
-          </p:cNvSpPr>
-          <p:nvPr>
-            <p:ph type="title"/>
-          </p:nvPr>
-        </p:nvSpPr>
-        <p:spPr>
-          <a:xfrm>
-            <a:off x="521280" y="448200"/>
-            <a:ext cx="6876720" cy="639720"/>
-          </a:xfrm>
-          <a:prstGeom prst="rect">
-            <a:avLst/>
-          </a:prstGeom>
-          <a:noFill/>
-          <a:ln w="0">
-            <a:noFill/>
-          </a:ln>
-        </p:spPr>
-        <p:txBody>
-          <a:bodyPr lIns="0" rIns="0" tIns="0" bIns="0" anchor="ctr">
-            <a:noAutofit/>
-          </a:bodyPr>
-          <a:p>
-            <a:endParaRPr b="0" lang="de-DE" sz="1800" spc="-1" strike="noStrike">
-              <a:solidFill>
-                <a:srgbClr val="000000"/>
-              </a:solidFill>
-              <a:latin typeface="Segoe UI"/>
-            </a:endParaRPr>
-          </a:p>
-        </p:txBody>
-      </p:sp>
-      <p:sp>
-        <p:nvSpPr>
-          <p:cNvPr id="117" name="PlaceHolder 2"/>
-          <p:cNvSpPr>
-            <a:spLocks noGrp="1"/>
-          </p:cNvSpPr>
-          <p:nvPr>
-            <p:ph/>
-          </p:nvPr>
-        </p:nvSpPr>
-        <p:spPr>
-          <a:xfrm>
-            <a:off x="539640" y="1435680"/>
-            <a:ext cx="2154960" cy="1896840"/>
-          </a:xfrm>
-          <a:prstGeom prst="rect">
-            <a:avLst/>
-          </a:prstGeom>
-          <a:noFill/>
-          <a:ln w="0">
-            <a:noFill/>
-          </a:ln>
-        </p:spPr>
-        <p:txBody>
-          <a:bodyPr lIns="0" rIns="0" tIns="0" bIns="0" anchor="t">
-            <a:normAutofit/>
-          </a:bodyPr>
-          <a:p>
-            <a:endParaRPr b="0" lang="en-US" sz="1200" spc="-1" strike="noStrike">
-              <a:solidFill>
-                <a:srgbClr val="000000"/>
-              </a:solidFill>
-              <a:latin typeface="Segoe UI"/>
-            </a:endParaRPr>
-          </a:p>
-        </p:txBody>
-      </p:sp>
-      <p:sp>
-        <p:nvSpPr>
-          <p:cNvPr id="118" name="PlaceHolder 3"/>
-          <p:cNvSpPr>
-            <a:spLocks noGrp="1"/>
-          </p:cNvSpPr>
-          <p:nvPr>
-            <p:ph/>
-          </p:nvPr>
-        </p:nvSpPr>
-        <p:spPr>
-          <a:xfrm>
-            <a:off x="2802600" y="1435680"/>
-            <a:ext cx="2154960" cy="1896840"/>
-          </a:xfrm>
-          <a:prstGeom prst="rect">
-            <a:avLst/>
-          </a:prstGeom>
-          <a:noFill/>
-          <a:ln w="0">
-            <a:noFill/>
-          </a:ln>
-        </p:spPr>
-        <p:txBody>
-          <a:bodyPr lIns="0" rIns="0" tIns="0" bIns="0" anchor="t">
-            <a:normAutofit/>
-          </a:bodyPr>
-          <a:p>
-            <a:endParaRPr b="0" lang="en-US" sz="1200" spc="-1" strike="noStrike">
-              <a:solidFill>
-                <a:srgbClr val="000000"/>
-              </a:solidFill>
-              <a:latin typeface="Segoe UI"/>
-            </a:endParaRPr>
-          </a:p>
-        </p:txBody>
-      </p:sp>
-      <p:sp>
-        <p:nvSpPr>
-          <p:cNvPr id="119" name="PlaceHolder 4"/>
-          <p:cNvSpPr>
-            <a:spLocks noGrp="1"/>
-          </p:cNvSpPr>
-          <p:nvPr>
-            <p:ph/>
-          </p:nvPr>
-        </p:nvSpPr>
-        <p:spPr>
-          <a:xfrm>
-            <a:off x="539640" y="3513240"/>
-            <a:ext cx="2154960" cy="1896840"/>
-          </a:xfrm>
-          <a:prstGeom prst="rect">
-            <a:avLst/>
-          </a:prstGeom>
-          <a:noFill/>
-          <a:ln w="0">
-            <a:noFill/>
-          </a:ln>
-        </p:spPr>
-        <p:txBody>
-          <a:bodyPr lIns="0" rIns="0" tIns="0" bIns="0" anchor="t">
-            <a:normAutofit/>
-          </a:bodyPr>
-          <a:p>
-            <a:endParaRPr b="0" lang="en-US" sz="1200" spc="-1" strike="noStrike">
-              <a:solidFill>
-                <a:srgbClr val="000000"/>
-              </a:solidFill>
-              <a:latin typeface="Segoe UI"/>
-            </a:endParaRPr>
-          </a:p>
-        </p:txBody>
-      </p:sp>
-      <p:sp>
-        <p:nvSpPr>
-          <p:cNvPr id="120" name="PlaceHolder 5"/>
-          <p:cNvSpPr>
-            <a:spLocks noGrp="1"/>
-          </p:cNvSpPr>
-          <p:nvPr>
-            <p:ph/>
-          </p:nvPr>
-        </p:nvSpPr>
-        <p:spPr>
-          <a:xfrm>
-            <a:off x="2802600" y="3513240"/>
-            <a:ext cx="2154960" cy="1896840"/>
-          </a:xfrm>
-          <a:prstGeom prst="rect">
-            <a:avLst/>
-          </a:prstGeom>
-          <a:noFill/>
-          <a:ln w="0">
-            <a:noFill/>
-          </a:ln>
-        </p:spPr>
-        <p:txBody>
-          <a:bodyPr lIns="0" rIns="0" tIns="0" bIns="0" anchor="t">
-            <a:normAutofit/>
-          </a:bodyPr>
-          <a:p>
-            <a:endParaRPr b="0" lang="en-US" sz="1200" spc="-1" strike="noStrike">
-              <a:solidFill>
-                <a:srgbClr val="000000"/>
-              </a:solidFill>
-              <a:latin typeface="Segoe UI"/>
-            </a:endParaRPr>
-          </a:p>
-        </p:txBody>
-      </p:sp>
-    </p:spTree>
-  </p:cSld>
-</p:sldLayout>
-</file>
-
-<file path=ppt/slideLayouts/slideLayout36.xml><?xml version="1.0" encoding="utf-8"?>
-<p:sldLayout xmlns:a="http://schemas.openxmlformats.org/drawingml/2006/main" xmlns:p="http://schemas.openxmlformats.org/presentationml/2006/main" xmlns:r="http://schemas.openxmlformats.org/officeDocument/2006/relationships" xmlns:p14="http://schemas.microsoft.com/office/powerpoint/2010/main" xmlns:p15="http://schemas.microsoft.com/office/powerpoint/2012/main" xmlns:mc="http://schemas.openxmlformats.org/markup-compatibility/2006" type="blank" preserve="1">
-  <p:cSld name="Title, 6 Content">
-    <p:spTree>
-      <p:nvGrpSpPr>
-        <p:cNvPr id="1" name=""/>
-        <p:cNvGrpSpPr/>
-        <p:nvPr/>
-      </p:nvGrpSpPr>
-      <p:grpSpPr>
-        <a:xfrm>
-          <a:off x="0" y="0"/>
-          <a:ext cx="0" cy="0"/>
-          <a:chOff x="0" y="0"/>
-          <a:chExt cx="0" cy="0"/>
-        </a:xfrm>
-      </p:grpSpPr>
-      <p:sp>
-        <p:nvSpPr>
-          <p:cNvPr id="121" name="PlaceHolder 1"/>
-          <p:cNvSpPr>
-            <a:spLocks noGrp="1"/>
-          </p:cNvSpPr>
-          <p:nvPr>
-            <p:ph type="title"/>
-          </p:nvPr>
-        </p:nvSpPr>
-        <p:spPr>
-          <a:xfrm>
-            <a:off x="521280" y="448200"/>
-            <a:ext cx="6876720" cy="639720"/>
-          </a:xfrm>
-          <a:prstGeom prst="rect">
-            <a:avLst/>
-          </a:prstGeom>
-          <a:noFill/>
-          <a:ln w="0">
-            <a:noFill/>
-          </a:ln>
-        </p:spPr>
-        <p:txBody>
-          <a:bodyPr lIns="0" rIns="0" tIns="0" bIns="0" anchor="ctr">
-            <a:noAutofit/>
-          </a:bodyPr>
-          <a:p>
-            <a:endParaRPr b="0" lang="de-DE" sz="1800" spc="-1" strike="noStrike">
-              <a:solidFill>
-                <a:srgbClr val="000000"/>
-              </a:solidFill>
-              <a:latin typeface="Segoe UI"/>
-            </a:endParaRPr>
-          </a:p>
-        </p:txBody>
-      </p:sp>
-      <p:sp>
-        <p:nvSpPr>
-          <p:cNvPr id="122" name="PlaceHolder 2"/>
-          <p:cNvSpPr>
-            <a:spLocks noGrp="1"/>
-          </p:cNvSpPr>
-          <p:nvPr>
-            <p:ph/>
-          </p:nvPr>
-        </p:nvSpPr>
-        <p:spPr>
-          <a:xfrm>
-            <a:off x="539640" y="1435680"/>
-            <a:ext cx="1421640" cy="1896840"/>
-          </a:xfrm>
-          <a:prstGeom prst="rect">
-            <a:avLst/>
-          </a:prstGeom>
-          <a:noFill/>
-          <a:ln w="0">
-            <a:noFill/>
-          </a:ln>
-        </p:spPr>
-        <p:txBody>
-          <a:bodyPr lIns="0" rIns="0" tIns="0" bIns="0" anchor="t">
-            <a:normAutofit/>
-          </a:bodyPr>
-          <a:p>
-            <a:endParaRPr b="0" lang="en-US" sz="1200" spc="-1" strike="noStrike">
-              <a:solidFill>
-                <a:srgbClr val="000000"/>
-              </a:solidFill>
-              <a:latin typeface="Segoe UI"/>
-            </a:endParaRPr>
-          </a:p>
-        </p:txBody>
-      </p:sp>
-      <p:sp>
-        <p:nvSpPr>
-          <p:cNvPr id="123" name="PlaceHolder 3"/>
-          <p:cNvSpPr>
-            <a:spLocks noGrp="1"/>
-          </p:cNvSpPr>
-          <p:nvPr>
-            <p:ph/>
-          </p:nvPr>
-        </p:nvSpPr>
-        <p:spPr>
-          <a:xfrm>
-            <a:off x="2032920" y="1435680"/>
-            <a:ext cx="1421640" cy="1896840"/>
-          </a:xfrm>
-          <a:prstGeom prst="rect">
-            <a:avLst/>
-          </a:prstGeom>
-          <a:noFill/>
-          <a:ln w="0">
-            <a:noFill/>
-          </a:ln>
-        </p:spPr>
-        <p:txBody>
-          <a:bodyPr lIns="0" rIns="0" tIns="0" bIns="0" anchor="t">
-            <a:normAutofit/>
-          </a:bodyPr>
-          <a:p>
-            <a:endParaRPr b="0" lang="en-US" sz="1200" spc="-1" strike="noStrike">
-              <a:solidFill>
-                <a:srgbClr val="000000"/>
-              </a:solidFill>
-              <a:latin typeface="Segoe UI"/>
-            </a:endParaRPr>
-          </a:p>
-        </p:txBody>
-      </p:sp>
-      <p:sp>
-        <p:nvSpPr>
-          <p:cNvPr id="124" name="PlaceHolder 4"/>
-          <p:cNvSpPr>
-            <a:spLocks noGrp="1"/>
-          </p:cNvSpPr>
-          <p:nvPr>
-            <p:ph/>
-          </p:nvPr>
-        </p:nvSpPr>
-        <p:spPr>
-          <a:xfrm>
-            <a:off x="3525840" y="1435680"/>
-            <a:ext cx="1421640" cy="1896840"/>
-          </a:xfrm>
-          <a:prstGeom prst="rect">
-            <a:avLst/>
-          </a:prstGeom>
-          <a:noFill/>
-          <a:ln w="0">
-            <a:noFill/>
-          </a:ln>
-        </p:spPr>
-        <p:txBody>
-          <a:bodyPr lIns="0" rIns="0" tIns="0" bIns="0" anchor="t">
-            <a:normAutofit/>
-          </a:bodyPr>
-          <a:p>
-            <a:endParaRPr b="0" lang="en-US" sz="1200" spc="-1" strike="noStrike">
-              <a:solidFill>
-                <a:srgbClr val="000000"/>
-              </a:solidFill>
-              <a:latin typeface="Segoe UI"/>
-            </a:endParaRPr>
-          </a:p>
-        </p:txBody>
-      </p:sp>
-      <p:sp>
-        <p:nvSpPr>
-          <p:cNvPr id="125" name="PlaceHolder 5"/>
-          <p:cNvSpPr>
-            <a:spLocks noGrp="1"/>
-          </p:cNvSpPr>
-          <p:nvPr>
-            <p:ph/>
-          </p:nvPr>
-        </p:nvSpPr>
-        <p:spPr>
-          <a:xfrm>
-            <a:off x="539640" y="3513240"/>
-            <a:ext cx="1421640" cy="1896840"/>
-          </a:xfrm>
-          <a:prstGeom prst="rect">
-            <a:avLst/>
-          </a:prstGeom>
-          <a:noFill/>
-          <a:ln w="0">
-            <a:noFill/>
-          </a:ln>
-        </p:spPr>
-        <p:txBody>
-          <a:bodyPr lIns="0" rIns="0" tIns="0" bIns="0" anchor="t">
-            <a:normAutofit/>
-          </a:bodyPr>
-          <a:p>
-            <a:endParaRPr b="0" lang="en-US" sz="1200" spc="-1" strike="noStrike">
-              <a:solidFill>
-                <a:srgbClr val="000000"/>
-              </a:solidFill>
-              <a:latin typeface="Segoe UI"/>
-            </a:endParaRPr>
-          </a:p>
-        </p:txBody>
-      </p:sp>
-      <p:sp>
-        <p:nvSpPr>
-          <p:cNvPr id="126" name="PlaceHolder 6"/>
-          <p:cNvSpPr>
-            <a:spLocks noGrp="1"/>
-          </p:cNvSpPr>
-          <p:nvPr>
-            <p:ph/>
-          </p:nvPr>
-        </p:nvSpPr>
-        <p:spPr>
-          <a:xfrm>
-            <a:off x="2032920" y="3513240"/>
-            <a:ext cx="1421640" cy="1896840"/>
-          </a:xfrm>
-          <a:prstGeom prst="rect">
-            <a:avLst/>
-          </a:prstGeom>
-          <a:noFill/>
-          <a:ln w="0">
-            <a:noFill/>
-          </a:ln>
-        </p:spPr>
-        <p:txBody>
-          <a:bodyPr lIns="0" rIns="0" tIns="0" bIns="0" anchor="t">
-            <a:normAutofit/>
-          </a:bodyPr>
-          <a:p>
-            <a:endParaRPr b="0" lang="en-US" sz="1200" spc="-1" strike="noStrike">
-              <a:solidFill>
-                <a:srgbClr val="000000"/>
-              </a:solidFill>
-              <a:latin typeface="Segoe UI"/>
-            </a:endParaRPr>
-          </a:p>
-        </p:txBody>
-      </p:sp>
-      <p:sp>
-        <p:nvSpPr>
-          <p:cNvPr id="127" name="PlaceHolder 7"/>
-          <p:cNvSpPr>
-            <a:spLocks noGrp="1"/>
-          </p:cNvSpPr>
-          <p:nvPr>
-            <p:ph/>
-          </p:nvPr>
-        </p:nvSpPr>
-        <p:spPr>
-          <a:xfrm>
-            <a:off x="3525840" y="3513240"/>
-            <a:ext cx="1421640" cy="1896840"/>
-          </a:xfrm>
-          <a:prstGeom prst="rect">
-            <a:avLst/>
-          </a:prstGeom>
-          <a:noFill/>
-          <a:ln w="0">
-            <a:noFill/>
-          </a:ln>
-        </p:spPr>
-        <p:txBody>
-          <a:bodyPr lIns="0" rIns="0" tIns="0" bIns="0" anchor="t">
-            <a:normAutofit/>
-          </a:bodyPr>
-          <a:p>
-            <a:endParaRPr b="0" lang="en-US" sz="1200" spc="-1" strike="noStrike">
-              <a:solidFill>
-                <a:srgbClr val="000000"/>
-              </a:solidFill>
-              <a:latin typeface="Segoe UI"/>
             </a:endParaRPr>
           </a:p>
         </p:txBody>
@@ -4712,8 +2973,8 @@
         </p:nvSpPr>
         <p:spPr>
           <a:xfrm>
-            <a:off x="521280" y="448200"/>
-            <a:ext cx="6876720" cy="639720"/>
+            <a:off x="609480" y="273600"/>
+            <a:ext cx="10972440" cy="1144800"/>
           </a:xfrm>
           <a:prstGeom prst="rect">
             <a:avLst/>
@@ -4728,11 +2989,9 @@
             <a:noAutofit/>
           </a:bodyPr>
           <a:p>
-            <a:endParaRPr b="0" lang="de-DE" sz="1800" spc="-1" strike="noStrike">
-              <a:solidFill>
-                <a:srgbClr val="000000"/>
-              </a:solidFill>
-              <a:latin typeface="Segoe UI"/>
+            <a:pPr algn="ctr"/>
+            <a:endParaRPr b="0" lang="de-DE" sz="4400" spc="-1" strike="noStrike">
+              <a:latin typeface="Arial"/>
             </a:endParaRPr>
           </a:p>
         </p:txBody>
@@ -4749,8 +3008,8 @@
         </p:nvSpPr>
         <p:spPr>
           <a:xfrm>
-            <a:off x="539640" y="1435680"/>
-            <a:ext cx="2154960" cy="3977280"/>
+            <a:off x="609480" y="1604520"/>
+            <a:ext cx="5354280" cy="3977280"/>
           </a:xfrm>
           <a:prstGeom prst="rect">
             <a:avLst/>
@@ -4765,11 +3024,8 @@
             <a:normAutofit/>
           </a:bodyPr>
           <a:p>
-            <a:endParaRPr b="0" lang="en-US" sz="1200" spc="-1" strike="noStrike">
-              <a:solidFill>
-                <a:srgbClr val="000000"/>
-              </a:solidFill>
-              <a:latin typeface="Segoe UI"/>
+            <a:endParaRPr b="0" lang="de-DE" sz="3200" spc="-1" strike="noStrike">
+              <a:latin typeface="Arial"/>
             </a:endParaRPr>
           </a:p>
         </p:txBody>
@@ -4786,8 +3042,8 @@
         </p:nvSpPr>
         <p:spPr>
           <a:xfrm>
-            <a:off x="2802600" y="1435680"/>
-            <a:ext cx="2154960" cy="3977280"/>
+            <a:off x="6231960" y="1604520"/>
+            <a:ext cx="5354280" cy="3977280"/>
           </a:xfrm>
           <a:prstGeom prst="rect">
             <a:avLst/>
@@ -4802,11 +3058,8 @@
             <a:normAutofit/>
           </a:bodyPr>
           <a:p>
-            <a:endParaRPr b="0" lang="en-US" sz="1200" spc="-1" strike="noStrike">
-              <a:solidFill>
-                <a:srgbClr val="000000"/>
-              </a:solidFill>
-              <a:latin typeface="Segoe UI"/>
+            <a:endParaRPr b="0" lang="de-DE" sz="3200" spc="-1" strike="noStrike">
+              <a:latin typeface="Arial"/>
             </a:endParaRPr>
           </a:p>
         </p:txBody>
@@ -4845,8 +3098,8 @@
         </p:nvSpPr>
         <p:spPr>
           <a:xfrm>
-            <a:off x="521280" y="448200"/>
-            <a:ext cx="6876720" cy="639720"/>
+            <a:off x="609480" y="273600"/>
+            <a:ext cx="10972440" cy="1144800"/>
           </a:xfrm>
           <a:prstGeom prst="rect">
             <a:avLst/>
@@ -4861,11 +3114,9 @@
             <a:noAutofit/>
           </a:bodyPr>
           <a:p>
-            <a:endParaRPr b="0" lang="de-DE" sz="1800" spc="-1" strike="noStrike">
-              <a:solidFill>
-                <a:srgbClr val="000000"/>
-              </a:solidFill>
-              <a:latin typeface="Segoe UI"/>
+            <a:pPr algn="ctr"/>
+            <a:endParaRPr b="0" lang="de-DE" sz="4400" spc="-1" strike="noStrike">
+              <a:latin typeface="Arial"/>
             </a:endParaRPr>
           </a:p>
         </p:txBody>
@@ -4904,8 +3155,8 @@
         </p:nvSpPr>
         <p:spPr>
           <a:xfrm>
-            <a:off x="521280" y="448200"/>
-            <a:ext cx="6876720" cy="2966760"/>
+            <a:off x="609480" y="273600"/>
+            <a:ext cx="10972440" cy="5307840"/>
           </a:xfrm>
           <a:prstGeom prst="rect">
             <a:avLst/>
@@ -4961,8 +3212,8 @@
         </p:nvSpPr>
         <p:spPr>
           <a:xfrm>
-            <a:off x="521280" y="448200"/>
-            <a:ext cx="6876720" cy="639720"/>
+            <a:off x="609480" y="273600"/>
+            <a:ext cx="10972440" cy="1144800"/>
           </a:xfrm>
           <a:prstGeom prst="rect">
             <a:avLst/>
@@ -4977,11 +3228,9 @@
             <a:noAutofit/>
           </a:bodyPr>
           <a:p>
-            <a:endParaRPr b="0" lang="de-DE" sz="1800" spc="-1" strike="noStrike">
-              <a:solidFill>
-                <a:srgbClr val="000000"/>
-              </a:solidFill>
-              <a:latin typeface="Segoe UI"/>
+            <a:pPr algn="ctr"/>
+            <a:endParaRPr b="0" lang="de-DE" sz="4400" spc="-1" strike="noStrike">
+              <a:latin typeface="Arial"/>
             </a:endParaRPr>
           </a:p>
         </p:txBody>
@@ -4998,8 +3247,8 @@
         </p:nvSpPr>
         <p:spPr>
           <a:xfrm>
-            <a:off x="539640" y="1435680"/>
-            <a:ext cx="2154960" cy="1896840"/>
+            <a:off x="609480" y="1604520"/>
+            <a:ext cx="5354280" cy="1896840"/>
           </a:xfrm>
           <a:prstGeom prst="rect">
             <a:avLst/>
@@ -5014,11 +3263,8 @@
             <a:normAutofit/>
           </a:bodyPr>
           <a:p>
-            <a:endParaRPr b="0" lang="en-US" sz="1200" spc="-1" strike="noStrike">
-              <a:solidFill>
-                <a:srgbClr val="000000"/>
-              </a:solidFill>
-              <a:latin typeface="Segoe UI"/>
+            <a:endParaRPr b="0" lang="de-DE" sz="3200" spc="-1" strike="noStrike">
+              <a:latin typeface="Arial"/>
             </a:endParaRPr>
           </a:p>
         </p:txBody>
@@ -5035,8 +3281,8 @@
         </p:nvSpPr>
         <p:spPr>
           <a:xfrm>
-            <a:off x="2802600" y="1435680"/>
-            <a:ext cx="2154960" cy="3977280"/>
+            <a:off x="6231960" y="1604520"/>
+            <a:ext cx="5354280" cy="3977280"/>
           </a:xfrm>
           <a:prstGeom prst="rect">
             <a:avLst/>
@@ -5051,11 +3297,8 @@
             <a:normAutofit/>
           </a:bodyPr>
           <a:p>
-            <a:endParaRPr b="0" lang="en-US" sz="1200" spc="-1" strike="noStrike">
-              <a:solidFill>
-                <a:srgbClr val="000000"/>
-              </a:solidFill>
-              <a:latin typeface="Segoe UI"/>
+            <a:endParaRPr b="0" lang="de-DE" sz="3200" spc="-1" strike="noStrike">
+              <a:latin typeface="Arial"/>
             </a:endParaRPr>
           </a:p>
         </p:txBody>
@@ -5072,8 +3315,8 @@
         </p:nvSpPr>
         <p:spPr>
           <a:xfrm>
-            <a:off x="539640" y="3513240"/>
-            <a:ext cx="2154960" cy="1896840"/>
+            <a:off x="609480" y="3682080"/>
+            <a:ext cx="5354280" cy="1896840"/>
           </a:xfrm>
           <a:prstGeom prst="rect">
             <a:avLst/>
@@ -5088,11 +3331,8 @@
             <a:normAutofit/>
           </a:bodyPr>
           <a:p>
-            <a:endParaRPr b="0" lang="en-US" sz="1200" spc="-1" strike="noStrike">
-              <a:solidFill>
-                <a:srgbClr val="000000"/>
-              </a:solidFill>
-              <a:latin typeface="Segoe UI"/>
+            <a:endParaRPr b="0" lang="de-DE" sz="3200" spc="-1" strike="noStrike">
+              <a:latin typeface="Arial"/>
             </a:endParaRPr>
           </a:p>
         </p:txBody>
@@ -5131,8 +3371,8 @@
         </p:nvSpPr>
         <p:spPr>
           <a:xfrm>
-            <a:off x="521280" y="448200"/>
-            <a:ext cx="6876720" cy="639720"/>
+            <a:off x="609480" y="273600"/>
+            <a:ext cx="10972440" cy="1144800"/>
           </a:xfrm>
           <a:prstGeom prst="rect">
             <a:avLst/>
@@ -5147,11 +3387,9 @@
             <a:noAutofit/>
           </a:bodyPr>
           <a:p>
-            <a:endParaRPr b="0" lang="de-DE" sz="1800" spc="-1" strike="noStrike">
-              <a:solidFill>
-                <a:srgbClr val="000000"/>
-              </a:solidFill>
-              <a:latin typeface="Segoe UI"/>
+            <a:pPr algn="ctr"/>
+            <a:endParaRPr b="0" lang="de-DE" sz="4400" spc="-1" strike="noStrike">
+              <a:latin typeface="Arial"/>
             </a:endParaRPr>
           </a:p>
         </p:txBody>
@@ -5168,8 +3406,8 @@
         </p:nvSpPr>
         <p:spPr>
           <a:xfrm>
-            <a:off x="539640" y="1435680"/>
-            <a:ext cx="2154960" cy="3977280"/>
+            <a:off x="609480" y="1604520"/>
+            <a:ext cx="5354280" cy="3977280"/>
           </a:xfrm>
           <a:prstGeom prst="rect">
             <a:avLst/>
@@ -5184,11 +3422,8 @@
             <a:normAutofit/>
           </a:bodyPr>
           <a:p>
-            <a:endParaRPr b="0" lang="en-US" sz="1200" spc="-1" strike="noStrike">
-              <a:solidFill>
-                <a:srgbClr val="000000"/>
-              </a:solidFill>
-              <a:latin typeface="Segoe UI"/>
+            <a:endParaRPr b="0" lang="de-DE" sz="3200" spc="-1" strike="noStrike">
+              <a:latin typeface="Arial"/>
             </a:endParaRPr>
           </a:p>
         </p:txBody>
@@ -5205,8 +3440,8 @@
         </p:nvSpPr>
         <p:spPr>
           <a:xfrm>
-            <a:off x="2802600" y="1435680"/>
-            <a:ext cx="2154960" cy="1896840"/>
+            <a:off x="6231960" y="1604520"/>
+            <a:ext cx="5354280" cy="1896840"/>
           </a:xfrm>
           <a:prstGeom prst="rect">
             <a:avLst/>
@@ -5221,11 +3456,8 @@
             <a:normAutofit/>
           </a:bodyPr>
           <a:p>
-            <a:endParaRPr b="0" lang="en-US" sz="1200" spc="-1" strike="noStrike">
-              <a:solidFill>
-                <a:srgbClr val="000000"/>
-              </a:solidFill>
-              <a:latin typeface="Segoe UI"/>
+            <a:endParaRPr b="0" lang="de-DE" sz="3200" spc="-1" strike="noStrike">
+              <a:latin typeface="Arial"/>
             </a:endParaRPr>
           </a:p>
         </p:txBody>
@@ -5242,8 +3474,8 @@
         </p:nvSpPr>
         <p:spPr>
           <a:xfrm>
-            <a:off x="2802600" y="3513240"/>
-            <a:ext cx="2154960" cy="1896840"/>
+            <a:off x="6231960" y="3682080"/>
+            <a:ext cx="5354280" cy="1896840"/>
           </a:xfrm>
           <a:prstGeom prst="rect">
             <a:avLst/>
@@ -5258,11 +3490,8 @@
             <a:normAutofit/>
           </a:bodyPr>
           <a:p>
-            <a:endParaRPr b="0" lang="en-US" sz="1200" spc="-1" strike="noStrike">
-              <a:solidFill>
-                <a:srgbClr val="000000"/>
-              </a:solidFill>
-              <a:latin typeface="Segoe UI"/>
+            <a:endParaRPr b="0" lang="de-DE" sz="3200" spc="-1" strike="noStrike">
+              <a:latin typeface="Arial"/>
             </a:endParaRPr>
           </a:p>
         </p:txBody>
@@ -5301,8 +3530,8 @@
         </p:nvSpPr>
         <p:spPr>
           <a:xfrm>
-            <a:off x="521280" y="448200"/>
-            <a:ext cx="6876720" cy="639720"/>
+            <a:off x="609480" y="273600"/>
+            <a:ext cx="10972440" cy="1144800"/>
           </a:xfrm>
           <a:prstGeom prst="rect">
             <a:avLst/>
@@ -5317,11 +3546,9 @@
             <a:noAutofit/>
           </a:bodyPr>
           <a:p>
-            <a:endParaRPr b="0" lang="de-DE" sz="1800" spc="-1" strike="noStrike">
-              <a:solidFill>
-                <a:srgbClr val="000000"/>
-              </a:solidFill>
-              <a:latin typeface="Segoe UI"/>
+            <a:pPr algn="ctr"/>
+            <a:endParaRPr b="0" lang="de-DE" sz="4400" spc="-1" strike="noStrike">
+              <a:latin typeface="Arial"/>
             </a:endParaRPr>
           </a:p>
         </p:txBody>
@@ -5338,8 +3565,8 @@
         </p:nvSpPr>
         <p:spPr>
           <a:xfrm>
-            <a:off x="539640" y="1435680"/>
-            <a:ext cx="2154960" cy="1896840"/>
+            <a:off x="609480" y="1604520"/>
+            <a:ext cx="5354280" cy="1896840"/>
           </a:xfrm>
           <a:prstGeom prst="rect">
             <a:avLst/>
@@ -5354,11 +3581,8 @@
             <a:normAutofit/>
           </a:bodyPr>
           <a:p>
-            <a:endParaRPr b="0" lang="en-US" sz="1200" spc="-1" strike="noStrike">
-              <a:solidFill>
-                <a:srgbClr val="000000"/>
-              </a:solidFill>
-              <a:latin typeface="Segoe UI"/>
+            <a:endParaRPr b="0" lang="de-DE" sz="3200" spc="-1" strike="noStrike">
+              <a:latin typeface="Arial"/>
             </a:endParaRPr>
           </a:p>
         </p:txBody>
@@ -5375,8 +3599,8 @@
         </p:nvSpPr>
         <p:spPr>
           <a:xfrm>
-            <a:off x="2802600" y="1435680"/>
-            <a:ext cx="2154960" cy="1896840"/>
+            <a:off x="6231960" y="1604520"/>
+            <a:ext cx="5354280" cy="1896840"/>
           </a:xfrm>
           <a:prstGeom prst="rect">
             <a:avLst/>
@@ -5391,11 +3615,8 @@
             <a:normAutofit/>
           </a:bodyPr>
           <a:p>
-            <a:endParaRPr b="0" lang="en-US" sz="1200" spc="-1" strike="noStrike">
-              <a:solidFill>
-                <a:srgbClr val="000000"/>
-              </a:solidFill>
-              <a:latin typeface="Segoe UI"/>
+            <a:endParaRPr b="0" lang="de-DE" sz="3200" spc="-1" strike="noStrike">
+              <a:latin typeface="Arial"/>
             </a:endParaRPr>
           </a:p>
         </p:txBody>
@@ -5412,8 +3633,8 @@
         </p:nvSpPr>
         <p:spPr>
           <a:xfrm>
-            <a:off x="539640" y="3513240"/>
-            <a:ext cx="4416120" cy="1896840"/>
+            <a:off x="609480" y="3682080"/>
+            <a:ext cx="10972440" cy="1896840"/>
           </a:xfrm>
           <a:prstGeom prst="rect">
             <a:avLst/>
@@ -5428,11 +3649,8 @@
             <a:normAutofit/>
           </a:bodyPr>
           <a:p>
-            <a:endParaRPr b="0" lang="en-US" sz="1200" spc="-1" strike="noStrike">
-              <a:solidFill>
-                <a:srgbClr val="000000"/>
-              </a:solidFill>
-              <a:latin typeface="Segoe UI"/>
+            <a:endParaRPr b="0" lang="de-DE" sz="3200" spc="-1" strike="noStrike">
+              <a:latin typeface="Arial"/>
             </a:endParaRPr>
           </a:p>
         </p:txBody>
@@ -5475,7 +3693,7 @@
         <p:spPr>
           <a:xfrm>
             <a:off x="255960" y="265320"/>
-            <a:ext cx="11682720" cy="6332040"/>
+            <a:ext cx="11682360" cy="6331680"/>
           </a:xfrm>
           <a:prstGeom prst="rect">
             <a:avLst/>
@@ -5544,7 +3762,7 @@
         <p:spPr>
           <a:xfrm>
             <a:off x="254880" y="262800"/>
-            <a:ext cx="11681640" cy="6332040"/>
+            <a:ext cx="11681280" cy="6331680"/>
           </a:xfrm>
           <a:prstGeom prst="rect">
             <a:avLst/>
@@ -5583,41 +3801,31 @@
         </p:nvSpPr>
         <p:spPr>
           <a:xfrm>
-            <a:off x="521280" y="448200"/>
-            <a:ext cx="6876000" cy="639720"/>
-          </a:xfrm>
-          <a:prstGeom prst="rect">
-            <a:avLst/>
-          </a:prstGeom>
-          <a:noFill/>
-          <a:ln w="0">
-            <a:noFill/>
-          </a:ln>
-        </p:spPr>
-        <p:txBody>
-          <a:bodyPr anchor="b">
+            <a:off x="609480" y="273600"/>
+            <a:ext cx="10972440" cy="1144800"/>
+          </a:xfrm>
+          <a:prstGeom prst="rect">
+            <a:avLst/>
+          </a:prstGeom>
+          <a:noFill/>
+          <a:ln w="0">
+            <a:noFill/>
+          </a:ln>
+        </p:spPr>
+        <p:txBody>
+          <a:bodyPr lIns="0" rIns="0" tIns="0" bIns="0" anchor="ctr">
             <a:noAutofit/>
           </a:bodyPr>
           <a:p>
-            <a:pPr>
-              <a:lnSpc>
-                <a:spcPct val="100000"/>
-              </a:lnSpc>
-            </a:pPr>
+            <a:pPr algn="ctr"/>
             <a:r>
-              <a:rPr b="0" lang="de-DE" sz="2800" spc="-1" strike="noStrike">
-                <a:solidFill>
-                  <a:srgbClr val="000000"/>
-                </a:solidFill>
-                <a:latin typeface="Segoe UI Light"/>
+              <a:rPr b="0" lang="de-DE" sz="4400" spc="-1" strike="noStrike">
+                <a:latin typeface="Arial"/>
               </a:rPr>
-              <a:t>Titelmasterformat durch Klicken bearbeiten</a:t>
+              <a:t>Format des Titeltextes durch Klicken bearbeiten</a:t>
             </a:r>
-            <a:endParaRPr b="0" lang="de-DE" sz="2800" spc="-1" strike="noStrike">
-              <a:solidFill>
-                <a:srgbClr val="000000"/>
-              </a:solidFill>
-              <a:latin typeface="Segoe UI"/>
+            <a:endParaRPr b="0" lang="de-DE" sz="4400" spc="-1" strike="noStrike">
+              <a:latin typeface="Arial"/>
             </a:endParaRPr>
           </a:p>
         </p:txBody>
@@ -5662,19 +3870,13 @@
               <a:buChar char=""/>
             </a:pPr>
             <a:r>
-              <a:rPr b="0" lang="en-US" sz="1200" spc="-1" strike="noStrike">
-                <a:solidFill>
-                  <a:srgbClr val="000000"/>
-                </a:solidFill>
-                <a:latin typeface="Segoe UI"/>
+              <a:rPr b="0" lang="de-DE" sz="3200" spc="-1" strike="noStrike">
+                <a:latin typeface="Arial"/>
               </a:rPr>
               <a:t>Format des Gliederungstextes durch Klicken bearbeiten</a:t>
             </a:r>
-            <a:endParaRPr b="0" lang="en-US" sz="1200" spc="-1" strike="noStrike">
-              <a:solidFill>
-                <a:srgbClr val="000000"/>
-              </a:solidFill>
-              <a:latin typeface="Segoe UI"/>
+            <a:endParaRPr b="0" lang="de-DE" sz="3200" spc="-1" strike="noStrike">
+              <a:latin typeface="Arial"/>
             </a:endParaRPr>
           </a:p>
           <a:p>
@@ -5690,19 +3892,13 @@
               <a:buChar char=""/>
             </a:pPr>
             <a:r>
-              <a:rPr b="0" lang="en-US" sz="1200" spc="-1" strike="noStrike">
-                <a:solidFill>
-                  <a:srgbClr val="000000"/>
-                </a:solidFill>
-                <a:latin typeface="Segoe UI"/>
+              <a:rPr b="0" lang="de-DE" sz="2800" spc="-1" strike="noStrike">
+                <a:latin typeface="Arial"/>
               </a:rPr>
               <a:t>Zweite Gliederungsebene</a:t>
             </a:r>
-            <a:endParaRPr b="0" lang="en-US" sz="1200" spc="-1" strike="noStrike">
-              <a:solidFill>
-                <a:srgbClr val="000000"/>
-              </a:solidFill>
-              <a:latin typeface="Segoe UI"/>
+            <a:endParaRPr b="0" lang="de-DE" sz="2800" spc="-1" strike="noStrike">
+              <a:latin typeface="Arial"/>
             </a:endParaRPr>
           </a:p>
           <a:p>
@@ -5718,19 +3914,13 @@
               <a:buChar char=""/>
             </a:pPr>
             <a:r>
-              <a:rPr b="0" lang="en-US" sz="1200" spc="-1" strike="noStrike">
-                <a:solidFill>
-                  <a:srgbClr val="000000"/>
-                </a:solidFill>
-                <a:latin typeface="Segoe UI"/>
+              <a:rPr b="0" lang="de-DE" sz="2400" spc="-1" strike="noStrike">
+                <a:latin typeface="Arial"/>
               </a:rPr>
               <a:t>Dritte Gliederungsebene</a:t>
             </a:r>
-            <a:endParaRPr b="0" lang="en-US" sz="1200" spc="-1" strike="noStrike">
-              <a:solidFill>
-                <a:srgbClr val="000000"/>
-              </a:solidFill>
-              <a:latin typeface="Segoe UI"/>
+            <a:endParaRPr b="0" lang="de-DE" sz="2400" spc="-1" strike="noStrike">
+              <a:latin typeface="Arial"/>
             </a:endParaRPr>
           </a:p>
           <a:p>
@@ -5746,19 +3936,13 @@
               <a:buChar char=""/>
             </a:pPr>
             <a:r>
-              <a:rPr b="0" lang="en-US" sz="1200" spc="-1" strike="noStrike">
-                <a:solidFill>
-                  <a:srgbClr val="000000"/>
-                </a:solidFill>
-                <a:latin typeface="Segoe UI"/>
+              <a:rPr b="0" lang="de-DE" sz="2000" spc="-1" strike="noStrike">
+                <a:latin typeface="Arial"/>
               </a:rPr>
               <a:t>Vierte Gliederungsebene</a:t>
             </a:r>
-            <a:endParaRPr b="0" lang="en-US" sz="1200" spc="-1" strike="noStrike">
-              <a:solidFill>
-                <a:srgbClr val="000000"/>
-              </a:solidFill>
-              <a:latin typeface="Segoe UI"/>
+            <a:endParaRPr b="0" lang="de-DE" sz="2000" spc="-1" strike="noStrike">
+              <a:latin typeface="Arial"/>
             </a:endParaRPr>
           </a:p>
           <a:p>
@@ -5774,19 +3958,13 @@
               <a:buChar char=""/>
             </a:pPr>
             <a:r>
-              <a:rPr b="0" lang="en-US" sz="2000" spc="-1" strike="noStrike">
-                <a:solidFill>
-                  <a:srgbClr val="000000"/>
-                </a:solidFill>
-                <a:latin typeface="Segoe UI"/>
+              <a:rPr b="0" lang="de-DE" sz="2000" spc="-1" strike="noStrike">
+                <a:latin typeface="Arial"/>
               </a:rPr>
               <a:t>Fünfte Gliederungsebene</a:t>
             </a:r>
-            <a:endParaRPr b="0" lang="en-US" sz="2000" spc="-1" strike="noStrike">
-              <a:solidFill>
-                <a:srgbClr val="000000"/>
-              </a:solidFill>
-              <a:latin typeface="Segoe UI"/>
+            <a:endParaRPr b="0" lang="de-DE" sz="2000" spc="-1" strike="noStrike">
+              <a:latin typeface="Arial"/>
             </a:endParaRPr>
           </a:p>
           <a:p>
@@ -5802,19 +3980,13 @@
               <a:buChar char=""/>
             </a:pPr>
             <a:r>
-              <a:rPr b="0" lang="en-US" sz="2000" spc="-1" strike="noStrike">
-                <a:solidFill>
-                  <a:srgbClr val="000000"/>
-                </a:solidFill>
-                <a:latin typeface="Segoe UI"/>
+              <a:rPr b="0" lang="de-DE" sz="2000" spc="-1" strike="noStrike">
+                <a:latin typeface="Arial"/>
               </a:rPr>
               <a:t>Sechste Gliederungsebene</a:t>
             </a:r>
-            <a:endParaRPr b="0" lang="en-US" sz="2000" spc="-1" strike="noStrike">
-              <a:solidFill>
-                <a:srgbClr val="000000"/>
-              </a:solidFill>
-              <a:latin typeface="Segoe UI"/>
+            <a:endParaRPr b="0" lang="de-DE" sz="2000" spc="-1" strike="noStrike">
+              <a:latin typeface="Arial"/>
             </a:endParaRPr>
           </a:p>
           <a:p>
@@ -5830,19 +4002,13 @@
               <a:buChar char=""/>
             </a:pPr>
             <a:r>
-              <a:rPr b="0" lang="en-US" sz="2000" spc="-1" strike="noStrike">
-                <a:solidFill>
-                  <a:srgbClr val="000000"/>
-                </a:solidFill>
-                <a:latin typeface="Segoe UI"/>
+              <a:rPr b="0" lang="de-DE" sz="2000" spc="-1" strike="noStrike">
+                <a:latin typeface="Arial"/>
               </a:rPr>
               <a:t>Siebte Gliederungsebene</a:t>
             </a:r>
-            <a:endParaRPr b="0" lang="en-US" sz="2000" spc="-1" strike="noStrike">
-              <a:solidFill>
-                <a:srgbClr val="000000"/>
-              </a:solidFill>
-              <a:latin typeface="Segoe UI"/>
+            <a:endParaRPr b="0" lang="de-DE" sz="2000" spc="-1" strike="noStrike">
+              <a:latin typeface="Arial"/>
             </a:endParaRPr>
           </a:p>
         </p:txBody>
@@ -5900,7 +4066,7 @@
         <p:spPr>
           <a:xfrm>
             <a:off x="255960" y="265320"/>
-            <a:ext cx="11682720" cy="6332040"/>
+            <a:ext cx="11682360" cy="6331680"/>
           </a:xfrm>
           <a:prstGeom prst="rect">
             <a:avLst/>
@@ -5969,7 +4135,7 @@
         <p:spPr>
           <a:xfrm>
             <a:off x="255960" y="265320"/>
-            <a:ext cx="11682720" cy="6332040"/>
+            <a:ext cx="11682360" cy="6331680"/>
           </a:xfrm>
           <a:prstGeom prst="rect">
             <a:avLst/>
@@ -6041,355 +4207,214 @@
         </p:nvSpPr>
         <p:spPr>
           <a:xfrm>
-            <a:off x="521280" y="448200"/>
-            <a:ext cx="6876720" cy="639720"/>
-          </a:xfrm>
-          <a:prstGeom prst="rect">
-            <a:avLst/>
-          </a:prstGeom>
-          <a:noFill/>
-          <a:ln w="0">
-            <a:noFill/>
-          </a:ln>
-        </p:spPr>
-        <p:txBody>
-          <a:bodyPr anchor="b">
+            <a:off x="609480" y="273600"/>
+            <a:ext cx="10972440" cy="1144800"/>
+          </a:xfrm>
+          <a:prstGeom prst="rect">
+            <a:avLst/>
+          </a:prstGeom>
+          <a:noFill/>
+          <a:ln w="0">
+            <a:noFill/>
+          </a:ln>
+        </p:spPr>
+        <p:txBody>
+          <a:bodyPr lIns="0" rIns="0" tIns="0" bIns="0" anchor="ctr">
+            <a:noAutofit/>
+          </a:bodyPr>
+          <a:p>
+            <a:pPr algn="ctr"/>
+            <a:r>
+              <a:rPr b="0" lang="de-DE" sz="4400" spc="-1" strike="noStrike">
+                <a:latin typeface="Arial"/>
+              </a:rPr>
+              <a:t>Format des Titeltextes durch Klicken bearbeiten</a:t>
+            </a:r>
+            <a:endParaRPr b="0" lang="de-DE" sz="4400" spc="-1" strike="noStrike">
+              <a:latin typeface="Arial"/>
+            </a:endParaRPr>
+          </a:p>
+        </p:txBody>
+      </p:sp>
+      <p:sp>
+        <p:nvSpPr>
+          <p:cNvPr id="46" name="PlaceHolder 2"/>
+          <p:cNvSpPr>
+            <a:spLocks noGrp="1"/>
+          </p:cNvSpPr>
+          <p:nvPr>
+            <p:ph type="body"/>
+          </p:nvPr>
+        </p:nvSpPr>
+        <p:spPr>
+          <a:xfrm>
+            <a:off x="609480" y="1604520"/>
+            <a:ext cx="10972440" cy="3977280"/>
+          </a:xfrm>
+          <a:prstGeom prst="rect">
+            <a:avLst/>
+          </a:prstGeom>
+          <a:noFill/>
+          <a:ln w="0">
+            <a:noFill/>
+          </a:ln>
+        </p:spPr>
+        <p:txBody>
+          <a:bodyPr lIns="0" rIns="0" tIns="0" bIns="0" anchor="t">
             <a:normAutofit/>
           </a:bodyPr>
           <a:p>
-            <a:pPr>
-              <a:lnSpc>
-                <a:spcPct val="100000"/>
-              </a:lnSpc>
+            <a:pPr marL="432000" indent="-324000">
+              <a:spcBef>
+                <a:spcPts val="1417"/>
+              </a:spcBef>
+              <a:buClr>
+                <a:srgbClr val="000000"/>
+              </a:buClr>
+              <a:buSzPct val="45000"/>
+              <a:buFont typeface="Wingdings" charset="2"/>
+              <a:buChar char=""/>
+            </a:pPr>
+            <a:r>
+              <a:rPr b="0" lang="de-DE" sz="3200" spc="-1" strike="noStrike">
+                <a:latin typeface="Arial"/>
+              </a:rPr>
+              <a:t>Format des Gliederungstextes durch Klicken bearbeiten</a:t>
+            </a:r>
+            <a:endParaRPr b="0" lang="de-DE" sz="3200" spc="-1" strike="noStrike">
+              <a:latin typeface="Arial"/>
+            </a:endParaRPr>
+          </a:p>
+          <a:p>
+            <a:pPr lvl="1" marL="864000" indent="-324000">
+              <a:spcBef>
+                <a:spcPts val="1134"/>
+              </a:spcBef>
+              <a:buClr>
+                <a:srgbClr val="000000"/>
+              </a:buClr>
+              <a:buSzPct val="75000"/>
+              <a:buFont typeface="Symbol" charset="2"/>
+              <a:buChar char=""/>
             </a:pPr>
             <a:r>
               <a:rPr b="0" lang="de-DE" sz="2800" spc="-1" strike="noStrike">
-                <a:solidFill>
-                  <a:srgbClr val="3b3838"/>
-                </a:solidFill>
-                <a:latin typeface="Segoe UI Light"/>
+                <a:latin typeface="Arial"/>
               </a:rPr>
-              <a:t>Titelmasterformat durch Klicken bearbeiten</a:t>
+              <a:t>Zweite Gliederungsebene</a:t>
             </a:r>
             <a:endParaRPr b="0" lang="de-DE" sz="2800" spc="-1" strike="noStrike">
-              <a:solidFill>
+              <a:latin typeface="Arial"/>
+            </a:endParaRPr>
+          </a:p>
+          <a:p>
+            <a:pPr lvl="2" marL="1296000" indent="-288000">
+              <a:spcBef>
+                <a:spcPts val="850"/>
+              </a:spcBef>
+              <a:buClr>
                 <a:srgbClr val="000000"/>
-              </a:solidFill>
-              <a:latin typeface="Segoe UI"/>
-            </a:endParaRPr>
-          </a:p>
-        </p:txBody>
-      </p:sp>
-      <p:sp>
-        <p:nvSpPr>
-          <p:cNvPr id="46" name="PlaceHolder 2"/>
-          <p:cNvSpPr>
-            <a:spLocks noGrp="1"/>
-          </p:cNvSpPr>
-          <p:nvPr>
-            <p:ph type="body"/>
-          </p:nvPr>
-        </p:nvSpPr>
-        <p:spPr>
-          <a:xfrm>
-            <a:off x="539640" y="1435680"/>
-            <a:ext cx="4416120" cy="3977280"/>
-          </a:xfrm>
-          <a:prstGeom prst="rect">
-            <a:avLst/>
-          </a:prstGeom>
-          <a:noFill/>
-          <a:ln w="0">
-            <a:noFill/>
-          </a:ln>
-        </p:spPr>
-        <p:txBody>
-          <a:bodyPr anchor="t">
-            <a:normAutofit/>
-          </a:bodyPr>
-          <a:p>
-            <a:pPr>
-              <a:lnSpc>
-                <a:spcPct val="150000"/>
-              </a:lnSpc>
-              <a:spcBef>
-                <a:spcPts val="1001"/>
-              </a:spcBef>
-              <a:spcAft>
-                <a:spcPts val="1199"/>
-              </a:spcAft>
-              <a:tabLst>
-                <a:tab algn="l" pos="0"/>
-              </a:tabLst>
+              </a:buClr>
+              <a:buSzPct val="45000"/>
+              <a:buFont typeface="Wingdings" charset="2"/>
+              <a:buChar char=""/>
             </a:pPr>
             <a:r>
-              <a:rPr b="0" lang="de-DE" sz="1200" spc="-1" strike="noStrike">
-                <a:solidFill>
-                  <a:srgbClr val="404040"/>
-                </a:solidFill>
-                <a:latin typeface="Segoe UI"/>
+              <a:rPr b="0" lang="de-DE" sz="2400" spc="-1" strike="noStrike">
+                <a:latin typeface="Arial"/>
               </a:rPr>
-              <a:t>Textmasterformat durch Klicken bearbeiten</a:t>
+              <a:t>Dritte Gliederungsebene</a:t>
             </a:r>
-            <a:endParaRPr b="0" lang="en-US" sz="1200" spc="-1" strike="noStrike">
-              <a:solidFill>
+            <a:endParaRPr b="0" lang="de-DE" sz="2400" spc="-1" strike="noStrike">
+              <a:latin typeface="Arial"/>
+            </a:endParaRPr>
+          </a:p>
+          <a:p>
+            <a:pPr lvl="3" marL="1728000" indent="-216000">
+              <a:spcBef>
+                <a:spcPts val="567"/>
+              </a:spcBef>
+              <a:buClr>
                 <a:srgbClr val="000000"/>
-              </a:solidFill>
-              <a:latin typeface="Segoe UI"/>
-            </a:endParaRPr>
-          </a:p>
-          <a:p>
-            <a:pPr>
-              <a:lnSpc>
-                <a:spcPct val="150000"/>
-              </a:lnSpc>
-              <a:spcBef>
-                <a:spcPts val="1001"/>
-              </a:spcBef>
-              <a:spcAft>
-                <a:spcPts val="1199"/>
-              </a:spcAft>
-              <a:tabLst>
-                <a:tab algn="l" pos="0"/>
-              </a:tabLst>
+              </a:buClr>
+              <a:buSzPct val="75000"/>
+              <a:buFont typeface="Symbol" charset="2"/>
+              <a:buChar char=""/>
             </a:pPr>
             <a:r>
-              <a:rPr b="0" lang="de-DE" sz="1200" spc="-1" strike="noStrike">
-                <a:solidFill>
-                  <a:srgbClr val="404040"/>
-                </a:solidFill>
-                <a:latin typeface="Segoe UI"/>
+              <a:rPr b="0" lang="de-DE" sz="2000" spc="-1" strike="noStrike">
+                <a:latin typeface="Arial"/>
               </a:rPr>
-              <a:t>Zweite Ebene</a:t>
+              <a:t>Vierte Gliederungsebene</a:t>
             </a:r>
-            <a:endParaRPr b="0" lang="en-US" sz="1200" spc="-1" strike="noStrike">
-              <a:solidFill>
+            <a:endParaRPr b="0" lang="de-DE" sz="2000" spc="-1" strike="noStrike">
+              <a:latin typeface="Arial"/>
+            </a:endParaRPr>
+          </a:p>
+          <a:p>
+            <a:pPr lvl="4" marL="2160000" indent="-216000">
+              <a:spcBef>
+                <a:spcPts val="283"/>
+              </a:spcBef>
+              <a:buClr>
                 <a:srgbClr val="000000"/>
-              </a:solidFill>
-              <a:latin typeface="Segoe UI"/>
-            </a:endParaRPr>
-          </a:p>
-          <a:p>
-            <a:pPr>
-              <a:lnSpc>
-                <a:spcPct val="150000"/>
-              </a:lnSpc>
-              <a:spcBef>
-                <a:spcPts val="1001"/>
-              </a:spcBef>
-              <a:spcAft>
-                <a:spcPts val="1199"/>
-              </a:spcAft>
-              <a:tabLst>
-                <a:tab algn="l" pos="0"/>
-              </a:tabLst>
+              </a:buClr>
+              <a:buSzPct val="45000"/>
+              <a:buFont typeface="Wingdings" charset="2"/>
+              <a:buChar char=""/>
             </a:pPr>
             <a:r>
-              <a:rPr b="0" lang="de-DE" sz="1200" spc="-1" strike="noStrike">
-                <a:solidFill>
-                  <a:srgbClr val="404040"/>
-                </a:solidFill>
-                <a:latin typeface="Segoe UI"/>
+              <a:rPr b="0" lang="de-DE" sz="2000" spc="-1" strike="noStrike">
+                <a:latin typeface="Arial"/>
               </a:rPr>
-              <a:t>Dritte Ebene</a:t>
+              <a:t>Fünfte Gliederungsebene</a:t>
             </a:r>
-            <a:endParaRPr b="0" lang="en-US" sz="1200" spc="-1" strike="noStrike">
-              <a:solidFill>
+            <a:endParaRPr b="0" lang="de-DE" sz="2000" spc="-1" strike="noStrike">
+              <a:latin typeface="Arial"/>
+            </a:endParaRPr>
+          </a:p>
+          <a:p>
+            <a:pPr lvl="5" marL="2592000" indent="-216000">
+              <a:spcBef>
+                <a:spcPts val="283"/>
+              </a:spcBef>
+              <a:buClr>
                 <a:srgbClr val="000000"/>
-              </a:solidFill>
-              <a:latin typeface="Segoe UI"/>
-            </a:endParaRPr>
-          </a:p>
-          <a:p>
-            <a:pPr>
-              <a:lnSpc>
-                <a:spcPct val="150000"/>
-              </a:lnSpc>
-              <a:spcBef>
-                <a:spcPts val="1001"/>
-              </a:spcBef>
-              <a:spcAft>
-                <a:spcPts val="1199"/>
-              </a:spcAft>
-              <a:tabLst>
-                <a:tab algn="l" pos="0"/>
-              </a:tabLst>
+              </a:buClr>
+              <a:buSzPct val="45000"/>
+              <a:buFont typeface="Wingdings" charset="2"/>
+              <a:buChar char=""/>
             </a:pPr>
             <a:r>
-              <a:rPr b="0" lang="de-DE" sz="1200" spc="-1" strike="noStrike">
-                <a:solidFill>
-                  <a:srgbClr val="404040"/>
-                </a:solidFill>
-                <a:latin typeface="Segoe UI"/>
+              <a:rPr b="0" lang="de-DE" sz="2000" spc="-1" strike="noStrike">
+                <a:latin typeface="Arial"/>
               </a:rPr>
-              <a:t>Vierte Ebene</a:t>
+              <a:t>Sechste Gliederungsebene</a:t>
             </a:r>
-            <a:endParaRPr b="0" lang="en-US" sz="1200" spc="-1" strike="noStrike">
-              <a:solidFill>
+            <a:endParaRPr b="0" lang="de-DE" sz="2000" spc="-1" strike="noStrike">
+              <a:latin typeface="Arial"/>
+            </a:endParaRPr>
+          </a:p>
+          <a:p>
+            <a:pPr lvl="6" marL="3024000" indent="-216000">
+              <a:spcBef>
+                <a:spcPts val="283"/>
+              </a:spcBef>
+              <a:buClr>
                 <a:srgbClr val="000000"/>
-              </a:solidFill>
-              <a:latin typeface="Segoe UI"/>
-            </a:endParaRPr>
-          </a:p>
-          <a:p>
-            <a:pPr>
-              <a:lnSpc>
-                <a:spcPct val="150000"/>
-              </a:lnSpc>
-              <a:spcBef>
-                <a:spcPts val="1001"/>
-              </a:spcBef>
-              <a:spcAft>
-                <a:spcPts val="1199"/>
-              </a:spcAft>
-              <a:tabLst>
-                <a:tab algn="l" pos="0"/>
-              </a:tabLst>
+              </a:buClr>
+              <a:buSzPct val="45000"/>
+              <a:buFont typeface="Wingdings" charset="2"/>
+              <a:buChar char=""/>
             </a:pPr>
             <a:r>
-              <a:rPr b="0" lang="de-DE" sz="1200" spc="-1" strike="noStrike">
-                <a:solidFill>
-                  <a:srgbClr val="404040"/>
-                </a:solidFill>
-                <a:latin typeface="Segoe UI"/>
+              <a:rPr b="0" lang="de-DE" sz="2000" spc="-1" strike="noStrike">
+                <a:latin typeface="Arial"/>
               </a:rPr>
-              <a:t>Fünfte Ebene</a:t>
+              <a:t>Siebte Gliederungsebene</a:t>
             </a:r>
-            <a:endParaRPr b="0" lang="en-US" sz="1200" spc="-1" strike="noStrike">
-              <a:solidFill>
-                <a:srgbClr val="000000"/>
-              </a:solidFill>
-              <a:latin typeface="Segoe UI"/>
-            </a:endParaRPr>
-          </a:p>
-        </p:txBody>
-      </p:sp>
-      <p:sp>
-        <p:nvSpPr>
-          <p:cNvPr id="47" name="PlaceHolder 3"/>
-          <p:cNvSpPr>
-            <a:spLocks noGrp="1"/>
-          </p:cNvSpPr>
-          <p:nvPr>
-            <p:ph type="dt"/>
-          </p:nvPr>
-        </p:nvSpPr>
-        <p:spPr>
-          <a:xfrm>
-            <a:off x="539640" y="6203880"/>
-            <a:ext cx="3276360" cy="364680"/>
-          </a:xfrm>
-          <a:prstGeom prst="rect">
-            <a:avLst/>
-          </a:prstGeom>
-          <a:noFill/>
-          <a:ln w="0">
-            <a:noFill/>
-          </a:ln>
-        </p:spPr>
-        <p:txBody>
-          <a:bodyPr anchor="ctr">
-            <a:noAutofit/>
-          </a:bodyPr>
-          <a:p>
-            <a:pPr>
-              <a:lnSpc>
-                <a:spcPct val="100000"/>
-              </a:lnSpc>
-            </a:pPr>
-            <a:fld id="{3457EA1D-B7DD-4E5D-A431-15270C37BDDF}" type="datetime1">
-              <a:rPr b="0" lang="de-DE" sz="1200" spc="-1" strike="noStrike">
-                <a:solidFill>
-                  <a:srgbClr val="939393"/>
-                </a:solidFill>
-                <a:latin typeface="Segoe UI"/>
-              </a:rPr>
-              <a:t>21.01.2024</a:t>
-            </a:fld>
-            <a:endParaRPr b="0" lang="de-DE" sz="1200" spc="-1" strike="noStrike">
-              <a:latin typeface="Times New Roman"/>
-            </a:endParaRPr>
-          </a:p>
-        </p:txBody>
-      </p:sp>
-      <p:sp>
-        <p:nvSpPr>
-          <p:cNvPr id="48" name="PlaceHolder 4"/>
-          <p:cNvSpPr>
-            <a:spLocks noGrp="1"/>
-          </p:cNvSpPr>
-          <p:nvPr>
-            <p:ph type="ftr"/>
-          </p:nvPr>
-        </p:nvSpPr>
-        <p:spPr>
-          <a:xfrm>
-            <a:off x="4648320" y="6203880"/>
-            <a:ext cx="2895120" cy="364680"/>
-          </a:xfrm>
-          <a:prstGeom prst="rect">
-            <a:avLst/>
-          </a:prstGeom>
-          <a:noFill/>
-          <a:ln w="0">
-            <a:noFill/>
-          </a:ln>
-        </p:spPr>
-        <p:txBody>
-          <a:bodyPr anchor="ctr">
-            <a:noAutofit/>
-          </a:bodyPr>
-          <a:p>
-            <a:endParaRPr b="0" lang="de-DE" sz="2400" spc="-1" strike="noStrike">
-              <a:latin typeface="Times New Roman"/>
-            </a:endParaRPr>
-          </a:p>
-        </p:txBody>
-      </p:sp>
-      <p:sp>
-        <p:nvSpPr>
-          <p:cNvPr id="49" name="PlaceHolder 5"/>
-          <p:cNvSpPr>
-            <a:spLocks noGrp="1"/>
-          </p:cNvSpPr>
-          <p:nvPr>
-            <p:ph type="sldNum"/>
-          </p:nvPr>
-        </p:nvSpPr>
-        <p:spPr>
-          <a:xfrm>
-            <a:off x="8371800" y="6203880"/>
-            <a:ext cx="3276360" cy="364680"/>
-          </a:xfrm>
-          <a:prstGeom prst="rect">
-            <a:avLst/>
-          </a:prstGeom>
-          <a:noFill/>
-          <a:ln w="0">
-            <a:noFill/>
-          </a:ln>
-        </p:spPr>
-        <p:txBody>
-          <a:bodyPr anchor="ctr">
-            <a:noAutofit/>
-          </a:bodyPr>
-          <a:p>
-            <a:pPr algn="r">
-              <a:lnSpc>
-                <a:spcPct val="100000"/>
-              </a:lnSpc>
-            </a:pPr>
-            <a:fld id="{78B8A154-85F9-468D-B9A7-B232D8A15C82}" type="slidenum">
-              <a:rPr b="0" lang="de-DE" sz="1200" spc="-1" strike="noStrike">
-                <a:solidFill>
-                  <a:srgbClr val="939393"/>
-                </a:solidFill>
-                <a:latin typeface="Segoe UI"/>
-              </a:rPr>
-              <a:t>&lt;Foliennummer&gt;</a:t>
-            </a:fld>
-            <a:endParaRPr b="0" lang="de-DE" sz="1200" spc="-1" strike="noStrike">
-              <a:latin typeface="Times New Roman"/>
+            <a:endParaRPr b="0" lang="de-DE" sz="2000" spc="-1" strike="noStrike">
+              <a:latin typeface="Arial"/>
             </a:endParaRPr>
           </a:p>
         </p:txBody>
@@ -6410,426 +4435,6 @@
     <p:sldLayoutId id="2147483671" r:id="rId11"/>
     <p:sldLayoutId id="2147483672" r:id="rId12"/>
     <p:sldLayoutId id="2147483673" r:id="rId13"/>
-  </p:sldLayoutIdLst>
-</p:sldMaster>
-</file>
-
-<file path=ppt/slideMasters/slideMaster3.xml><?xml version="1.0" encoding="utf-8"?>
-<p:sldMaster xmlns:a="http://schemas.openxmlformats.org/drawingml/2006/main" xmlns:p="http://schemas.openxmlformats.org/presentationml/2006/main" xmlns:r="http://schemas.openxmlformats.org/officeDocument/2006/relationships" xmlns:p14="http://schemas.microsoft.com/office/powerpoint/2010/main" xmlns:p15="http://schemas.microsoft.com/office/powerpoint/2012/main" xmlns:mc="http://schemas.openxmlformats.org/markup-compatibility/2006">
-  <p:cSld>
-    <p:bg>
-      <p:bgPr>
-        <a:solidFill>
-          <a:srgbClr val="ffffff"/>
-        </a:solidFill>
-      </p:bgPr>
-    </p:bg>
-    <p:spTree>
-      <p:nvGrpSpPr>
-        <p:cNvPr id="1" name=""/>
-        <p:cNvGrpSpPr/>
-        <p:nvPr/>
-      </p:nvGrpSpPr>
-      <p:grpSpPr>
-        <a:xfrm>
-          <a:off x="0" y="0"/>
-          <a:ext cx="0" cy="0"/>
-          <a:chOff x="0" y="0"/>
-          <a:chExt cx="0" cy="0"/>
-        </a:xfrm>
-      </p:grpSpPr>
-      <p:sp>
-        <p:nvSpPr>
-          <p:cNvPr id="86" name="Rechteck 6"/>
-          <p:cNvSpPr/>
-          <p:nvPr/>
-        </p:nvSpPr>
-        <p:spPr>
-          <a:xfrm>
-            <a:off x="255960" y="265320"/>
-            <a:ext cx="11682720" cy="6332040"/>
-          </a:xfrm>
-          <a:prstGeom prst="rect">
-            <a:avLst/>
-          </a:prstGeom>
-          <a:solidFill>
-            <a:srgbClr val="f5f5f5"/>
-          </a:solidFill>
-          <a:ln>
-            <a:noFill/>
-          </a:ln>
-        </p:spPr>
-        <p:style>
-          <a:lnRef idx="2">
-            <a:schemeClr val="accent1">
-              <a:shade val="50000"/>
-            </a:schemeClr>
-          </a:lnRef>
-          <a:fillRef idx="1">
-            <a:schemeClr val="accent1"/>
-          </a:fillRef>
-          <a:effectRef idx="0">
-            <a:schemeClr val="accent1"/>
-          </a:effectRef>
-          <a:fontRef idx="minor"/>
-        </p:style>
-      </p:sp>
-      <p:sp>
-        <p:nvSpPr>
-          <p:cNvPr id="87" name="Gerader Verbinder 7"/>
-          <p:cNvSpPr/>
-          <p:nvPr/>
-        </p:nvSpPr>
-        <p:spPr>
-          <a:xfrm>
-            <a:off x="604080" y="1196280"/>
-            <a:ext cx="10983240" cy="360"/>
-          </a:xfrm>
-          <a:prstGeom prst="line">
-            <a:avLst/>
-          </a:prstGeom>
-          <a:ln w="25400">
-            <a:solidFill>
-              <a:srgbClr val="d24726"/>
-            </a:solidFill>
-          </a:ln>
-        </p:spPr>
-        <p:style>
-          <a:lnRef idx="1">
-            <a:schemeClr val="accent1"/>
-          </a:lnRef>
-          <a:fillRef idx="0">
-            <a:schemeClr val="accent1"/>
-          </a:fillRef>
-          <a:effectRef idx="0">
-            <a:schemeClr val="accent1"/>
-          </a:effectRef>
-          <a:fontRef idx="minor"/>
-        </p:style>
-      </p:sp>
-      <p:sp>
-        <p:nvSpPr>
-          <p:cNvPr id="88" name="Rechteck 8"/>
-          <p:cNvSpPr/>
-          <p:nvPr/>
-        </p:nvSpPr>
-        <p:spPr>
-          <a:xfrm>
-            <a:off x="254880" y="262800"/>
-            <a:ext cx="11682720" cy="6332040"/>
-          </a:xfrm>
-          <a:prstGeom prst="rect">
-            <a:avLst/>
-          </a:prstGeom>
-          <a:solidFill>
-            <a:srgbClr val="f5f5f5"/>
-          </a:solidFill>
-          <a:ln>
-            <a:noFill/>
-          </a:ln>
-        </p:spPr>
-        <p:style>
-          <a:lnRef idx="2">
-            <a:schemeClr val="accent1">
-              <a:shade val="50000"/>
-            </a:schemeClr>
-          </a:lnRef>
-          <a:fillRef idx="1">
-            <a:schemeClr val="accent1"/>
-          </a:fillRef>
-          <a:effectRef idx="0">
-            <a:schemeClr val="accent1"/>
-          </a:effectRef>
-          <a:fontRef idx="minor"/>
-        </p:style>
-      </p:sp>
-      <p:sp>
-        <p:nvSpPr>
-          <p:cNvPr id="89" name="Rechteck 9"/>
-          <p:cNvSpPr/>
-          <p:nvPr/>
-        </p:nvSpPr>
-        <p:spPr>
-          <a:xfrm>
-            <a:off x="254880" y="262800"/>
-            <a:ext cx="11681640" cy="2072160"/>
-          </a:xfrm>
-          <a:prstGeom prst="rect">
-            <a:avLst/>
-          </a:prstGeom>
-          <a:solidFill>
-            <a:srgbClr val="d24726"/>
-          </a:solidFill>
-          <a:ln>
-            <a:noFill/>
-          </a:ln>
-        </p:spPr>
-        <p:style>
-          <a:lnRef idx="2">
-            <a:schemeClr val="accent1">
-              <a:shade val="50000"/>
-            </a:schemeClr>
-          </a:lnRef>
-          <a:fillRef idx="1">
-            <a:schemeClr val="accent1"/>
-          </a:fillRef>
-          <a:effectRef idx="0">
-            <a:schemeClr val="accent1"/>
-          </a:effectRef>
-          <a:fontRef idx="minor"/>
-        </p:style>
-      </p:sp>
-      <p:sp>
-        <p:nvSpPr>
-          <p:cNvPr id="90" name="PlaceHolder 1"/>
-          <p:cNvSpPr>
-            <a:spLocks noGrp="1"/>
-          </p:cNvSpPr>
-          <p:nvPr>
-            <p:ph type="title"/>
-          </p:nvPr>
-        </p:nvSpPr>
-        <p:spPr>
-          <a:xfrm>
-            <a:off x="521280" y="1536120"/>
-            <a:ext cx="6876000" cy="639720"/>
-          </a:xfrm>
-          <a:prstGeom prst="rect">
-            <a:avLst/>
-          </a:prstGeom>
-          <a:noFill/>
-          <a:ln w="0">
-            <a:noFill/>
-          </a:ln>
-        </p:spPr>
-        <p:txBody>
-          <a:bodyPr anchor="b">
-            <a:normAutofit fontScale="81000"/>
-          </a:bodyPr>
-          <a:p>
-            <a:pPr>
-              <a:lnSpc>
-                <a:spcPct val="100000"/>
-              </a:lnSpc>
-            </a:pPr>
-            <a:r>
-              <a:rPr b="0" lang="de-DE" sz="3600" spc="-1" strike="noStrike">
-                <a:solidFill>
-                  <a:srgbClr val="ffffff"/>
-                </a:solidFill>
-                <a:latin typeface="Segoe UI Light"/>
-              </a:rPr>
-              <a:t>Titelmasterformat durch Klicken bearbeiten</a:t>
-            </a:r>
-            <a:endParaRPr b="0" lang="de-DE" sz="3600" spc="-1" strike="noStrike">
-              <a:solidFill>
-                <a:srgbClr val="000000"/>
-              </a:solidFill>
-              <a:latin typeface="Segoe UI"/>
-            </a:endParaRPr>
-          </a:p>
-        </p:txBody>
-      </p:sp>
-      <p:sp>
-        <p:nvSpPr>
-          <p:cNvPr id="91" name="PlaceHolder 2"/>
-          <p:cNvSpPr>
-            <a:spLocks noGrp="1"/>
-          </p:cNvSpPr>
-          <p:nvPr>
-            <p:ph type="body"/>
-          </p:nvPr>
-        </p:nvSpPr>
-        <p:spPr>
-          <a:xfrm>
-            <a:off x="539640" y="2560320"/>
-            <a:ext cx="9445320" cy="3977280"/>
-          </a:xfrm>
-          <a:prstGeom prst="rect">
-            <a:avLst/>
-          </a:prstGeom>
-          <a:noFill/>
-          <a:ln w="0">
-            <a:noFill/>
-          </a:ln>
-        </p:spPr>
-        <p:txBody>
-          <a:bodyPr anchor="t">
-            <a:normAutofit/>
-          </a:bodyPr>
-          <a:p>
-            <a:pPr>
-              <a:lnSpc>
-                <a:spcPct val="150000"/>
-              </a:lnSpc>
-              <a:spcBef>
-                <a:spcPts val="1001"/>
-              </a:spcBef>
-              <a:spcAft>
-                <a:spcPts val="1199"/>
-              </a:spcAft>
-              <a:tabLst>
-                <a:tab algn="l" pos="0"/>
-              </a:tabLst>
-            </a:pPr>
-            <a:r>
-              <a:rPr b="0" lang="de-DE" sz="2400" spc="-1" strike="noStrike">
-                <a:solidFill>
-                  <a:srgbClr val="404040"/>
-                </a:solidFill>
-                <a:latin typeface="Segoe UI Light"/>
-              </a:rPr>
-              <a:t>Textmasterformat durch Klicken bearbeiten</a:t>
-            </a:r>
-            <a:endParaRPr b="0" lang="en-US" sz="2400" spc="-1" strike="noStrike">
-              <a:solidFill>
-                <a:srgbClr val="000000"/>
-              </a:solidFill>
-              <a:latin typeface="Segoe UI"/>
-            </a:endParaRPr>
-          </a:p>
-          <a:p>
-            <a:pPr>
-              <a:lnSpc>
-                <a:spcPct val="150000"/>
-              </a:lnSpc>
-              <a:spcBef>
-                <a:spcPts val="1001"/>
-              </a:spcBef>
-              <a:spcAft>
-                <a:spcPts val="1199"/>
-              </a:spcAft>
-              <a:tabLst>
-                <a:tab algn="l" pos="0"/>
-              </a:tabLst>
-            </a:pPr>
-            <a:r>
-              <a:rPr b="0" lang="de-DE" sz="1200" spc="-1" strike="noStrike">
-                <a:solidFill>
-                  <a:srgbClr val="404040"/>
-                </a:solidFill>
-                <a:latin typeface="Segoe UI"/>
-              </a:rPr>
-              <a:t>Zweite Ebene</a:t>
-            </a:r>
-            <a:endParaRPr b="0" lang="en-US" sz="1200" spc="-1" strike="noStrike">
-              <a:solidFill>
-                <a:srgbClr val="000000"/>
-              </a:solidFill>
-              <a:latin typeface="Segoe UI"/>
-            </a:endParaRPr>
-          </a:p>
-          <a:p>
-            <a:pPr>
-              <a:lnSpc>
-                <a:spcPct val="150000"/>
-              </a:lnSpc>
-              <a:spcBef>
-                <a:spcPts val="1001"/>
-              </a:spcBef>
-              <a:spcAft>
-                <a:spcPts val="1199"/>
-              </a:spcAft>
-              <a:tabLst>
-                <a:tab algn="l" pos="0"/>
-              </a:tabLst>
-            </a:pPr>
-            <a:r>
-              <a:rPr b="0" lang="de-DE" sz="1200" spc="-1" strike="noStrike">
-                <a:solidFill>
-                  <a:srgbClr val="404040"/>
-                </a:solidFill>
-                <a:latin typeface="Segoe UI"/>
-              </a:rPr>
-              <a:t>Dritte Ebene</a:t>
-            </a:r>
-            <a:endParaRPr b="0" lang="en-US" sz="1200" spc="-1" strike="noStrike">
-              <a:solidFill>
-                <a:srgbClr val="000000"/>
-              </a:solidFill>
-              <a:latin typeface="Segoe UI"/>
-            </a:endParaRPr>
-          </a:p>
-          <a:p>
-            <a:pPr>
-              <a:lnSpc>
-                <a:spcPct val="150000"/>
-              </a:lnSpc>
-              <a:spcBef>
-                <a:spcPts val="1001"/>
-              </a:spcBef>
-              <a:spcAft>
-                <a:spcPts val="1199"/>
-              </a:spcAft>
-              <a:tabLst>
-                <a:tab algn="l" pos="0"/>
-              </a:tabLst>
-            </a:pPr>
-            <a:r>
-              <a:rPr b="0" lang="de-DE" sz="1200" spc="-1" strike="noStrike">
-                <a:solidFill>
-                  <a:srgbClr val="404040"/>
-                </a:solidFill>
-                <a:latin typeface="Segoe UI"/>
-              </a:rPr>
-              <a:t>Vierte Ebene</a:t>
-            </a:r>
-            <a:endParaRPr b="0" lang="en-US" sz="1200" spc="-1" strike="noStrike">
-              <a:solidFill>
-                <a:srgbClr val="000000"/>
-              </a:solidFill>
-              <a:latin typeface="Segoe UI"/>
-            </a:endParaRPr>
-          </a:p>
-          <a:p>
-            <a:pPr>
-              <a:lnSpc>
-                <a:spcPct val="150000"/>
-              </a:lnSpc>
-              <a:spcBef>
-                <a:spcPts val="1001"/>
-              </a:spcBef>
-              <a:spcAft>
-                <a:spcPts val="1199"/>
-              </a:spcAft>
-              <a:tabLst>
-                <a:tab algn="l" pos="0"/>
-              </a:tabLst>
-            </a:pPr>
-            <a:r>
-              <a:rPr b="0" lang="de-DE" sz="1200" spc="-1" strike="noStrike">
-                <a:solidFill>
-                  <a:srgbClr val="404040"/>
-                </a:solidFill>
-                <a:latin typeface="Segoe UI"/>
-              </a:rPr>
-              <a:t>Fünfte Ebene</a:t>
-            </a:r>
-            <a:endParaRPr b="0" lang="en-US" sz="1200" spc="-1" strike="noStrike">
-              <a:solidFill>
-                <a:srgbClr val="000000"/>
-              </a:solidFill>
-              <a:latin typeface="Segoe UI"/>
-            </a:endParaRPr>
-          </a:p>
-        </p:txBody>
-      </p:sp>
-    </p:spTree>
-  </p:cSld>
-  <p:clrMap bg1="lt1" bg2="lt2" tx1="dk1" tx2="dk2" accent1="accent1" accent2="accent2" accent3="accent3" accent4="accent4" accent5="accent5" accent6="accent6" hlink="hlink" folHlink="folHlink"/>
-  <p:sldLayoutIdLst>
-    <p:sldLayoutId id="2147483675" r:id="rId2"/>
-    <p:sldLayoutId id="2147483676" r:id="rId3"/>
-    <p:sldLayoutId id="2147483677" r:id="rId4"/>
-    <p:sldLayoutId id="2147483678" r:id="rId5"/>
-    <p:sldLayoutId id="2147483679" r:id="rId6"/>
-    <p:sldLayoutId id="2147483680" r:id="rId7"/>
-    <p:sldLayoutId id="2147483681" r:id="rId8"/>
-    <p:sldLayoutId id="2147483682" r:id="rId9"/>
-    <p:sldLayoutId id="2147483683" r:id="rId10"/>
-    <p:sldLayoutId id="2147483684" r:id="rId11"/>
-    <p:sldLayoutId id="2147483685" r:id="rId12"/>
-    <p:sldLayoutId id="2147483686" r:id="rId13"/>
   </p:sldLayoutIdLst>
 </p:sldMaster>
 </file>
@@ -6853,7 +4458,7 @@
       </p:grpSpPr>
       <p:sp>
         <p:nvSpPr>
-          <p:cNvPr id="134" name="PlaceHolder 1"/>
+          <p:cNvPr id="89" name="PlaceHolder 1"/>
           <p:cNvSpPr>
             <a:spLocks noGrp="1"/>
           </p:cNvSpPr>
@@ -6864,18 +4469,18 @@
         <p:spPr>
           <a:xfrm>
             <a:off x="838080" y="1164240"/>
-            <a:ext cx="10515240" cy="2387160"/>
-          </a:xfrm>
-          <a:prstGeom prst="rect">
-            <a:avLst/>
-          </a:prstGeom>
-          <a:noFill/>
-          <a:ln w="0">
-            <a:noFill/>
-          </a:ln>
-        </p:spPr>
-        <p:txBody>
-          <a:bodyPr anchor="ctr">
+            <a:ext cx="10514880" cy="2386800"/>
+          </a:xfrm>
+          <a:prstGeom prst="rect">
+            <a:avLst/>
+          </a:prstGeom>
+          <a:noFill/>
+          <a:ln w="0">
+            <a:noFill/>
+          </a:ln>
+        </p:spPr>
+        <p:txBody>
+          <a:bodyPr lIns="90000" rIns="90000" tIns="45000" bIns="45000" anchor="ctr">
             <a:normAutofit/>
           </a:bodyPr>
           <a:p>
@@ -6913,17 +4518,14 @@
               <a:t>	</a:t>
             </a:r>
             <a:endParaRPr b="0" lang="de-DE" sz="4800" spc="-1" strike="noStrike">
-              <a:solidFill>
-                <a:srgbClr val="000000"/>
-              </a:solidFill>
-              <a:latin typeface="Segoe UI"/>
-            </a:endParaRPr>
-          </a:p>
-        </p:txBody>
-      </p:sp>
-      <p:sp>
-        <p:nvSpPr>
-          <p:cNvPr id="135" name="PlaceHolder 2"/>
+              <a:latin typeface="Arial"/>
+            </a:endParaRPr>
+          </a:p>
+        </p:txBody>
+      </p:sp>
+      <p:sp>
+        <p:nvSpPr>
+          <p:cNvPr id="90" name="PlaceHolder 2"/>
           <p:cNvSpPr>
             <a:spLocks noGrp="1"/>
           </p:cNvSpPr>
@@ -6934,18 +4536,18 @@
         <p:spPr>
           <a:xfrm>
             <a:off x="1493280" y="5124600"/>
-            <a:ext cx="8303760" cy="697320"/>
-          </a:xfrm>
-          <a:prstGeom prst="rect">
-            <a:avLst/>
-          </a:prstGeom>
-          <a:noFill/>
-          <a:ln w="0">
-            <a:noFill/>
-          </a:ln>
-        </p:spPr>
-        <p:txBody>
-          <a:bodyPr anchor="t">
+            <a:ext cx="8303400" cy="696960"/>
+          </a:xfrm>
+          <a:prstGeom prst="rect">
+            <a:avLst/>
+          </a:prstGeom>
+          <a:noFill/>
+          <a:ln w="0">
+            <a:noFill/>
+          </a:ln>
+        </p:spPr>
+        <p:txBody>
+          <a:bodyPr lIns="0" rIns="0" tIns="0" bIns="0" anchor="t">
             <a:normAutofit/>
           </a:bodyPr>
           <a:p>
@@ -6980,7 +4582,7 @@
       </p:sp>
       <p:pic>
         <p:nvPicPr>
-          <p:cNvPr id="136" name="Bild 3" descr="PowerPoint-Programmsymbol"/>
+          <p:cNvPr id="91" name="Bild 3" descr="PowerPoint-Programmsymbol"/>
           <p:cNvPicPr/>
           <p:nvPr/>
         </p:nvPicPr>
@@ -6991,7 +4593,7 @@
         <p:spPr>
           <a:xfrm>
             <a:off x="670320" y="5193000"/>
-            <a:ext cx="822600" cy="822600"/>
+            <a:ext cx="822240" cy="822240"/>
           </a:xfrm>
           <a:prstGeom prst="rect">
             <a:avLst/>
@@ -7033,7 +4635,7 @@
       </p:grpSpPr>
       <p:sp>
         <p:nvSpPr>
-          <p:cNvPr id="137" name="PlaceHolder 1"/>
+          <p:cNvPr id="92" name="PlaceHolder 1"/>
           <p:cNvSpPr>
             <a:spLocks noGrp="1"/>
           </p:cNvSpPr>
@@ -7044,18 +4646,18 @@
         <p:spPr>
           <a:xfrm>
             <a:off x="521280" y="448200"/>
-            <a:ext cx="8188200" cy="639720"/>
-          </a:xfrm>
-          <a:prstGeom prst="rect">
-            <a:avLst/>
-          </a:prstGeom>
-          <a:noFill/>
-          <a:ln w="0">
-            <a:noFill/>
-          </a:ln>
-        </p:spPr>
-        <p:txBody>
-          <a:bodyPr anchor="b">
+            <a:ext cx="8187840" cy="639360"/>
+          </a:xfrm>
+          <a:prstGeom prst="rect">
+            <a:avLst/>
+          </a:prstGeom>
+          <a:noFill/>
+          <a:ln w="0">
+            <a:noFill/>
+          </a:ln>
+        </p:spPr>
+        <p:txBody>
+          <a:bodyPr lIns="90000" rIns="90000" tIns="45000" bIns="45000" anchor="b">
             <a:normAutofit/>
           </a:bodyPr>
           <a:p>
@@ -7080,23 +4682,20 @@
               <a:t>Optimierung eines linearen Modells</a:t>
             </a:r>
             <a:endParaRPr b="0" lang="de-DE" sz="2800" spc="-1" strike="noStrike">
-              <a:solidFill>
-                <a:srgbClr val="000000"/>
-              </a:solidFill>
-              <a:latin typeface="Segoe UI"/>
+              <a:latin typeface="Arial"/>
             </a:endParaRPr>
           </a:p>
         </p:txBody>
       </p:sp>
       <p:graphicFrame>
         <p:nvGraphicFramePr>
-          <p:cNvPr id="138" name="Tabelle 16"/>
+          <p:cNvPr id="93" name="Tabelle 16"/>
           <p:cNvGraphicFramePr/>
           <p:nvPr/>
         </p:nvGraphicFramePr>
         <p:xfrm>
           <a:off x="613800" y="1620000"/>
-          <a:ext cx="10875960" cy="4192560"/>
+          <a:ext cx="10875960" cy="4192200"/>
         </p:xfrm>
         <a:graphic>
           <a:graphicData uri="http://schemas.openxmlformats.org/drawingml/2006/table">
@@ -7434,6 +5033,11 @@
                       <a:noAutofit/>
                     </a:bodyPr>
                     <a:p>
+                      <a:pPr>
+                        <a:lnSpc>
+                          <a:spcPct val="100000"/>
+                        </a:lnSpc>
+                      </a:pPr>
                       <a:r>
                         <a:rPr b="0" lang="de-DE" sz="1300" spc="-1" strike="noStrike">
                           <a:solidFill>
@@ -7480,6 +5084,11 @@
                       <a:noAutofit/>
                     </a:bodyPr>
                     <a:p>
+                      <a:pPr>
+                        <a:lnSpc>
+                          <a:spcPct val="100000"/>
+                        </a:lnSpc>
+                      </a:pPr>
                       <a:r>
                         <a:rPr b="0" lang="de-DE" sz="1500" spc="-1" strike="noStrike">
                           <a:solidFill>
@@ -7903,7 +5512,7 @@
                           </a:solidFill>
                           <a:latin typeface="Segoe UI"/>
                         </a:rPr>
-                        <a:t>0.8227</a:t>
+                        <a:t>0.8247</a:t>
                       </a:r>
                       <a:endParaRPr b="0" lang="de-DE" sz="1500" spc="-1" strike="noStrike">
                         <a:latin typeface="Arial"/>
@@ -7943,14 +5552,14 @@
       </p:graphicFrame>
       <p:sp>
         <p:nvSpPr>
-          <p:cNvPr id="139" name="Textfeld 18"/>
+          <p:cNvPr id="94" name="Textfeld 18"/>
           <p:cNvSpPr/>
           <p:nvPr/>
         </p:nvSpPr>
         <p:spPr>
           <a:xfrm flipH="1">
-            <a:off x="613800" y="1164600"/>
-            <a:ext cx="7156080" cy="364680"/>
+            <a:off x="613080" y="1164600"/>
+            <a:ext cx="7155720" cy="364320"/>
           </a:xfrm>
           <a:prstGeom prst="rect">
             <a:avLst/>
@@ -7982,6 +5591,7 @@
                   <a:srgbClr val="000000"/>
                 </a:solidFill>
                 <a:latin typeface="Segoe UI"/>
+                <a:ea typeface="DejaVu Sans"/>
               </a:rPr>
               <a:t>Trainingsdaten:</a:t>
             </a:r>
@@ -7991,6 +5601,7 @@
                   <a:srgbClr val="000000"/>
                 </a:solidFill>
                 <a:latin typeface="Segoe UI"/>
+                <a:ea typeface="DejaVu Sans"/>
               </a:rPr>
               <a:t>	</a:t>
             </a:r>
@@ -8000,6 +5611,7 @@
                   <a:srgbClr val="000000"/>
                 </a:solidFill>
                 <a:latin typeface="Segoe UI"/>
+                <a:ea typeface="DejaVu Sans"/>
               </a:rPr>
               <a:t>	</a:t>
             </a:r>
@@ -8009,6 +5621,7 @@
                   <a:srgbClr val="000000"/>
                 </a:solidFill>
                 <a:latin typeface="Segoe UI"/>
+                <a:ea typeface="DejaVu Sans"/>
               </a:rPr>
               <a:t>01.07.2013 - 31.07.2017</a:t>
             </a:r>
@@ -8020,28 +5633,39 @@
       </p:sp>
       <p:sp>
         <p:nvSpPr>
-          <p:cNvPr id="140" name=""/>
-          <p:cNvSpPr txBox="1"/>
+          <p:cNvPr id="95" name=""/>
+          <p:cNvSpPr/>
           <p:nvPr/>
         </p:nvSpPr>
         <p:spPr>
           <a:xfrm>
             <a:off x="540000" y="6120000"/>
-            <a:ext cx="10800000" cy="495720"/>
-          </a:xfrm>
-          <a:prstGeom prst="rect">
-            <a:avLst/>
-          </a:prstGeom>
-          <a:noFill/>
-          <a:ln w="0">
-            <a:noFill/>
-          </a:ln>
-        </p:spPr>
+            <a:ext cx="10799640" cy="495360"/>
+          </a:xfrm>
+          <a:prstGeom prst="rect">
+            <a:avLst/>
+          </a:prstGeom>
+          <a:noFill/>
+          <a:ln w="0">
+            <a:noFill/>
+          </a:ln>
+        </p:spPr>
+        <p:style>
+          <a:lnRef idx="0"/>
+          <a:fillRef idx="0"/>
+          <a:effectRef idx="0"/>
+          <a:fontRef idx="minor"/>
+        </p:style>
         <p:txBody>
           <a:bodyPr lIns="90000" rIns="90000" tIns="45000" bIns="45000" anchor="t">
             <a:noAutofit/>
           </a:bodyPr>
           <a:p>
+            <a:pPr>
+              <a:lnSpc>
+                <a:spcPct val="100000"/>
+              </a:lnSpc>
+            </a:pPr>
             <a:r>
               <a:rPr b="1" lang="de-DE" sz="1200" spc="-1" strike="noStrike">
                 <a:latin typeface="Segoe UI"/>
@@ -8049,10 +5673,15 @@
               <a:t>Gruppierung der Temperaturdaten</a:t>
             </a:r>
             <a:endParaRPr b="0" lang="de-DE" sz="1200" spc="-1" strike="noStrike">
-              <a:latin typeface="Segoe UI"/>
-            </a:endParaRPr>
-          </a:p>
-          <a:p>
+              <a:latin typeface="Arial"/>
+            </a:endParaRPr>
+          </a:p>
+          <a:p>
+            <a:pPr>
+              <a:lnSpc>
+                <a:spcPct val="100000"/>
+              </a:lnSpc>
+            </a:pPr>
             <a:r>
               <a:rPr b="0" lang="de-DE" sz="1200" spc="-1" strike="noStrike">
                 <a:latin typeface="Segoe UI"/>
@@ -8072,7 +5701,7 @@
               <a:t>    -    training_data3: 4 manuelle bins</a:t>
             </a:r>
             <a:endParaRPr b="0" lang="de-DE" sz="1200" spc="-1" strike="noStrike">
-              <a:latin typeface="Segoe UI"/>
+              <a:latin typeface="Arial"/>
             </a:endParaRPr>
           </a:p>
         </p:txBody>
@@ -8109,7 +5738,7 @@
       </p:grpSpPr>
       <p:sp>
         <p:nvSpPr>
-          <p:cNvPr id="141" name="PlaceHolder 1"/>
+          <p:cNvPr id="96" name="PlaceHolder 1"/>
           <p:cNvSpPr>
             <a:spLocks noGrp="1"/>
           </p:cNvSpPr>
@@ -8120,18 +5749,18 @@
         <p:spPr>
           <a:xfrm>
             <a:off x="521280" y="448200"/>
-            <a:ext cx="9882000" cy="639720"/>
-          </a:xfrm>
-          <a:prstGeom prst="rect">
-            <a:avLst/>
-          </a:prstGeom>
-          <a:noFill/>
-          <a:ln w="0">
-            <a:noFill/>
-          </a:ln>
-        </p:spPr>
-        <p:txBody>
-          <a:bodyPr anchor="b">
+            <a:ext cx="9881640" cy="639360"/>
+          </a:xfrm>
+          <a:prstGeom prst="rect">
+            <a:avLst/>
+          </a:prstGeom>
+          <a:noFill/>
+          <a:ln w="0">
+            <a:noFill/>
+          </a:ln>
+        </p:spPr>
+        <p:txBody>
+          <a:bodyPr lIns="90000" rIns="90000" tIns="45000" bIns="45000" anchor="b">
             <a:noAutofit/>
           </a:bodyPr>
           <a:p>
@@ -8153,24 +5782,21 @@
               <a:t>(M)ean (A)bsolute (P)ercentage (E)rror</a:t>
             </a:r>
             <a:endParaRPr b="0" lang="de-DE" sz="2800" spc="-1" strike="noStrike">
-              <a:solidFill>
-                <a:srgbClr val="000000"/>
-              </a:solidFill>
-              <a:latin typeface="Segoe UI"/>
-            </a:endParaRPr>
-          </a:p>
-        </p:txBody>
-      </p:sp>
-      <p:sp>
-        <p:nvSpPr>
-          <p:cNvPr id="142" name="Textfeld 1"/>
+              <a:latin typeface="Arial"/>
+            </a:endParaRPr>
+          </a:p>
+        </p:txBody>
+      </p:sp>
+      <p:sp>
+        <p:nvSpPr>
+          <p:cNvPr id="97" name="Textfeld 1"/>
           <p:cNvSpPr/>
           <p:nvPr/>
         </p:nvSpPr>
         <p:spPr>
           <a:xfrm>
             <a:off x="1650240" y="3147120"/>
-            <a:ext cx="6632280" cy="272880"/>
+            <a:ext cx="6631920" cy="272520"/>
           </a:xfrm>
           <a:prstGeom prst="rect">
             <a:avLst/>
@@ -8202,6 +5828,7 @@
                   <a:srgbClr val="000000"/>
                 </a:solidFill>
                 <a:latin typeface="Segoe UI"/>
+                <a:ea typeface="DejaVu Sans"/>
               </a:rPr>
               <a:t>Differenz zwischen prognostizierten Werten und wahren Werten, geteilt durch den wahren Wert.</a:t>
             </a:r>
@@ -8213,14 +5840,14 @@
       </p:sp>
       <p:sp>
         <p:nvSpPr>
-          <p:cNvPr id="143" name="AutoShape 2"/>
+          <p:cNvPr id="98" name="AutoShape 2"/>
           <p:cNvSpPr/>
           <p:nvPr/>
         </p:nvSpPr>
         <p:spPr>
           <a:xfrm>
             <a:off x="5943600" y="3276720"/>
-            <a:ext cx="304560" cy="304560"/>
+            <a:ext cx="304200" cy="304200"/>
           </a:xfrm>
           <a:prstGeom prst="rect">
             <a:avLst/>
@@ -8239,14 +5866,14 @@
       </p:sp>
       <p:sp>
         <p:nvSpPr>
-          <p:cNvPr id="144" name="Textfeld 2"/>
+          <p:cNvPr id="99" name="Textfeld 2"/>
           <p:cNvSpPr/>
           <p:nvPr/>
         </p:nvSpPr>
         <p:spPr>
           <a:xfrm flipH="1">
-            <a:off x="613800" y="1164600"/>
-            <a:ext cx="7156080" cy="364680"/>
+            <a:off x="613080" y="1164600"/>
+            <a:ext cx="7155720" cy="364320"/>
           </a:xfrm>
           <a:prstGeom prst="rect">
             <a:avLst/>
@@ -8278,6 +5905,7 @@
                   <a:srgbClr val="000000"/>
                 </a:solidFill>
                 <a:latin typeface="Segoe UI"/>
+                <a:ea typeface="DejaVu Sans"/>
               </a:rPr>
               <a:t>Validierungsdaten:</a:t>
             </a:r>
@@ -8287,6 +5915,7 @@
                   <a:srgbClr val="000000"/>
                 </a:solidFill>
                 <a:latin typeface="Segoe UI"/>
+                <a:ea typeface="DejaVu Sans"/>
               </a:rPr>
               <a:t>	</a:t>
             </a:r>
@@ -8296,6 +5925,7 @@
                   <a:srgbClr val="000000"/>
                 </a:solidFill>
                 <a:latin typeface="Segoe UI"/>
+                <a:ea typeface="DejaVu Sans"/>
               </a:rPr>
               <a:t>01.08.2017 - 31.07.2018</a:t>
             </a:r>
@@ -8307,28 +5937,39 @@
       </p:sp>
       <p:sp>
         <p:nvSpPr>
-          <p:cNvPr id="145" name=""/>
-          <p:cNvSpPr txBox="1"/>
+          <p:cNvPr id="100" name=""/>
+          <p:cNvSpPr/>
           <p:nvPr/>
         </p:nvSpPr>
         <p:spPr>
           <a:xfrm>
             <a:off x="3060000" y="4407480"/>
-            <a:ext cx="6120000" cy="632520"/>
-          </a:xfrm>
-          <a:prstGeom prst="rect">
-            <a:avLst/>
-          </a:prstGeom>
-          <a:noFill/>
-          <a:ln w="0">
-            <a:noFill/>
-          </a:ln>
-        </p:spPr>
+            <a:ext cx="6119640" cy="632160"/>
+          </a:xfrm>
+          <a:prstGeom prst="rect">
+            <a:avLst/>
+          </a:prstGeom>
+          <a:noFill/>
+          <a:ln w="0">
+            <a:noFill/>
+          </a:ln>
+        </p:spPr>
+        <p:style>
+          <a:lnRef idx="0"/>
+          <a:fillRef idx="0"/>
+          <a:effectRef idx="0"/>
+          <a:fontRef idx="minor"/>
+        </p:style>
         <p:txBody>
           <a:bodyPr lIns="90000" rIns="90000" tIns="45000" bIns="45000" anchor="t">
             <a:noAutofit/>
           </a:bodyPr>
           <a:p>
+            <a:pPr>
+              <a:lnSpc>
+                <a:spcPct val="100000"/>
+              </a:lnSpc>
+            </a:pPr>
             <a:r>
               <a:rPr b="0" lang="de-DE" sz="3200" spc="-1" strike="noStrike">
                 <a:latin typeface="Segoe UI"/>
@@ -8348,20 +5989,20 @@
               <a:t>24.19786 </a:t>
             </a:r>
             <a:endParaRPr b="0" lang="de-DE" sz="3200" spc="-1" strike="noStrike">
-              <a:latin typeface="Segoe UI"/>
+              <a:latin typeface="Arial"/>
             </a:endParaRPr>
           </a:p>
         </p:txBody>
       </p:sp>
       <p:graphicFrame>
         <p:nvGraphicFramePr>
-          <p:cNvPr id="146" name="Tabelle 1"/>
+          <p:cNvPr id="101" name="Tabelle 1"/>
           <p:cNvGraphicFramePr/>
           <p:nvPr/>
         </p:nvGraphicFramePr>
         <p:xfrm>
           <a:off x="613080" y="2205360"/>
-          <a:ext cx="10875960" cy="4192560"/>
+          <a:ext cx="10875960" cy="821880"/>
         </p:xfrm>
         <a:graphic>
           <a:graphicData uri="http://schemas.openxmlformats.org/drawingml/2006/table">
@@ -8393,7 +6034,7 @@
                         <a:t>mod10 &lt;- lm(Umsatz ~ as.factor(Warengruppe) + Temperatur_bins + Wochenende +      KielerWoche + Schulferien + Feiertag + Season + (Season * as.factor(Warengruppe)) + (Wochenende * as.factor(Warengruppe)) + (Schulferien * as.factor(Warengruppe)) + (Temperatur_bins * as.factor(Warengruppe)) + (Temperatur_bins * Schulferien), training_data2)</a:t>
                       </a:r>
                       <a:endParaRPr b="0" lang="de-DE" sz="1800" spc="-1" strike="noStrike">
-                        <a:latin typeface="Times New Roman"/>
+                        <a:latin typeface="Arial"/>
                       </a:endParaRPr>
                     </a:p>
                   </a:txBody>
@@ -8441,10 +6082,10 @@
                           </a:solidFill>
                           <a:latin typeface="Segoe UI"/>
                         </a:rPr>
-                        <a:t>0.8227</a:t>
+                        <a:t>0.8247</a:t>
                       </a:r>
                       <a:endParaRPr b="0" lang="de-DE" sz="1800" spc="-1" strike="noStrike">
-                        <a:latin typeface="Times New Roman"/>
+                        <a:latin typeface="Arial"/>
                       </a:endParaRPr>
                     </a:p>
                   </a:txBody>
@@ -8481,35 +6122,46 @@
       </p:graphicFrame>
       <p:sp>
         <p:nvSpPr>
-          <p:cNvPr id="147" name=""/>
-          <p:cNvSpPr txBox="1"/>
+          <p:cNvPr id="102" name=""/>
+          <p:cNvSpPr/>
           <p:nvPr/>
         </p:nvSpPr>
         <p:spPr>
           <a:xfrm>
             <a:off x="540000" y="1800000"/>
-            <a:ext cx="1980000" cy="405360"/>
-          </a:xfrm>
-          <a:prstGeom prst="rect">
-            <a:avLst/>
-          </a:prstGeom>
-          <a:noFill/>
-          <a:ln w="0">
-            <a:noFill/>
-          </a:ln>
-        </p:spPr>
+            <a:ext cx="1979640" cy="405000"/>
+          </a:xfrm>
+          <a:prstGeom prst="rect">
+            <a:avLst/>
+          </a:prstGeom>
+          <a:noFill/>
+          <a:ln w="0">
+            <a:noFill/>
+          </a:ln>
+        </p:spPr>
+        <p:style>
+          <a:lnRef idx="0"/>
+          <a:fillRef idx="0"/>
+          <a:effectRef idx="0"/>
+          <a:fontRef idx="minor"/>
+        </p:style>
         <p:txBody>
           <a:bodyPr lIns="90000" rIns="90000" tIns="45000" bIns="45000" anchor="t">
             <a:noAutofit/>
           </a:bodyPr>
           <a:p>
+            <a:pPr>
+              <a:lnSpc>
+                <a:spcPct val="100000"/>
+              </a:lnSpc>
+            </a:pPr>
             <a:r>
               <a:rPr b="1" lang="de-DE" sz="1800" spc="-1" strike="noStrike">
                 <a:latin typeface="Arial"/>
               </a:rPr>
               <a:t>Best model:</a:t>
             </a:r>
-            <a:endParaRPr b="1" lang="de-DE" sz="1800" spc="-1" strike="noStrike">
+            <a:endParaRPr b="0" lang="de-DE" sz="1800" spc="-1" strike="noStrike">
               <a:latin typeface="Arial"/>
             </a:endParaRPr>
           </a:p>
@@ -9204,230 +6856,4 @@
     </a:fmtScheme>
   </a:themeElements>
 </a:theme>
-</file>
-
-<file path=ppt/theme/theme4.xml><?xml version="1.0" encoding="utf-8"?>
-<a:theme xmlns:a="http://schemas.openxmlformats.org/drawingml/2006/main" name="Office Theme">
-  <a:themeElements>
-    <a:clrScheme name="Office">
-      <a:dk1>
-        <a:sysClr val="windowText" lastClr="000000"/>
-      </a:dk1>
-      <a:lt1>
-        <a:sysClr val="window" lastClr="FFFFFF"/>
-      </a:lt1>
-      <a:dk2>
-        <a:srgbClr val="44546a"/>
-      </a:dk2>
-      <a:lt2>
-        <a:srgbClr val="e7e6e6"/>
-      </a:lt2>
-      <a:accent1>
-        <a:srgbClr val="5b9bd5"/>
-      </a:accent1>
-      <a:accent2>
-        <a:srgbClr val="ed7d31"/>
-      </a:accent2>
-      <a:accent3>
-        <a:srgbClr val="a5a5a5"/>
-      </a:accent3>
-      <a:accent4>
-        <a:srgbClr val="ffc000"/>
-      </a:accent4>
-      <a:accent5>
-        <a:srgbClr val="4472c4"/>
-      </a:accent5>
-      <a:accent6>
-        <a:srgbClr val="70ad47"/>
-      </a:accent6>
-      <a:hlink>
-        <a:srgbClr val="0563c1"/>
-      </a:hlink>
-      <a:folHlink>
-        <a:srgbClr val="954f72"/>
-      </a:folHlink>
-    </a:clrScheme>
-    <a:fontScheme name="Office">
-      <a:majorFont>
-        <a:latin typeface="Arial"/>
-        <a:ea typeface="DejaVu Sans"/>
-        <a:cs typeface="DejaVu Sans"/>
-      </a:majorFont>
-      <a:minorFont>
-        <a:latin typeface="Arial"/>
-        <a:ea typeface="DejaVu Sans"/>
-        <a:cs typeface="DejaVu Sans"/>
-      </a:minorFont>
-    </a:fontScheme>
-    <a:fmtScheme name="Office">
-      <a:fillStyleLst>
-        <a:solidFill>
-          <a:schemeClr val="phClr"/>
-        </a:solidFill>
-        <a:gradFill rotWithShape="1">
-          <a:gsLst>
-            <a:gs pos="0">
-              <a:schemeClr val="phClr">
-                <a:tint val="50000"/>
-                <a:satMod val="300000"/>
-              </a:schemeClr>
-            </a:gs>
-            <a:gs pos="35000">
-              <a:schemeClr val="phClr">
-                <a:tint val="37000"/>
-                <a:satMod val="300000"/>
-              </a:schemeClr>
-            </a:gs>
-            <a:gs pos="100000">
-              <a:schemeClr val="phClr">
-                <a:tint val="15000"/>
-                <a:satMod val="350000"/>
-              </a:schemeClr>
-            </a:gs>
-          </a:gsLst>
-          <a:lin ang="16200000" scaled="1"/>
-        </a:gradFill>
-        <a:gradFill rotWithShape="1">
-          <a:gsLst>
-            <a:gs pos="0">
-              <a:schemeClr val="phClr">
-                <a:shade val="51000"/>
-                <a:satMod val="130000"/>
-              </a:schemeClr>
-            </a:gs>
-            <a:gs pos="80000">
-              <a:schemeClr val="phClr">
-                <a:shade val="93000"/>
-                <a:satMod val="130000"/>
-              </a:schemeClr>
-            </a:gs>
-            <a:gs pos="100000">
-              <a:schemeClr val="phClr">
-                <a:shade val="94000"/>
-                <a:satMod val="135000"/>
-              </a:schemeClr>
-            </a:gs>
-          </a:gsLst>
-          <a:lin ang="16200000" scaled="0"/>
-        </a:gradFill>
-      </a:fillStyleLst>
-      <a:lnStyleLst>
-        <a:ln w="9525" cap="flat" cmpd="sng" algn="ctr">
-          <a:solidFill>
-            <a:schemeClr val="phClr">
-              <a:shade val="95000"/>
-              <a:satMod val="105000"/>
-            </a:schemeClr>
-          </a:solidFill>
-          <a:prstDash val="solid"/>
-          <a:miter/>
-        </a:ln>
-        <a:ln w="25400" cap="flat" cmpd="sng" algn="ctr">
-          <a:solidFill>
-            <a:schemeClr val="phClr"/>
-          </a:solidFill>
-          <a:prstDash val="solid"/>
-          <a:miter/>
-        </a:ln>
-        <a:ln w="38100" cap="flat" cmpd="sng" algn="ctr">
-          <a:solidFill>
-            <a:schemeClr val="phClr"/>
-          </a:solidFill>
-          <a:prstDash val="solid"/>
-          <a:miter/>
-        </a:ln>
-      </a:lnStyleLst>
-      <a:effectStyleLst>
-        <a:effectStyle>
-          <a:effectLst>
-            <a:outerShdw blurRad="40000" dist="20000" dir="5400000" rotWithShape="0">
-              <a:srgbClr val="000000">
-                <a:alpha val="38000"/>
-              </a:srgbClr>
-            </a:outerShdw>
-          </a:effectLst>
-        </a:effectStyle>
-        <a:effectStyle>
-          <a:effectLst>
-            <a:outerShdw blurRad="40000" dist="23000" dir="5400000" rotWithShape="0">
-              <a:srgbClr val="000000">
-                <a:alpha val="35000"/>
-              </a:srgbClr>
-            </a:outerShdw>
-          </a:effectLst>
-        </a:effectStyle>
-        <a:effectStyle>
-          <a:effectLst>
-            <a:outerShdw blurRad="40000" dist="23000" dir="5400000" rotWithShape="0">
-              <a:srgbClr val="000000">
-                <a:alpha val="35000"/>
-              </a:srgbClr>
-            </a:outerShdw>
-          </a:effectLst>
-          <a:scene3d>
-            <a:camera prst="orthographicFront">
-              <a:rot lat="0" lon="0" rev="0"/>
-            </a:camera>
-            <a:lightRig rig="threePt" dir="t">
-              <a:rot lat="0" lon="0" rev="1200000"/>
-            </a:lightRig>
-          </a:scene3d>
-          <a:sp3d>
-            <a:bevelT w="63500" h="25400"/>
-          </a:sp3d>
-        </a:effectStyle>
-      </a:effectStyleLst>
-      <a:bgFillStyleLst>
-        <a:solidFill>
-          <a:schemeClr val="phClr"/>
-        </a:solidFill>
-        <a:gradFill rotWithShape="1">
-          <a:gsLst>
-            <a:gs pos="0">
-              <a:schemeClr val="phClr">
-                <a:tint val="40000"/>
-                <a:satMod val="350000"/>
-              </a:schemeClr>
-            </a:gs>
-            <a:gs pos="40000">
-              <a:schemeClr val="phClr">
-                <a:tint val="45000"/>
-                <a:shade val="99000"/>
-                <a:satMod val="350000"/>
-              </a:schemeClr>
-            </a:gs>
-            <a:gs pos="100000">
-              <a:schemeClr val="phClr">
-                <a:shade val="20000"/>
-                <a:satMod val="255000"/>
-              </a:schemeClr>
-            </a:gs>
-          </a:gsLst>
-          <a:path path="circle">
-            <a:fillToRect l="50000" t="-80000" r="50000" b="180000"/>
-          </a:path>
-        </a:gradFill>
-        <a:gradFill rotWithShape="1">
-          <a:gsLst>
-            <a:gs pos="0">
-              <a:schemeClr val="phClr">
-                <a:tint val="80000"/>
-                <a:satMod val="300000"/>
-              </a:schemeClr>
-            </a:gs>
-            <a:gs pos="100000">
-              <a:schemeClr val="phClr">
-                <a:shade val="30000"/>
-                <a:satMod val="200000"/>
-              </a:schemeClr>
-            </a:gs>
-          </a:gsLst>
-          <a:path path="circle">
-            <a:fillToRect l="50000" t="50000" r="50000" b="50000"/>
-          </a:path>
-        </a:gradFill>
-      </a:bgFillStyleLst>
-    </a:fmtScheme>
-  </a:themeElements>
-</a:theme>
 </file>